--- a/docs/23CSE301_A8.pptx
+++ b/docs/23CSE301_A8.pptx
@@ -8,11 +8,22 @@
     <p:sldId id="256" r:id="rId2"/>
     <p:sldId id="268" r:id="rId3"/>
     <p:sldId id="258" r:id="rId4"/>
-    <p:sldId id="259" r:id="rId5"/>
-    <p:sldId id="260" r:id="rId6"/>
-    <p:sldId id="269" r:id="rId7"/>
-    <p:sldId id="261" r:id="rId8"/>
-    <p:sldId id="262" r:id="rId9"/>
+    <p:sldId id="270" r:id="rId5"/>
+    <p:sldId id="271" r:id="rId6"/>
+    <p:sldId id="272" r:id="rId7"/>
+    <p:sldId id="259" r:id="rId8"/>
+    <p:sldId id="273" r:id="rId9"/>
+    <p:sldId id="274" r:id="rId10"/>
+    <p:sldId id="275" r:id="rId11"/>
+    <p:sldId id="260" r:id="rId12"/>
+    <p:sldId id="276" r:id="rId13"/>
+    <p:sldId id="277" r:id="rId14"/>
+    <p:sldId id="278" r:id="rId15"/>
+    <p:sldId id="269" r:id="rId16"/>
+    <p:sldId id="279" r:id="rId17"/>
+    <p:sldId id="280" r:id="rId18"/>
+    <p:sldId id="281" r:id="rId19"/>
+    <p:sldId id="262" r:id="rId20"/>
   </p:sldIdLst>
   <p:sldSz cx="12192000" cy="6858000"/>
   <p:notesSz cx="6858000" cy="9144000"/>
@@ -359,7 +370,7 @@
           <a:p>
             <a:fld id="{C2EF3F80-4C52-46D4-9D36-C6F3EED98E5F}" type="datetimeFigureOut">
               <a:rPr lang="en-IN" smtClean="0"/>
-              <a:t>21-11-2025</a:t>
+              <a:t>27-11-2025</a:t>
             </a:fld>
             <a:endParaRPr lang="en-IN"/>
           </a:p>
@@ -567,7 +578,7 @@
           <a:p>
             <a:fld id="{C2EF3F80-4C52-46D4-9D36-C6F3EED98E5F}" type="datetimeFigureOut">
               <a:rPr lang="en-IN" smtClean="0"/>
-              <a:t>21-11-2025</a:t>
+              <a:t>27-11-2025</a:t>
             </a:fld>
             <a:endParaRPr lang="en-IN"/>
           </a:p>
@@ -823,7 +834,7 @@
           <a:p>
             <a:fld id="{C2EF3F80-4C52-46D4-9D36-C6F3EED98E5F}" type="datetimeFigureOut">
               <a:rPr lang="en-IN" smtClean="0"/>
-              <a:t>21-11-2025</a:t>
+              <a:t>27-11-2025</a:t>
             </a:fld>
             <a:endParaRPr lang="en-IN"/>
           </a:p>
@@ -997,7 +1008,7 @@
           <a:p>
             <a:fld id="{C2EF3F80-4C52-46D4-9D36-C6F3EED98E5F}" type="datetimeFigureOut">
               <a:rPr lang="en-IN" smtClean="0"/>
-              <a:t>21-11-2025</a:t>
+              <a:t>27-11-2025</a:t>
             </a:fld>
             <a:endParaRPr lang="en-IN"/>
           </a:p>
@@ -1332,7 +1343,7 @@
           <a:p>
             <a:fld id="{C2EF3F80-4C52-46D4-9D36-C6F3EED98E5F}" type="datetimeFigureOut">
               <a:rPr lang="en-IN" smtClean="0"/>
-              <a:t>21-11-2025</a:t>
+              <a:t>27-11-2025</a:t>
             </a:fld>
             <a:endParaRPr lang="en-IN"/>
           </a:p>
@@ -1607,7 +1618,7 @@
           <a:p>
             <a:fld id="{C2EF3F80-4C52-46D4-9D36-C6F3EED98E5F}" type="datetimeFigureOut">
               <a:rPr lang="en-IN" smtClean="0"/>
-              <a:t>21-11-2025</a:t>
+              <a:t>27-11-2025</a:t>
             </a:fld>
             <a:endParaRPr lang="en-IN"/>
           </a:p>
@@ -1986,7 +1997,7 @@
           <a:p>
             <a:fld id="{C2EF3F80-4C52-46D4-9D36-C6F3EED98E5F}" type="datetimeFigureOut">
               <a:rPr lang="en-IN" smtClean="0"/>
-              <a:t>21-11-2025</a:t>
+              <a:t>27-11-2025</a:t>
             </a:fld>
             <a:endParaRPr lang="en-IN"/>
           </a:p>
@@ -2104,7 +2115,7 @@
           <a:p>
             <a:fld id="{C2EF3F80-4C52-46D4-9D36-C6F3EED98E5F}" type="datetimeFigureOut">
               <a:rPr lang="en-IN" smtClean="0"/>
-              <a:t>21-11-2025</a:t>
+              <a:t>27-11-2025</a:t>
             </a:fld>
             <a:endParaRPr lang="en-IN"/>
           </a:p>
@@ -2275,7 +2286,7 @@
           <a:p>
             <a:fld id="{C2EF3F80-4C52-46D4-9D36-C6F3EED98E5F}" type="datetimeFigureOut">
               <a:rPr lang="en-IN" smtClean="0"/>
-              <a:t>21-11-2025</a:t>
+              <a:t>27-11-2025</a:t>
             </a:fld>
             <a:endParaRPr lang="en-IN"/>
           </a:p>
@@ -2629,7 +2640,7 @@
           <a:p>
             <a:fld id="{C2EF3F80-4C52-46D4-9D36-C6F3EED98E5F}" type="datetimeFigureOut">
               <a:rPr lang="en-IN" smtClean="0"/>
-              <a:t>21-11-2025</a:t>
+              <a:t>27-11-2025</a:t>
             </a:fld>
             <a:endParaRPr lang="en-IN"/>
           </a:p>
@@ -3011,7 +3022,7 @@
           <a:p>
             <a:fld id="{C2EF3F80-4C52-46D4-9D36-C6F3EED98E5F}" type="datetimeFigureOut">
               <a:rPr lang="en-IN" smtClean="0"/>
-              <a:t>21-11-2025</a:t>
+              <a:t>27-11-2025</a:t>
             </a:fld>
             <a:endParaRPr lang="en-IN"/>
           </a:p>
@@ -3322,7 +3333,7 @@
           <a:p>
             <a:fld id="{C2EF3F80-4C52-46D4-9D36-C6F3EED98E5F}" type="datetimeFigureOut">
               <a:rPr lang="en-IN" smtClean="0"/>
-              <a:t>21-11-2025</a:t>
+              <a:t>27-11-2025</a:t>
             </a:fld>
             <a:endParaRPr lang="en-IN"/>
           </a:p>
@@ -3876,14 +3887,12 @@
           <a:p>
             <a:pPr algn="ctr"/>
             <a:r>
-              <a:rPr lang="en-IN" sz="5400" dirty="0">
-                <a:solidFill>
-                  <a:srgbClr val="C00000"/>
-                </a:solidFill>
-                <a:latin typeface="Bahnschrift" panose="020B0502040204020203" pitchFamily="34" charset="0"/>
-              </a:rPr>
-              <a:t>TITLE</a:t>
-            </a:r>
+              <a:rPr lang="en-US" sz="4400" b="1" dirty="0"/>
+              <a:t>E-commerce and retail analytics using machine learning techniques</a:t>
+            </a:r>
+            <a:br>
+              <a:rPr lang="en-IN" b="1" dirty="0"/>
+            </a:br>
             <a:br>
               <a:rPr lang="en-IN" sz="5400" dirty="0">
                 <a:solidFill>
@@ -3899,7 +3908,7 @@
                 </a:solidFill>
                 <a:latin typeface="Bahnschrift" panose="020B0502040204020203" pitchFamily="34" charset="0"/>
               </a:rPr>
-              <a:t>(Group No)</a:t>
+              <a:t>A8</a:t>
             </a:r>
           </a:p>
         </p:txBody>
@@ -3920,22 +3929,52 @@
             <p:ph type="subTitle" idx="1"/>
           </p:nvPr>
         </p:nvSpPr>
-        <p:spPr/>
+        <p:spPr>
+          <a:xfrm>
+            <a:off x="1100051" y="4455620"/>
+            <a:ext cx="10582612" cy="1776738"/>
+          </a:xfrm>
+        </p:spPr>
         <p:txBody>
           <a:bodyPr>
-            <a:normAutofit/>
+            <a:normAutofit fontScale="92500" lnSpcReduction="10000"/>
           </a:bodyPr>
           <a:lstStyle/>
           <a:p>
             <a:pPr algn="r"/>
             <a:r>
               <a:rPr lang="en-IN" b="1" dirty="0"/>
-              <a:t>Member Details</a:t>
+              <a:t> Akshay s - AM.SC.U4CSE23009</a:t>
             </a:r>
           </a:p>
           <a:p>
             <a:pPr algn="r"/>
-            <a:endParaRPr lang="en-IN" b="1" dirty="0"/>
+            <a:r>
+              <a:rPr lang="en-IN" b="1" dirty="0"/>
+              <a:t> Goutham Krishna - Am.sc.u4cse23031</a:t>
+            </a:r>
+          </a:p>
+          <a:p>
+            <a:pPr algn="r"/>
+            <a:r>
+              <a:rPr lang="en-IN" b="1" dirty="0"/>
+              <a:t>Pranav s - Am.sc.u4cse23067</a:t>
+            </a:r>
+          </a:p>
+          <a:p>
+            <a:pPr algn="r"/>
+            <a:r>
+              <a:rPr lang="en-IN" b="1" dirty="0"/>
+              <a:t> Rahul </a:t>
+            </a:r>
+            <a:r>
+              <a:rPr lang="en-IN" b="1" dirty="0" err="1"/>
+              <a:t>rajan</a:t>
+            </a:r>
+            <a:r>
+              <a:rPr lang="en-IN" b="1" dirty="0"/>
+              <a:t> Sebastian - Am.sc.u4cse23069</a:t>
+            </a:r>
           </a:p>
           <a:p>
             <a:pPr algn="r"/>
@@ -3949,6 +3988,1005 @@
         <p14:creationId xmlns:p14="http://schemas.microsoft.com/office/powerpoint/2010/main" val="710157365"/>
       </p:ext>
     </p:extLst>
+  </p:cSld>
+  <p:clrMapOvr>
+    <a:masterClrMapping/>
+  </p:clrMapOvr>
+</p:sld>
+</file>
+
+<file path=ppt/slides/slide10.xml><?xml version="1.0" encoding="utf-8"?>
+<p:sld xmlns:a="http://schemas.openxmlformats.org/drawingml/2006/main" xmlns:r="http://schemas.openxmlformats.org/officeDocument/2006/relationships" xmlns:p="http://schemas.openxmlformats.org/presentationml/2006/main">
+  <p:cSld>
+    <p:spTree>
+      <p:nvGrpSpPr>
+        <p:cNvPr id="1" name="">
+          <a:extLst>
+            <a:ext uri="{FF2B5EF4-FFF2-40B4-BE49-F238E27FC236}">
+              <a16:creationId xmlns:a16="http://schemas.microsoft.com/office/drawing/2014/main" id="{5E33A4C7-53EA-A8EE-1B41-5E3AF4809217}"/>
+            </a:ext>
+          </a:extLst>
+        </p:cNvPr>
+        <p:cNvGrpSpPr/>
+        <p:nvPr/>
+      </p:nvGrpSpPr>
+      <p:grpSpPr>
+        <a:xfrm>
+          <a:off x="0" y="0"/>
+          <a:ext cx="0" cy="0"/>
+          <a:chOff x="0" y="0"/>
+          <a:chExt cx="0" cy="0"/>
+        </a:xfrm>
+      </p:grpSpPr>
+      <p:sp>
+        <p:nvSpPr>
+          <p:cNvPr id="2" name="Title 1">
+            <a:extLst>
+              <a:ext uri="{FF2B5EF4-FFF2-40B4-BE49-F238E27FC236}">
+                <a16:creationId xmlns:a16="http://schemas.microsoft.com/office/drawing/2014/main" id="{49AFA0B4-3543-902D-EB66-F69810D46232}"/>
+              </a:ext>
+            </a:extLst>
+          </p:cNvPr>
+          <p:cNvSpPr>
+            <a:spLocks noGrp="1"/>
+          </p:cNvSpPr>
+          <p:nvPr>
+            <p:ph type="title"/>
+          </p:nvPr>
+        </p:nvSpPr>
+        <p:spPr/>
+        <p:txBody>
+          <a:bodyPr/>
+          <a:lstStyle/>
+          <a:p>
+            <a:r>
+              <a:t>3. Models Used for Dataset 1</a:t>
+            </a:r>
+          </a:p>
+        </p:txBody>
+      </p:sp>
+      <p:sp>
+        <p:nvSpPr>
+          <p:cNvPr id="3" name="Content Placeholder 2">
+            <a:extLst>
+              <a:ext uri="{FF2B5EF4-FFF2-40B4-BE49-F238E27FC236}">
+                <a16:creationId xmlns:a16="http://schemas.microsoft.com/office/drawing/2014/main" id="{0D46CA3B-8F3C-E05B-D85D-A131750410F0}"/>
+              </a:ext>
+            </a:extLst>
+          </p:cNvPr>
+          <p:cNvSpPr>
+            <a:spLocks noGrp="1"/>
+          </p:cNvSpPr>
+          <p:nvPr>
+            <p:ph idx="1"/>
+          </p:nvPr>
+        </p:nvSpPr>
+        <p:spPr/>
+        <p:txBody>
+          <a:bodyPr/>
+          <a:lstStyle/>
+          <a:p>
+            <a:r>
+              <a:rPr dirty="0"/>
+              <a:t>List of models applied</a:t>
+            </a:r>
+          </a:p>
+          <a:p>
+            <a:r>
+              <a:rPr dirty="0"/>
+              <a:t>Reason for choosing each model</a:t>
+            </a:r>
+          </a:p>
+          <a:p>
+            <a:r>
+              <a:rPr dirty="0"/>
+              <a:t>Hyperparameters</a:t>
+            </a:r>
+          </a:p>
+          <a:p>
+            <a:r>
+              <a:rPr dirty="0"/>
+              <a:t>Frameworks used (Python, scikit-learn etc.)</a:t>
+            </a:r>
+          </a:p>
+        </p:txBody>
+      </p:sp>
+    </p:spTree>
+    <p:extLst>
+      <p:ext uri="{BB962C8B-B14F-4D97-AF65-F5344CB8AC3E}">
+        <p14:creationId xmlns:p14="http://schemas.microsoft.com/office/powerpoint/2010/main" val="923775988"/>
+      </p:ext>
+    </p:extLst>
+  </p:cSld>
+  <p:clrMapOvr>
+    <a:masterClrMapping/>
+  </p:clrMapOvr>
+</p:sld>
+</file>
+
+<file path=ppt/slides/slide11.xml><?xml version="1.0" encoding="utf-8"?>
+<p:sld xmlns:a="http://schemas.openxmlformats.org/drawingml/2006/main" xmlns:r="http://schemas.openxmlformats.org/officeDocument/2006/relationships" xmlns:p="http://schemas.openxmlformats.org/presentationml/2006/main">
+  <p:cSld>
+    <p:spTree>
+      <p:nvGrpSpPr>
+        <p:cNvPr id="1" name=""/>
+        <p:cNvGrpSpPr/>
+        <p:nvPr/>
+      </p:nvGrpSpPr>
+      <p:grpSpPr>
+        <a:xfrm>
+          <a:off x="0" y="0"/>
+          <a:ext cx="0" cy="0"/>
+          <a:chOff x="0" y="0"/>
+          <a:chExt cx="0" cy="0"/>
+        </a:xfrm>
+      </p:grpSpPr>
+      <p:sp>
+        <p:nvSpPr>
+          <p:cNvPr id="2" name="Title 1"/>
+          <p:cNvSpPr>
+            <a:spLocks noGrp="1"/>
+          </p:cNvSpPr>
+          <p:nvPr>
+            <p:ph type="title"/>
+          </p:nvPr>
+        </p:nvSpPr>
+        <p:spPr/>
+        <p:txBody>
+          <a:bodyPr>
+            <a:normAutofit/>
+          </a:bodyPr>
+          <a:lstStyle/>
+          <a:p>
+            <a:r>
+              <a:rPr dirty="0"/>
+              <a:t>4. Result Analysis – Dataset 1</a:t>
+            </a:r>
+            <a:r>
+              <a:rPr lang="en-IN" dirty="0"/>
+              <a:t> (if classification)</a:t>
+            </a:r>
+            <a:endParaRPr dirty="0"/>
+          </a:p>
+        </p:txBody>
+      </p:sp>
+      <p:sp>
+        <p:nvSpPr>
+          <p:cNvPr id="3" name="Content Placeholder 2"/>
+          <p:cNvSpPr>
+            <a:spLocks noGrp="1"/>
+          </p:cNvSpPr>
+          <p:nvPr>
+            <p:ph idx="1"/>
+          </p:nvPr>
+        </p:nvSpPr>
+        <p:spPr/>
+        <p:txBody>
+          <a:bodyPr/>
+          <a:lstStyle/>
+          <a:p>
+            <a:r>
+              <a:rPr lang="en-IN" dirty="0"/>
+              <a:t>Confusion Matrix</a:t>
+            </a:r>
+          </a:p>
+          <a:p>
+            <a:r>
+              <a:rPr lang="en-US" dirty="0"/>
+              <a:t>Accuracy, Precision, Recall, Specificity, F1</a:t>
+            </a:r>
+          </a:p>
+          <a:p>
+            <a:r>
+              <a:rPr lang="en-IN" dirty="0"/>
+              <a:t>ROC-AUC, PR-AUC</a:t>
+            </a:r>
+          </a:p>
+          <a:p>
+            <a:r>
+              <a:rPr lang="en-IN" dirty="0"/>
+              <a:t>ROC, PR Curves</a:t>
+            </a:r>
+            <a:endParaRPr dirty="0"/>
+          </a:p>
+        </p:txBody>
+      </p:sp>
+    </p:spTree>
+  </p:cSld>
+  <p:clrMapOvr>
+    <a:masterClrMapping/>
+  </p:clrMapOvr>
+</p:sld>
+</file>
+
+<file path=ppt/slides/slide12.xml><?xml version="1.0" encoding="utf-8"?>
+<p:sld xmlns:a="http://schemas.openxmlformats.org/drawingml/2006/main" xmlns:r="http://schemas.openxmlformats.org/officeDocument/2006/relationships" xmlns:p="http://schemas.openxmlformats.org/presentationml/2006/main">
+  <p:cSld>
+    <p:spTree>
+      <p:nvGrpSpPr>
+        <p:cNvPr id="1" name="">
+          <a:extLst>
+            <a:ext uri="{FF2B5EF4-FFF2-40B4-BE49-F238E27FC236}">
+              <a16:creationId xmlns:a16="http://schemas.microsoft.com/office/drawing/2014/main" id="{B669D9E3-6FCF-175F-B057-1B12EB1AFD9B}"/>
+            </a:ext>
+          </a:extLst>
+        </p:cNvPr>
+        <p:cNvGrpSpPr/>
+        <p:nvPr/>
+      </p:nvGrpSpPr>
+      <p:grpSpPr>
+        <a:xfrm>
+          <a:off x="0" y="0"/>
+          <a:ext cx="0" cy="0"/>
+          <a:chOff x="0" y="0"/>
+          <a:chExt cx="0" cy="0"/>
+        </a:xfrm>
+      </p:grpSpPr>
+      <p:sp>
+        <p:nvSpPr>
+          <p:cNvPr id="2" name="Title 1">
+            <a:extLst>
+              <a:ext uri="{FF2B5EF4-FFF2-40B4-BE49-F238E27FC236}">
+                <a16:creationId xmlns:a16="http://schemas.microsoft.com/office/drawing/2014/main" id="{D1D2AE70-1334-379B-4211-2A0E8BFAB033}"/>
+              </a:ext>
+            </a:extLst>
+          </p:cNvPr>
+          <p:cNvSpPr>
+            <a:spLocks noGrp="1"/>
+          </p:cNvSpPr>
+          <p:nvPr>
+            <p:ph type="title"/>
+          </p:nvPr>
+        </p:nvSpPr>
+        <p:spPr/>
+        <p:txBody>
+          <a:bodyPr>
+            <a:normAutofit/>
+          </a:bodyPr>
+          <a:lstStyle/>
+          <a:p>
+            <a:r>
+              <a:rPr dirty="0"/>
+              <a:t>4. Result Analysis – Dataset 1</a:t>
+            </a:r>
+            <a:r>
+              <a:rPr lang="en-IN" dirty="0"/>
+              <a:t> (if classification)</a:t>
+            </a:r>
+            <a:endParaRPr dirty="0"/>
+          </a:p>
+        </p:txBody>
+      </p:sp>
+      <p:sp>
+        <p:nvSpPr>
+          <p:cNvPr id="3" name="Content Placeholder 2">
+            <a:extLst>
+              <a:ext uri="{FF2B5EF4-FFF2-40B4-BE49-F238E27FC236}">
+                <a16:creationId xmlns:a16="http://schemas.microsoft.com/office/drawing/2014/main" id="{16D544E1-3DB3-6DD4-F16E-941C7791D910}"/>
+              </a:ext>
+            </a:extLst>
+          </p:cNvPr>
+          <p:cNvSpPr>
+            <a:spLocks noGrp="1"/>
+          </p:cNvSpPr>
+          <p:nvPr>
+            <p:ph idx="1"/>
+          </p:nvPr>
+        </p:nvSpPr>
+        <p:spPr/>
+        <p:txBody>
+          <a:bodyPr/>
+          <a:lstStyle/>
+          <a:p>
+            <a:r>
+              <a:rPr lang="en-IN" dirty="0"/>
+              <a:t>Confusion Matrix</a:t>
+            </a:r>
+          </a:p>
+          <a:p>
+            <a:r>
+              <a:rPr lang="en-US" dirty="0"/>
+              <a:t>Accuracy, Precision, Recall, Specificity, F1</a:t>
+            </a:r>
+          </a:p>
+          <a:p>
+            <a:r>
+              <a:rPr lang="en-IN" dirty="0"/>
+              <a:t>ROC-AUC, PR-AUC</a:t>
+            </a:r>
+          </a:p>
+          <a:p>
+            <a:r>
+              <a:rPr lang="en-IN" dirty="0"/>
+              <a:t>ROC, PR Curves</a:t>
+            </a:r>
+            <a:endParaRPr dirty="0"/>
+          </a:p>
+        </p:txBody>
+      </p:sp>
+    </p:spTree>
+    <p:extLst>
+      <p:ext uri="{BB962C8B-B14F-4D97-AF65-F5344CB8AC3E}">
+        <p14:creationId xmlns:p14="http://schemas.microsoft.com/office/powerpoint/2010/main" val="958603044"/>
+      </p:ext>
+    </p:extLst>
+  </p:cSld>
+  <p:clrMapOvr>
+    <a:masterClrMapping/>
+  </p:clrMapOvr>
+</p:sld>
+</file>
+
+<file path=ppt/slides/slide13.xml><?xml version="1.0" encoding="utf-8"?>
+<p:sld xmlns:a="http://schemas.openxmlformats.org/drawingml/2006/main" xmlns:r="http://schemas.openxmlformats.org/officeDocument/2006/relationships" xmlns:p="http://schemas.openxmlformats.org/presentationml/2006/main">
+  <p:cSld>
+    <p:spTree>
+      <p:nvGrpSpPr>
+        <p:cNvPr id="1" name="">
+          <a:extLst>
+            <a:ext uri="{FF2B5EF4-FFF2-40B4-BE49-F238E27FC236}">
+              <a16:creationId xmlns:a16="http://schemas.microsoft.com/office/drawing/2014/main" id="{F17C17A2-F8E9-899B-5C9D-28E04ABD0B13}"/>
+            </a:ext>
+          </a:extLst>
+        </p:cNvPr>
+        <p:cNvGrpSpPr/>
+        <p:nvPr/>
+      </p:nvGrpSpPr>
+      <p:grpSpPr>
+        <a:xfrm>
+          <a:off x="0" y="0"/>
+          <a:ext cx="0" cy="0"/>
+          <a:chOff x="0" y="0"/>
+          <a:chExt cx="0" cy="0"/>
+        </a:xfrm>
+      </p:grpSpPr>
+      <p:sp>
+        <p:nvSpPr>
+          <p:cNvPr id="2" name="Title 1">
+            <a:extLst>
+              <a:ext uri="{FF2B5EF4-FFF2-40B4-BE49-F238E27FC236}">
+                <a16:creationId xmlns:a16="http://schemas.microsoft.com/office/drawing/2014/main" id="{A803186C-65C6-60D8-9A8E-6A8004F1D1C0}"/>
+              </a:ext>
+            </a:extLst>
+          </p:cNvPr>
+          <p:cNvSpPr>
+            <a:spLocks noGrp="1"/>
+          </p:cNvSpPr>
+          <p:nvPr>
+            <p:ph type="title"/>
+          </p:nvPr>
+        </p:nvSpPr>
+        <p:spPr/>
+        <p:txBody>
+          <a:bodyPr>
+            <a:normAutofit/>
+          </a:bodyPr>
+          <a:lstStyle/>
+          <a:p>
+            <a:r>
+              <a:rPr dirty="0"/>
+              <a:t>4. Result Analysis – Dataset 1</a:t>
+            </a:r>
+            <a:r>
+              <a:rPr lang="en-IN" dirty="0"/>
+              <a:t> (if classification)</a:t>
+            </a:r>
+            <a:endParaRPr dirty="0"/>
+          </a:p>
+        </p:txBody>
+      </p:sp>
+      <p:sp>
+        <p:nvSpPr>
+          <p:cNvPr id="3" name="Content Placeholder 2">
+            <a:extLst>
+              <a:ext uri="{FF2B5EF4-FFF2-40B4-BE49-F238E27FC236}">
+                <a16:creationId xmlns:a16="http://schemas.microsoft.com/office/drawing/2014/main" id="{7ABA8FF1-3EED-66A8-BB4F-3E7BD5A60BD3}"/>
+              </a:ext>
+            </a:extLst>
+          </p:cNvPr>
+          <p:cNvSpPr>
+            <a:spLocks noGrp="1"/>
+          </p:cNvSpPr>
+          <p:nvPr>
+            <p:ph idx="1"/>
+          </p:nvPr>
+        </p:nvSpPr>
+        <p:spPr/>
+        <p:txBody>
+          <a:bodyPr/>
+          <a:lstStyle/>
+          <a:p>
+            <a:r>
+              <a:rPr lang="en-IN" dirty="0"/>
+              <a:t>Confusion Matrix</a:t>
+            </a:r>
+          </a:p>
+          <a:p>
+            <a:r>
+              <a:rPr lang="en-US" dirty="0"/>
+              <a:t>Accuracy, Precision, Recall, Specificity, F1</a:t>
+            </a:r>
+          </a:p>
+          <a:p>
+            <a:r>
+              <a:rPr lang="en-IN" dirty="0"/>
+              <a:t>ROC-AUC, PR-AUC</a:t>
+            </a:r>
+          </a:p>
+          <a:p>
+            <a:r>
+              <a:rPr lang="en-IN" dirty="0"/>
+              <a:t>ROC, PR Curves</a:t>
+            </a:r>
+            <a:endParaRPr dirty="0"/>
+          </a:p>
+        </p:txBody>
+      </p:sp>
+    </p:spTree>
+    <p:extLst>
+      <p:ext uri="{BB962C8B-B14F-4D97-AF65-F5344CB8AC3E}">
+        <p14:creationId xmlns:p14="http://schemas.microsoft.com/office/powerpoint/2010/main" val="1972627948"/>
+      </p:ext>
+    </p:extLst>
+  </p:cSld>
+  <p:clrMapOvr>
+    <a:masterClrMapping/>
+  </p:clrMapOvr>
+</p:sld>
+</file>
+
+<file path=ppt/slides/slide14.xml><?xml version="1.0" encoding="utf-8"?>
+<p:sld xmlns:a="http://schemas.openxmlformats.org/drawingml/2006/main" xmlns:r="http://schemas.openxmlformats.org/officeDocument/2006/relationships" xmlns:p="http://schemas.openxmlformats.org/presentationml/2006/main">
+  <p:cSld>
+    <p:spTree>
+      <p:nvGrpSpPr>
+        <p:cNvPr id="1" name="">
+          <a:extLst>
+            <a:ext uri="{FF2B5EF4-FFF2-40B4-BE49-F238E27FC236}">
+              <a16:creationId xmlns:a16="http://schemas.microsoft.com/office/drawing/2014/main" id="{716CB5F5-16EE-FDE2-F6BC-36B7D8029B2B}"/>
+            </a:ext>
+          </a:extLst>
+        </p:cNvPr>
+        <p:cNvGrpSpPr/>
+        <p:nvPr/>
+      </p:nvGrpSpPr>
+      <p:grpSpPr>
+        <a:xfrm>
+          <a:off x="0" y="0"/>
+          <a:ext cx="0" cy="0"/>
+          <a:chOff x="0" y="0"/>
+          <a:chExt cx="0" cy="0"/>
+        </a:xfrm>
+      </p:grpSpPr>
+      <p:sp>
+        <p:nvSpPr>
+          <p:cNvPr id="2" name="Title 1">
+            <a:extLst>
+              <a:ext uri="{FF2B5EF4-FFF2-40B4-BE49-F238E27FC236}">
+                <a16:creationId xmlns:a16="http://schemas.microsoft.com/office/drawing/2014/main" id="{D9038BC2-F8BD-BEF2-DA23-618C16073E66}"/>
+              </a:ext>
+            </a:extLst>
+          </p:cNvPr>
+          <p:cNvSpPr>
+            <a:spLocks noGrp="1"/>
+          </p:cNvSpPr>
+          <p:nvPr>
+            <p:ph type="title"/>
+          </p:nvPr>
+        </p:nvSpPr>
+        <p:spPr/>
+        <p:txBody>
+          <a:bodyPr>
+            <a:normAutofit/>
+          </a:bodyPr>
+          <a:lstStyle/>
+          <a:p>
+            <a:r>
+              <a:rPr dirty="0"/>
+              <a:t>4. Result Analysis – Dataset 1</a:t>
+            </a:r>
+            <a:r>
+              <a:rPr lang="en-IN" dirty="0"/>
+              <a:t> (if classification)</a:t>
+            </a:r>
+            <a:endParaRPr dirty="0"/>
+          </a:p>
+        </p:txBody>
+      </p:sp>
+      <p:sp>
+        <p:nvSpPr>
+          <p:cNvPr id="3" name="Content Placeholder 2">
+            <a:extLst>
+              <a:ext uri="{FF2B5EF4-FFF2-40B4-BE49-F238E27FC236}">
+                <a16:creationId xmlns:a16="http://schemas.microsoft.com/office/drawing/2014/main" id="{E1656AB4-D375-F4F3-2CB0-D5E595C328DE}"/>
+              </a:ext>
+            </a:extLst>
+          </p:cNvPr>
+          <p:cNvSpPr>
+            <a:spLocks noGrp="1"/>
+          </p:cNvSpPr>
+          <p:nvPr>
+            <p:ph idx="1"/>
+          </p:nvPr>
+        </p:nvSpPr>
+        <p:spPr/>
+        <p:txBody>
+          <a:bodyPr/>
+          <a:lstStyle/>
+          <a:p>
+            <a:r>
+              <a:rPr lang="en-IN" dirty="0"/>
+              <a:t>Confusion Matrix</a:t>
+            </a:r>
+          </a:p>
+          <a:p>
+            <a:r>
+              <a:rPr lang="en-US" dirty="0"/>
+              <a:t>Accuracy, Precision, Recall, Specificity, F1</a:t>
+            </a:r>
+          </a:p>
+          <a:p>
+            <a:r>
+              <a:rPr lang="en-IN" dirty="0"/>
+              <a:t>ROC-AUC, PR-AUC</a:t>
+            </a:r>
+          </a:p>
+          <a:p>
+            <a:r>
+              <a:rPr lang="en-IN" dirty="0"/>
+              <a:t>ROC, PR Curves</a:t>
+            </a:r>
+            <a:endParaRPr dirty="0"/>
+          </a:p>
+        </p:txBody>
+      </p:sp>
+    </p:spTree>
+    <p:extLst>
+      <p:ext uri="{BB962C8B-B14F-4D97-AF65-F5344CB8AC3E}">
+        <p14:creationId xmlns:p14="http://schemas.microsoft.com/office/powerpoint/2010/main" val="3198863659"/>
+      </p:ext>
+    </p:extLst>
+  </p:cSld>
+  <p:clrMapOvr>
+    <a:masterClrMapping/>
+  </p:clrMapOvr>
+</p:sld>
+</file>
+
+<file path=ppt/slides/slide15.xml><?xml version="1.0" encoding="utf-8"?>
+<p:sld xmlns:a="http://schemas.openxmlformats.org/drawingml/2006/main" xmlns:r="http://schemas.openxmlformats.org/officeDocument/2006/relationships" xmlns:p="http://schemas.openxmlformats.org/presentationml/2006/main">
+  <p:cSld>
+    <p:spTree>
+      <p:nvGrpSpPr>
+        <p:cNvPr id="1" name=""/>
+        <p:cNvGrpSpPr/>
+        <p:nvPr/>
+      </p:nvGrpSpPr>
+      <p:grpSpPr>
+        <a:xfrm>
+          <a:off x="0" y="0"/>
+          <a:ext cx="0" cy="0"/>
+          <a:chOff x="0" y="0"/>
+          <a:chExt cx="0" cy="0"/>
+        </a:xfrm>
+      </p:grpSpPr>
+      <p:sp>
+        <p:nvSpPr>
+          <p:cNvPr id="2" name="Title 1">
+            <a:extLst>
+              <a:ext uri="{FF2B5EF4-FFF2-40B4-BE49-F238E27FC236}">
+                <a16:creationId xmlns:a16="http://schemas.microsoft.com/office/drawing/2014/main" id="{1EE0E5BF-C18D-9D3E-29F0-742BC9DA37C8}"/>
+              </a:ext>
+            </a:extLst>
+          </p:cNvPr>
+          <p:cNvSpPr>
+            <a:spLocks noGrp="1"/>
+          </p:cNvSpPr>
+          <p:nvPr>
+            <p:ph type="title"/>
+          </p:nvPr>
+        </p:nvSpPr>
+        <p:spPr/>
+        <p:txBody>
+          <a:bodyPr/>
+          <a:lstStyle/>
+          <a:p>
+            <a:r>
+              <a:rPr lang="en-IN" dirty="0"/>
+              <a:t>5. Interpretation of Results</a:t>
+            </a:r>
+          </a:p>
+        </p:txBody>
+      </p:sp>
+      <p:sp>
+        <p:nvSpPr>
+          <p:cNvPr id="3" name="Content Placeholder 2">
+            <a:extLst>
+              <a:ext uri="{FF2B5EF4-FFF2-40B4-BE49-F238E27FC236}">
+                <a16:creationId xmlns:a16="http://schemas.microsoft.com/office/drawing/2014/main" id="{758EA728-DAFF-6FDF-3CB0-5648FDCC67F1}"/>
+              </a:ext>
+            </a:extLst>
+          </p:cNvPr>
+          <p:cNvSpPr>
+            <a:spLocks noGrp="1"/>
+          </p:cNvSpPr>
+          <p:nvPr>
+            <p:ph idx="1"/>
+          </p:nvPr>
+        </p:nvSpPr>
+        <p:spPr/>
+        <p:txBody>
+          <a:bodyPr/>
+          <a:lstStyle/>
+          <a:p>
+            <a:endParaRPr lang="en-IN" dirty="0"/>
+          </a:p>
+        </p:txBody>
+      </p:sp>
+    </p:spTree>
+    <p:extLst>
+      <p:ext uri="{BB962C8B-B14F-4D97-AF65-F5344CB8AC3E}">
+        <p14:creationId xmlns:p14="http://schemas.microsoft.com/office/powerpoint/2010/main" val="1762443921"/>
+      </p:ext>
+    </p:extLst>
+  </p:cSld>
+  <p:clrMapOvr>
+    <a:masterClrMapping/>
+  </p:clrMapOvr>
+</p:sld>
+</file>
+
+<file path=ppt/slides/slide16.xml><?xml version="1.0" encoding="utf-8"?>
+<p:sld xmlns:a="http://schemas.openxmlformats.org/drawingml/2006/main" xmlns:r="http://schemas.openxmlformats.org/officeDocument/2006/relationships" xmlns:p="http://schemas.openxmlformats.org/presentationml/2006/main">
+  <p:cSld>
+    <p:spTree>
+      <p:nvGrpSpPr>
+        <p:cNvPr id="1" name="">
+          <a:extLst>
+            <a:ext uri="{FF2B5EF4-FFF2-40B4-BE49-F238E27FC236}">
+              <a16:creationId xmlns:a16="http://schemas.microsoft.com/office/drawing/2014/main" id="{97A3117E-1161-0A58-03C0-EC45D9DCBE46}"/>
+            </a:ext>
+          </a:extLst>
+        </p:cNvPr>
+        <p:cNvGrpSpPr/>
+        <p:nvPr/>
+      </p:nvGrpSpPr>
+      <p:grpSpPr>
+        <a:xfrm>
+          <a:off x="0" y="0"/>
+          <a:ext cx="0" cy="0"/>
+          <a:chOff x="0" y="0"/>
+          <a:chExt cx="0" cy="0"/>
+        </a:xfrm>
+      </p:grpSpPr>
+      <p:sp>
+        <p:nvSpPr>
+          <p:cNvPr id="2" name="Title 1">
+            <a:extLst>
+              <a:ext uri="{FF2B5EF4-FFF2-40B4-BE49-F238E27FC236}">
+                <a16:creationId xmlns:a16="http://schemas.microsoft.com/office/drawing/2014/main" id="{3B9D2B49-D75E-72B0-B8A9-38F9F7DCA651}"/>
+              </a:ext>
+            </a:extLst>
+          </p:cNvPr>
+          <p:cNvSpPr>
+            <a:spLocks noGrp="1"/>
+          </p:cNvSpPr>
+          <p:nvPr>
+            <p:ph type="title"/>
+          </p:nvPr>
+        </p:nvSpPr>
+        <p:spPr/>
+        <p:txBody>
+          <a:bodyPr/>
+          <a:lstStyle/>
+          <a:p>
+            <a:r>
+              <a:rPr lang="en-IN" dirty="0"/>
+              <a:t>5. Interpretation of Results</a:t>
+            </a:r>
+          </a:p>
+        </p:txBody>
+      </p:sp>
+      <p:sp>
+        <p:nvSpPr>
+          <p:cNvPr id="3" name="Content Placeholder 2">
+            <a:extLst>
+              <a:ext uri="{FF2B5EF4-FFF2-40B4-BE49-F238E27FC236}">
+                <a16:creationId xmlns:a16="http://schemas.microsoft.com/office/drawing/2014/main" id="{58F2C366-387D-7A77-157F-FF2F89F0F061}"/>
+              </a:ext>
+            </a:extLst>
+          </p:cNvPr>
+          <p:cNvSpPr>
+            <a:spLocks noGrp="1"/>
+          </p:cNvSpPr>
+          <p:nvPr>
+            <p:ph idx="1"/>
+          </p:nvPr>
+        </p:nvSpPr>
+        <p:spPr/>
+        <p:txBody>
+          <a:bodyPr/>
+          <a:lstStyle/>
+          <a:p>
+            <a:endParaRPr lang="en-IN" dirty="0"/>
+          </a:p>
+        </p:txBody>
+      </p:sp>
+    </p:spTree>
+    <p:extLst>
+      <p:ext uri="{BB962C8B-B14F-4D97-AF65-F5344CB8AC3E}">
+        <p14:creationId xmlns:p14="http://schemas.microsoft.com/office/powerpoint/2010/main" val="1229990211"/>
+      </p:ext>
+    </p:extLst>
+  </p:cSld>
+  <p:clrMapOvr>
+    <a:masterClrMapping/>
+  </p:clrMapOvr>
+</p:sld>
+</file>
+
+<file path=ppt/slides/slide17.xml><?xml version="1.0" encoding="utf-8"?>
+<p:sld xmlns:a="http://schemas.openxmlformats.org/drawingml/2006/main" xmlns:r="http://schemas.openxmlformats.org/officeDocument/2006/relationships" xmlns:p="http://schemas.openxmlformats.org/presentationml/2006/main">
+  <p:cSld>
+    <p:spTree>
+      <p:nvGrpSpPr>
+        <p:cNvPr id="1" name="">
+          <a:extLst>
+            <a:ext uri="{FF2B5EF4-FFF2-40B4-BE49-F238E27FC236}">
+              <a16:creationId xmlns:a16="http://schemas.microsoft.com/office/drawing/2014/main" id="{6122786F-D956-A97F-F95A-FA8C2FC3283A}"/>
+            </a:ext>
+          </a:extLst>
+        </p:cNvPr>
+        <p:cNvGrpSpPr/>
+        <p:nvPr/>
+      </p:nvGrpSpPr>
+      <p:grpSpPr>
+        <a:xfrm>
+          <a:off x="0" y="0"/>
+          <a:ext cx="0" cy="0"/>
+          <a:chOff x="0" y="0"/>
+          <a:chExt cx="0" cy="0"/>
+        </a:xfrm>
+      </p:grpSpPr>
+      <p:sp>
+        <p:nvSpPr>
+          <p:cNvPr id="2" name="Title 1">
+            <a:extLst>
+              <a:ext uri="{FF2B5EF4-FFF2-40B4-BE49-F238E27FC236}">
+                <a16:creationId xmlns:a16="http://schemas.microsoft.com/office/drawing/2014/main" id="{C747A603-6584-981E-A1AF-70ECF90CB907}"/>
+              </a:ext>
+            </a:extLst>
+          </p:cNvPr>
+          <p:cNvSpPr>
+            <a:spLocks noGrp="1"/>
+          </p:cNvSpPr>
+          <p:nvPr>
+            <p:ph type="title"/>
+          </p:nvPr>
+        </p:nvSpPr>
+        <p:spPr/>
+        <p:txBody>
+          <a:bodyPr/>
+          <a:lstStyle/>
+          <a:p>
+            <a:r>
+              <a:rPr lang="en-IN" dirty="0"/>
+              <a:t>5. Interpretation of Results</a:t>
+            </a:r>
+          </a:p>
+        </p:txBody>
+      </p:sp>
+      <p:sp>
+        <p:nvSpPr>
+          <p:cNvPr id="3" name="Content Placeholder 2">
+            <a:extLst>
+              <a:ext uri="{FF2B5EF4-FFF2-40B4-BE49-F238E27FC236}">
+                <a16:creationId xmlns:a16="http://schemas.microsoft.com/office/drawing/2014/main" id="{53922C41-CBFF-060C-0674-DC2F8A823848}"/>
+              </a:ext>
+            </a:extLst>
+          </p:cNvPr>
+          <p:cNvSpPr>
+            <a:spLocks noGrp="1"/>
+          </p:cNvSpPr>
+          <p:nvPr>
+            <p:ph idx="1"/>
+          </p:nvPr>
+        </p:nvSpPr>
+        <p:spPr/>
+        <p:txBody>
+          <a:bodyPr/>
+          <a:lstStyle/>
+          <a:p>
+            <a:endParaRPr lang="en-IN" dirty="0"/>
+          </a:p>
+        </p:txBody>
+      </p:sp>
+    </p:spTree>
+    <p:extLst>
+      <p:ext uri="{BB962C8B-B14F-4D97-AF65-F5344CB8AC3E}">
+        <p14:creationId xmlns:p14="http://schemas.microsoft.com/office/powerpoint/2010/main" val="3886759384"/>
+      </p:ext>
+    </p:extLst>
+  </p:cSld>
+  <p:clrMapOvr>
+    <a:masterClrMapping/>
+  </p:clrMapOvr>
+</p:sld>
+</file>
+
+<file path=ppt/slides/slide18.xml><?xml version="1.0" encoding="utf-8"?>
+<p:sld xmlns:a="http://schemas.openxmlformats.org/drawingml/2006/main" xmlns:r="http://schemas.openxmlformats.org/officeDocument/2006/relationships" xmlns:p="http://schemas.openxmlformats.org/presentationml/2006/main">
+  <p:cSld>
+    <p:spTree>
+      <p:nvGrpSpPr>
+        <p:cNvPr id="1" name="">
+          <a:extLst>
+            <a:ext uri="{FF2B5EF4-FFF2-40B4-BE49-F238E27FC236}">
+              <a16:creationId xmlns:a16="http://schemas.microsoft.com/office/drawing/2014/main" id="{057E9C99-B231-A337-FC6D-D34FF684A674}"/>
+            </a:ext>
+          </a:extLst>
+        </p:cNvPr>
+        <p:cNvGrpSpPr/>
+        <p:nvPr/>
+      </p:nvGrpSpPr>
+      <p:grpSpPr>
+        <a:xfrm>
+          <a:off x="0" y="0"/>
+          <a:ext cx="0" cy="0"/>
+          <a:chOff x="0" y="0"/>
+          <a:chExt cx="0" cy="0"/>
+        </a:xfrm>
+      </p:grpSpPr>
+      <p:sp>
+        <p:nvSpPr>
+          <p:cNvPr id="2" name="Title 1">
+            <a:extLst>
+              <a:ext uri="{FF2B5EF4-FFF2-40B4-BE49-F238E27FC236}">
+                <a16:creationId xmlns:a16="http://schemas.microsoft.com/office/drawing/2014/main" id="{F3BA18D1-C120-EFE0-89DF-C935C1F652E9}"/>
+              </a:ext>
+            </a:extLst>
+          </p:cNvPr>
+          <p:cNvSpPr>
+            <a:spLocks noGrp="1"/>
+          </p:cNvSpPr>
+          <p:nvPr>
+            <p:ph type="title"/>
+          </p:nvPr>
+        </p:nvSpPr>
+        <p:spPr/>
+        <p:txBody>
+          <a:bodyPr/>
+          <a:lstStyle/>
+          <a:p>
+            <a:r>
+              <a:rPr lang="en-IN" dirty="0"/>
+              <a:t>5. Interpretation of Results</a:t>
+            </a:r>
+          </a:p>
+        </p:txBody>
+      </p:sp>
+      <p:sp>
+        <p:nvSpPr>
+          <p:cNvPr id="3" name="Content Placeholder 2">
+            <a:extLst>
+              <a:ext uri="{FF2B5EF4-FFF2-40B4-BE49-F238E27FC236}">
+                <a16:creationId xmlns:a16="http://schemas.microsoft.com/office/drawing/2014/main" id="{2E7DBD61-3F7C-27B5-E897-99B48EF006DD}"/>
+              </a:ext>
+            </a:extLst>
+          </p:cNvPr>
+          <p:cNvSpPr>
+            <a:spLocks noGrp="1"/>
+          </p:cNvSpPr>
+          <p:nvPr>
+            <p:ph idx="1"/>
+          </p:nvPr>
+        </p:nvSpPr>
+        <p:spPr/>
+        <p:txBody>
+          <a:bodyPr/>
+          <a:lstStyle/>
+          <a:p>
+            <a:endParaRPr lang="en-IN" dirty="0"/>
+          </a:p>
+        </p:txBody>
+      </p:sp>
+    </p:spTree>
+    <p:extLst>
+      <p:ext uri="{BB962C8B-B14F-4D97-AF65-F5344CB8AC3E}">
+        <p14:creationId xmlns:p14="http://schemas.microsoft.com/office/powerpoint/2010/main" val="578767149"/>
+      </p:ext>
+    </p:extLst>
+  </p:cSld>
+  <p:clrMapOvr>
+    <a:masterClrMapping/>
+  </p:clrMapOvr>
+</p:sld>
+</file>
+
+<file path=ppt/slides/slide19.xml><?xml version="1.0" encoding="utf-8"?>
+<p:sld xmlns:a="http://schemas.openxmlformats.org/drawingml/2006/main" xmlns:r="http://schemas.openxmlformats.org/officeDocument/2006/relationships" xmlns:p="http://schemas.openxmlformats.org/presentationml/2006/main">
+  <p:cSld>
+    <p:spTree>
+      <p:nvGrpSpPr>
+        <p:cNvPr id="1" name=""/>
+        <p:cNvGrpSpPr/>
+        <p:nvPr/>
+      </p:nvGrpSpPr>
+      <p:grpSpPr>
+        <a:xfrm>
+          <a:off x="0" y="0"/>
+          <a:ext cx="0" cy="0"/>
+          <a:chOff x="0" y="0"/>
+          <a:chExt cx="0" cy="0"/>
+        </a:xfrm>
+      </p:grpSpPr>
+      <p:sp>
+        <p:nvSpPr>
+          <p:cNvPr id="2" name="Title 1"/>
+          <p:cNvSpPr>
+            <a:spLocks noGrp="1"/>
+          </p:cNvSpPr>
+          <p:nvPr>
+            <p:ph type="title"/>
+          </p:nvPr>
+        </p:nvSpPr>
+        <p:spPr/>
+        <p:txBody>
+          <a:bodyPr/>
+          <a:lstStyle/>
+          <a:p>
+            <a:r>
+              <a:rPr lang="en-IN" dirty="0"/>
+              <a:t>7</a:t>
+            </a:r>
+            <a:r>
+              <a:rPr dirty="0"/>
+              <a:t>. Final Comparative Summary</a:t>
+            </a:r>
+          </a:p>
+        </p:txBody>
+      </p:sp>
+      <p:sp>
+        <p:nvSpPr>
+          <p:cNvPr id="3" name="Content Placeholder 2"/>
+          <p:cNvSpPr>
+            <a:spLocks noGrp="1"/>
+          </p:cNvSpPr>
+          <p:nvPr>
+            <p:ph idx="1"/>
+          </p:nvPr>
+        </p:nvSpPr>
+        <p:spPr/>
+        <p:txBody>
+          <a:bodyPr/>
+          <a:lstStyle/>
+          <a:p>
+            <a:r>
+              <a:rPr dirty="0"/>
+              <a:t>Comparison of models</a:t>
+            </a:r>
+          </a:p>
+          <a:p>
+            <a:r>
+              <a:rPr dirty="0"/>
+              <a:t>Best-performing model</a:t>
+            </a:r>
+          </a:p>
+          <a:p>
+            <a:r>
+              <a:rPr dirty="0"/>
+              <a:t>Insights gained</a:t>
+            </a:r>
+          </a:p>
+          <a:p>
+            <a:r>
+              <a:rPr dirty="0"/>
+              <a:t>Future improvements</a:t>
+            </a:r>
+          </a:p>
+        </p:txBody>
+      </p:sp>
+    </p:spTree>
   </p:cSld>
   <p:clrMapOvr>
     <a:masterClrMapping/>
@@ -3983,7 +5021,12 @@
             <p:ph type="title"/>
           </p:nvPr>
         </p:nvSpPr>
-        <p:spPr/>
+        <p:spPr>
+          <a:xfrm>
+            <a:off x="1097280" y="387327"/>
+            <a:ext cx="7384983" cy="748454"/>
+          </a:xfrm>
+        </p:spPr>
         <p:txBody>
           <a:bodyPr>
             <a:normAutofit/>
@@ -3991,7 +5034,8 @@
           <a:lstStyle/>
           <a:p>
             <a:r>
-              <a:t>1. Introduction to the Problem Statement</a:t>
+              <a:rPr dirty="0"/>
+              <a:t>1. Introduction</a:t>
             </a:r>
           </a:p>
         </p:txBody>
@@ -4006,33 +5050,82 @@
             <p:ph idx="1"/>
           </p:nvPr>
         </p:nvSpPr>
-        <p:spPr/>
-        <p:txBody>
-          <a:bodyPr/>
-          <a:lstStyle/>
-          <a:p>
+        <p:spPr>
+          <a:xfrm>
+            <a:off x="1097279" y="1840832"/>
+            <a:ext cx="10200374" cy="4283242"/>
+          </a:xfrm>
+        </p:spPr>
+        <p:txBody>
+          <a:bodyPr>
+            <a:normAutofit fontScale="92500" lnSpcReduction="10000"/>
+          </a:bodyPr>
+          <a:lstStyle/>
+          <a:p>
+            <a:pPr>
+              <a:buFont typeface="Wingdings" panose="05000000000000000000" pitchFamily="2" charset="2"/>
+              <a:buChar char="Ø"/>
+            </a:pPr>
+            <a:r>
+              <a:rPr lang="en-US" dirty="0"/>
+              <a:t>Problem Statement: Businesses struggle to utilize complex e-commerce data for decision-making; this project solves this by evaluating machine learning techniques. The challenge is to predict customer behavior (like churn and spending), segment customers effectively, and identify key drivers of engagement using diverse datasets.</a:t>
+            </a:r>
+          </a:p>
+          <a:p>
+            <a:pPr>
+              <a:buFont typeface="Wingdings" panose="05000000000000000000" pitchFamily="2" charset="2"/>
+              <a:buChar char="Ø"/>
+            </a:pPr>
+            <a:endParaRPr lang="en-US" dirty="0"/>
+          </a:p>
+          <a:p>
+            <a:pPr>
+              <a:buFont typeface="Wingdings" panose="05000000000000000000" pitchFamily="2" charset="2"/>
+              <a:buChar char="Ø"/>
+            </a:pPr>
+            <a:r>
+              <a:rPr lang="en-US" dirty="0"/>
+              <a:t>Motivation : In the competitive retail landscape, gaining a deep understanding of customer patterns through advanced analytics is crucial for enabling businesses to improve retention strategies and drive sustainable revenue growth.</a:t>
+            </a:r>
+          </a:p>
+          <a:p>
+            <a:pPr>
+              <a:buFont typeface="Wingdings" panose="05000000000000000000" pitchFamily="2" charset="2"/>
+              <a:buChar char="Ø"/>
+            </a:pPr>
+            <a:endParaRPr lang="en-US" dirty="0"/>
+          </a:p>
+          <a:p>
+            <a:pPr>
+              <a:buFont typeface="Wingdings" panose="05000000000000000000" pitchFamily="2" charset="2"/>
+              <a:buChar char="Ø"/>
+            </a:pPr>
+            <a:r>
+              <a:rPr lang="en-US" dirty="0"/>
+              <a:t>Objective : Our core objective is to implement and rigorously evaluate a range of machine learning algorithms across four different e-commerce datasets, and compare and contrast results.</a:t>
+            </a:r>
+          </a:p>
+          <a:p>
+            <a:pPr>
+              <a:buFont typeface="Wingdings" panose="05000000000000000000" pitchFamily="2" charset="2"/>
+              <a:buChar char="Ø"/>
+            </a:pPr>
+            <a:endParaRPr lang="en-US" dirty="0"/>
+          </a:p>
+          <a:p>
+            <a:pPr>
+              <a:buFont typeface="Wingdings" panose="05000000000000000000" pitchFamily="2" charset="2"/>
+              <a:buChar char="Ø"/>
+            </a:pPr>
             <a:r>
               <a:rPr dirty="0"/>
-              <a:t> Clearly describe the ML problem</a:t>
-            </a:r>
-          </a:p>
-          <a:p>
-            <a:r>
-              <a:rPr dirty="0"/>
-              <a:t> Importance and motivation</a:t>
-            </a:r>
-          </a:p>
-          <a:p>
-            <a:r>
-              <a:rPr dirty="0"/>
-              <a:t> Objective of the model</a:t>
-            </a:r>
-          </a:p>
-          <a:p>
-            <a:r>
-              <a:rPr dirty="0"/>
-              <a:t>Type of ML task (Classification/Regression/etc.)</a:t>
-            </a:r>
+              <a:t>Type of ML task </a:t>
+            </a:r>
+            <a:r>
+              <a:rPr lang="en-US" dirty="0"/>
+              <a:t>: Covers Classification, Regression, Clustering, and Dimensionality reduction.</a:t>
+            </a:r>
+            <a:endParaRPr dirty="0"/>
           </a:p>
         </p:txBody>
       </p:sp>
@@ -4099,40 +5192,57 @@
           <a:p>
             <a:r>
               <a:rPr dirty="0"/>
-              <a:t>Source of </a:t>
+              <a:t>Source </a:t>
+            </a:r>
+            <a:r>
+              <a:rPr lang="en-US" dirty="0"/>
+              <a:t>: Kaggle (https://www.kaggle.com/datasets/uom190346a/e-commerce-customer-behavior-dataset)</a:t>
+            </a:r>
+            <a:endParaRPr dirty="0"/>
+          </a:p>
+          <a:p>
+            <a:r>
+              <a:rPr lang="en-US" dirty="0"/>
+              <a:t>Number of (samples : </a:t>
             </a:r>
             <a:r>
               <a:rPr lang="en-IN" dirty="0"/>
-              <a:t>the </a:t>
-            </a:r>
-            <a:r>
-              <a:rPr dirty="0"/>
-              <a:t>dataset</a:t>
-            </a:r>
-          </a:p>
-          <a:p>
-            <a:r>
-              <a:rPr dirty="0"/>
-              <a:t>Number of samples and features</a:t>
-            </a:r>
+              <a:t>3941, features : 11 )</a:t>
+            </a:r>
+            <a:endParaRPr dirty="0"/>
           </a:p>
           <a:p>
             <a:r>
               <a:rPr dirty="0"/>
               <a:t>Feature descriptions</a:t>
             </a:r>
+            <a:r>
+              <a:rPr lang="en-US" dirty="0"/>
+              <a:t> : </a:t>
+            </a:r>
+            <a:endParaRPr dirty="0"/>
           </a:p>
           <a:p>
             <a:r>
               <a:rPr dirty="0"/>
-              <a:t>Preprocessing steps (missing values, encoding, scaling)</a:t>
-            </a:r>
+              <a:t>Preprocessing steps </a:t>
+            </a:r>
+            <a:r>
+              <a:rPr lang="en-US" dirty="0"/>
+              <a:t>: numerical {imputation-med, standard scaler}; categorical {imputation-most frequent, one hot encoding}</a:t>
+            </a:r>
+            <a:endParaRPr dirty="0"/>
           </a:p>
           <a:p>
             <a:r>
               <a:rPr dirty="0"/>
               <a:t>Train–test split details</a:t>
             </a:r>
+            <a:r>
+              <a:rPr lang="en-US" dirty="0"/>
+              <a:t> : 80:20 train test split, random state 42</a:t>
+            </a:r>
+            <a:endParaRPr dirty="0"/>
           </a:p>
         </p:txBody>
       </p:sp>
@@ -4149,7 +5259,13 @@
   <p:cSld>
     <p:spTree>
       <p:nvGrpSpPr>
-        <p:cNvPr id="1" name=""/>
+        <p:cNvPr id="1" name="">
+          <a:extLst>
+            <a:ext uri="{FF2B5EF4-FFF2-40B4-BE49-F238E27FC236}">
+              <a16:creationId xmlns:a16="http://schemas.microsoft.com/office/drawing/2014/main" id="{86F5A8E2-48F5-A0A6-5263-9E89EFE30BA3}"/>
+            </a:ext>
+          </a:extLst>
+        </p:cNvPr>
         <p:cNvGrpSpPr/>
         <p:nvPr/>
       </p:nvGrpSpPr>
@@ -4163,7 +5279,13 @@
       </p:grpSpPr>
       <p:sp>
         <p:nvSpPr>
-          <p:cNvPr id="2" name="Title 1"/>
+          <p:cNvPr id="2" name="Title 1">
+            <a:extLst>
+              <a:ext uri="{FF2B5EF4-FFF2-40B4-BE49-F238E27FC236}">
+                <a16:creationId xmlns:a16="http://schemas.microsoft.com/office/drawing/2014/main" id="{6433B87E-016C-2C1D-157D-29AB96663EC7}"/>
+              </a:ext>
+            </a:extLst>
+          </p:cNvPr>
           <p:cNvSpPr>
             <a:spLocks noGrp="1"/>
           </p:cNvSpPr>
@@ -4177,14 +5299,29 @@
           <a:lstStyle/>
           <a:p>
             <a:r>
-              <a:t>3. Models Used for Dataset 1</a:t>
-            </a:r>
-          </a:p>
-        </p:txBody>
-      </p:sp>
-      <p:sp>
-        <p:nvSpPr>
-          <p:cNvPr id="3" name="Content Placeholder 2"/>
+              <a:rPr dirty="0"/>
+              <a:t>2. Dataset </a:t>
+            </a:r>
+            <a:r>
+              <a:rPr lang="en-US" dirty="0"/>
+              <a:t>2</a:t>
+            </a:r>
+            <a:r>
+              <a:rPr dirty="0"/>
+              <a:t> – Description</a:t>
+            </a:r>
+          </a:p>
+        </p:txBody>
+      </p:sp>
+      <p:sp>
+        <p:nvSpPr>
+          <p:cNvPr id="3" name="Content Placeholder 2">
+            <a:extLst>
+              <a:ext uri="{FF2B5EF4-FFF2-40B4-BE49-F238E27FC236}">
+                <a16:creationId xmlns:a16="http://schemas.microsoft.com/office/drawing/2014/main" id="{C2BAAE58-99A5-EFB4-041C-FA84FD150A3D}"/>
+              </a:ext>
+            </a:extLst>
+          </p:cNvPr>
           <p:cNvSpPr>
             <a:spLocks noGrp="1"/>
           </p:cNvSpPr>
@@ -4198,31 +5335,65 @@
           <a:lstStyle/>
           <a:p>
             <a:r>
+              <a:rPr lang="en-IN" dirty="0"/>
+              <a:t>Source </a:t>
+            </a:r>
+            <a:r>
+              <a:rPr lang="en-US" dirty="0"/>
+              <a:t>: Kaggle (https://www.kaggle.com/datasets/uom190346a/e-commerce-customer-behavior-dataset)</a:t>
+            </a:r>
+            <a:endParaRPr dirty="0"/>
+          </a:p>
+          <a:p>
+            <a:r>
               <a:rPr dirty="0"/>
-              <a:t>List of models applied</a:t>
-            </a:r>
-          </a:p>
-          <a:p>
+              <a:t>Number of samples </a:t>
+            </a:r>
+            <a:r>
+              <a:rPr lang="en-US" dirty="0"/>
+              <a:t>(350) ;</a:t>
+            </a:r>
             <a:r>
               <a:rPr dirty="0"/>
-              <a:t>Reason for choosing each model</a:t>
-            </a:r>
+              <a:t> features</a:t>
+            </a:r>
+            <a:r>
+              <a:rPr lang="en-US" dirty="0"/>
+              <a:t> (11)</a:t>
+            </a:r>
+            <a:endParaRPr dirty="0"/>
           </a:p>
           <a:p>
             <a:r>
               <a:rPr dirty="0"/>
-              <a:t>Hyperparameters</a:t>
-            </a:r>
-          </a:p>
-          <a:p>
-            <a:r>
-              <a:rPr dirty="0"/>
-              <a:t>Frameworks used (Python, scikit-learn etc.)</a:t>
+              <a:t>Feature descriptions</a:t>
+            </a:r>
+            <a:r>
+              <a:rPr lang="en-US" dirty="0"/>
+              <a:t> : </a:t>
+            </a:r>
+            <a:endParaRPr dirty="0"/>
+          </a:p>
+          <a:p>
+            <a:r>
+              <a:rPr lang="en-IN" dirty="0"/>
+              <a:t>Preprocessing steps : encoding (binary, ordinal), imputation (mode), dropping missing rows</a:t>
+            </a:r>
+          </a:p>
+          <a:p>
+            <a:r>
+              <a:rPr lang="en-IN" dirty="0"/>
+              <a:t>Train–test split details : 80:20 train test split, random state 42</a:t>
             </a:r>
           </a:p>
         </p:txBody>
       </p:sp>
     </p:spTree>
+    <p:extLst>
+      <p:ext uri="{BB962C8B-B14F-4D97-AF65-F5344CB8AC3E}">
+        <p14:creationId xmlns:p14="http://schemas.microsoft.com/office/powerpoint/2010/main" val="433571215"/>
+      </p:ext>
+    </p:extLst>
   </p:cSld>
   <p:clrMapOvr>
     <a:masterClrMapping/>
@@ -4235,7 +5406,13 @@
   <p:cSld>
     <p:spTree>
       <p:nvGrpSpPr>
-        <p:cNvPr id="1" name=""/>
+        <p:cNvPr id="1" name="">
+          <a:extLst>
+            <a:ext uri="{FF2B5EF4-FFF2-40B4-BE49-F238E27FC236}">
+              <a16:creationId xmlns:a16="http://schemas.microsoft.com/office/drawing/2014/main" id="{5DBC163D-1619-9D79-CA17-9B31F3C29B18}"/>
+            </a:ext>
+          </a:extLst>
+        </p:cNvPr>
         <p:cNvGrpSpPr/>
         <p:nvPr/>
       </p:nvGrpSpPr>
@@ -4249,7 +5426,13 @@
       </p:grpSpPr>
       <p:sp>
         <p:nvSpPr>
-          <p:cNvPr id="2" name="Title 1"/>
+          <p:cNvPr id="2" name="Title 1">
+            <a:extLst>
+              <a:ext uri="{FF2B5EF4-FFF2-40B4-BE49-F238E27FC236}">
+                <a16:creationId xmlns:a16="http://schemas.microsoft.com/office/drawing/2014/main" id="{2698917B-125D-0DF6-7B18-9A2FD91FACBD}"/>
+              </a:ext>
+            </a:extLst>
+          </p:cNvPr>
           <p:cNvSpPr>
             <a:spLocks noGrp="1"/>
           </p:cNvSpPr>
@@ -4259,65 +5442,81 @@
         </p:nvSpPr>
         <p:spPr/>
         <p:txBody>
-          <a:bodyPr>
-            <a:normAutofit/>
-          </a:bodyPr>
+          <a:bodyPr/>
+          <a:lstStyle/>
+          <a:p>
+            <a:r>
+              <a:t>2. Dataset 1 – Description</a:t>
+            </a:r>
+          </a:p>
+        </p:txBody>
+      </p:sp>
+      <p:sp>
+        <p:nvSpPr>
+          <p:cNvPr id="3" name="Content Placeholder 2">
+            <a:extLst>
+              <a:ext uri="{FF2B5EF4-FFF2-40B4-BE49-F238E27FC236}">
+                <a16:creationId xmlns:a16="http://schemas.microsoft.com/office/drawing/2014/main" id="{8131DC0B-143B-F55F-F153-79F8E7B5550B}"/>
+              </a:ext>
+            </a:extLst>
+          </p:cNvPr>
+          <p:cNvSpPr>
+            <a:spLocks noGrp="1"/>
+          </p:cNvSpPr>
+          <p:nvPr>
+            <p:ph idx="1"/>
+          </p:nvPr>
+        </p:nvSpPr>
+        <p:spPr/>
+        <p:txBody>
+          <a:bodyPr/>
           <a:lstStyle/>
           <a:p>
             <a:r>
               <a:rPr dirty="0"/>
-              <a:t>4. Result Analysis – Dataset 1</a:t>
+              <a:t>Source of </a:t>
             </a:r>
             <a:r>
               <a:rPr lang="en-IN" dirty="0"/>
-              <a:t> (if classification)</a:t>
-            </a:r>
-            <a:endParaRPr dirty="0"/>
-          </a:p>
-        </p:txBody>
-      </p:sp>
-      <p:sp>
-        <p:nvSpPr>
-          <p:cNvPr id="3" name="Content Placeholder 2"/>
-          <p:cNvSpPr>
-            <a:spLocks noGrp="1"/>
-          </p:cNvSpPr>
-          <p:nvPr>
-            <p:ph idx="1"/>
-          </p:nvPr>
-        </p:nvSpPr>
-        <p:spPr/>
-        <p:txBody>
-          <a:bodyPr/>
-          <a:lstStyle/>
-          <a:p>
-            <a:r>
-              <a:rPr lang="en-IN" dirty="0"/>
-              <a:t>Confusion Matrix</a:t>
-            </a:r>
-          </a:p>
-          <a:p>
-            <a:r>
-              <a:rPr lang="en-US" dirty="0"/>
-              <a:t>Accuracy, Precision, Recall, Specificity, F1</a:t>
-            </a:r>
-          </a:p>
-          <a:p>
-            <a:r>
-              <a:rPr lang="en-IN" dirty="0"/>
-              <a:t>ROC-AUC, PR-AUC</a:t>
-            </a:r>
-          </a:p>
-          <a:p>
-            <a:r>
-              <a:rPr lang="en-IN" dirty="0"/>
-              <a:t>ROC, PR Curves</a:t>
-            </a:r>
-            <a:endParaRPr dirty="0"/>
+              <a:t>the </a:t>
+            </a:r>
+            <a:r>
+              <a:rPr dirty="0"/>
+              <a:t>dataset</a:t>
+            </a:r>
+          </a:p>
+          <a:p>
+            <a:r>
+              <a:rPr dirty="0"/>
+              <a:t>Number of samples and features</a:t>
+            </a:r>
+          </a:p>
+          <a:p>
+            <a:r>
+              <a:rPr dirty="0"/>
+              <a:t>Feature descriptions</a:t>
+            </a:r>
+          </a:p>
+          <a:p>
+            <a:r>
+              <a:rPr dirty="0"/>
+              <a:t>Preprocessing steps (missing values, encoding, scaling)</a:t>
+            </a:r>
+          </a:p>
+          <a:p>
+            <a:r>
+              <a:rPr dirty="0"/>
+              <a:t>Train–test split details</a:t>
+            </a:r>
           </a:p>
         </p:txBody>
       </p:sp>
     </p:spTree>
+    <p:extLst>
+      <p:ext uri="{BB962C8B-B14F-4D97-AF65-F5344CB8AC3E}">
+        <p14:creationId xmlns:p14="http://schemas.microsoft.com/office/powerpoint/2010/main" val="2298664103"/>
+      </p:ext>
+    </p:extLst>
   </p:cSld>
   <p:clrMapOvr>
     <a:masterClrMapping/>
@@ -4330,7 +5529,13 @@
   <p:cSld>
     <p:spTree>
       <p:nvGrpSpPr>
-        <p:cNvPr id="1" name=""/>
+        <p:cNvPr id="1" name="">
+          <a:extLst>
+            <a:ext uri="{FF2B5EF4-FFF2-40B4-BE49-F238E27FC236}">
+              <a16:creationId xmlns:a16="http://schemas.microsoft.com/office/drawing/2014/main" id="{CB6A6D9C-F213-FFD7-2F54-2199D4BE5DC5}"/>
+            </a:ext>
+          </a:extLst>
+        </p:cNvPr>
         <p:cNvGrpSpPr/>
         <p:nvPr/>
       </p:nvGrpSpPr>
@@ -4347,7 +5552,7 @@
           <p:cNvPr id="2" name="Title 1">
             <a:extLst>
               <a:ext uri="{FF2B5EF4-FFF2-40B4-BE49-F238E27FC236}">
-                <a16:creationId xmlns:a16="http://schemas.microsoft.com/office/drawing/2014/main" id="{1EE0E5BF-C18D-9D3E-29F0-742BC9DA37C8}"/>
+                <a16:creationId xmlns:a16="http://schemas.microsoft.com/office/drawing/2014/main" id="{EFF5A117-168B-8BF9-2C40-A815A7B55E17}"/>
               </a:ext>
             </a:extLst>
           </p:cNvPr>
@@ -4364,8 +5569,7 @@
           <a:lstStyle/>
           <a:p>
             <a:r>
-              <a:rPr lang="en-IN" dirty="0"/>
-              <a:t>5. Interpretation of Results</a:t>
+              <a:t>2. Dataset 1 – Description</a:t>
             </a:r>
           </a:p>
         </p:txBody>
@@ -4375,7 +5579,7 @@
           <p:cNvPr id="3" name="Content Placeholder 2">
             <a:extLst>
               <a:ext uri="{FF2B5EF4-FFF2-40B4-BE49-F238E27FC236}">
-                <a16:creationId xmlns:a16="http://schemas.microsoft.com/office/drawing/2014/main" id="{758EA728-DAFF-6FDF-3CB0-5648FDCC67F1}"/>
+                <a16:creationId xmlns:a16="http://schemas.microsoft.com/office/drawing/2014/main" id="{282DB29D-657C-C059-A831-CE5C11239349}"/>
               </a:ext>
             </a:extLst>
           </p:cNvPr>
@@ -4391,14 +5595,49 @@
           <a:bodyPr/>
           <a:lstStyle/>
           <a:p>
-            <a:endParaRPr lang="en-IN" dirty="0"/>
+            <a:r>
+              <a:rPr dirty="0"/>
+              <a:t>Source of </a:t>
+            </a:r>
+            <a:r>
+              <a:rPr lang="en-IN" dirty="0"/>
+              <a:t>the </a:t>
+            </a:r>
+            <a:r>
+              <a:rPr dirty="0"/>
+              <a:t>dataset</a:t>
+            </a:r>
+          </a:p>
+          <a:p>
+            <a:r>
+              <a:rPr dirty="0"/>
+              <a:t>Number of samples and features</a:t>
+            </a:r>
+          </a:p>
+          <a:p>
+            <a:r>
+              <a:rPr dirty="0"/>
+              <a:t>Feature descriptions</a:t>
+            </a:r>
+          </a:p>
+          <a:p>
+            <a:r>
+              <a:rPr dirty="0"/>
+              <a:t>Preprocessing steps (missing values, encoding, scaling)</a:t>
+            </a:r>
+          </a:p>
+          <a:p>
+            <a:r>
+              <a:rPr dirty="0"/>
+              <a:t>Train–test split details</a:t>
+            </a:r>
           </a:p>
         </p:txBody>
       </p:sp>
     </p:spTree>
     <p:extLst>
       <p:ext uri="{BB962C8B-B14F-4D97-AF65-F5344CB8AC3E}">
-        <p14:creationId xmlns:p14="http://schemas.microsoft.com/office/powerpoint/2010/main" val="1762443921"/>
+        <p14:creationId xmlns:p14="http://schemas.microsoft.com/office/powerpoint/2010/main" val="1808233803"/>
       </p:ext>
     </p:extLst>
   </p:cSld>
@@ -4441,48 +5680,47 @@
           <a:lstStyle/>
           <a:p>
             <a:r>
-              <a:rPr lang="en-IN" dirty="0"/>
-              <a:t>6</a:t>
-            </a:r>
+              <a:t>3. Models Used for Dataset 1</a:t>
+            </a:r>
+          </a:p>
+        </p:txBody>
+      </p:sp>
+      <p:sp>
+        <p:nvSpPr>
+          <p:cNvPr id="3" name="Content Placeholder 2"/>
+          <p:cNvSpPr>
+            <a:spLocks noGrp="1"/>
+          </p:cNvSpPr>
+          <p:nvPr>
+            <p:ph idx="1"/>
+          </p:nvPr>
+        </p:nvSpPr>
+        <p:spPr/>
+        <p:txBody>
+          <a:bodyPr/>
+          <a:lstStyle/>
+          <a:p>
             <a:r>
               <a:rPr dirty="0"/>
-              <a:t>. </a:t>
-            </a:r>
-            <a:r>
-              <a:rPr lang="en-IN" dirty="0"/>
-              <a:t>Remaining</a:t>
-            </a:r>
+              <a:t>List of models applied</a:t>
+            </a:r>
+          </a:p>
+          <a:p>
             <a:r>
               <a:rPr dirty="0"/>
-              <a:t> Datasets</a:t>
-            </a:r>
-          </a:p>
-        </p:txBody>
-      </p:sp>
-      <p:sp>
-        <p:nvSpPr>
-          <p:cNvPr id="3" name="Content Placeholder 2"/>
-          <p:cNvSpPr>
-            <a:spLocks noGrp="1"/>
-          </p:cNvSpPr>
-          <p:nvPr>
-            <p:ph idx="1"/>
-          </p:nvPr>
-        </p:nvSpPr>
-        <p:spPr/>
-        <p:txBody>
-          <a:bodyPr/>
-          <a:lstStyle/>
+              <a:t>Reason for choosing each model</a:t>
+            </a:r>
+          </a:p>
           <a:p>
             <a:r>
               <a:rPr dirty="0"/>
-              <a:t>Repeat Dataset Description → Model Selection → Results</a:t>
+              <a:t>Hyperparameters</a:t>
             </a:r>
           </a:p>
           <a:p>
             <a:r>
               <a:rPr dirty="0"/>
-              <a:t>Include interpretation by each student</a:t>
+              <a:t>Frameworks used (Python, scikit-learn etc.)</a:t>
             </a:r>
           </a:p>
         </p:txBody>
@@ -4500,7 +5738,13 @@
   <p:cSld>
     <p:spTree>
       <p:nvGrpSpPr>
-        <p:cNvPr id="1" name=""/>
+        <p:cNvPr id="1" name="">
+          <a:extLst>
+            <a:ext uri="{FF2B5EF4-FFF2-40B4-BE49-F238E27FC236}">
+              <a16:creationId xmlns:a16="http://schemas.microsoft.com/office/drawing/2014/main" id="{D4258990-CA7F-078C-5B46-20ECF5548232}"/>
+            </a:ext>
+          </a:extLst>
+        </p:cNvPr>
         <p:cNvGrpSpPr/>
         <p:nvPr/>
       </p:nvGrpSpPr>
@@ -4514,7 +5758,13 @@
       </p:grpSpPr>
       <p:sp>
         <p:nvSpPr>
-          <p:cNvPr id="2" name="Title 1"/>
+          <p:cNvPr id="2" name="Title 1">
+            <a:extLst>
+              <a:ext uri="{FF2B5EF4-FFF2-40B4-BE49-F238E27FC236}">
+                <a16:creationId xmlns:a16="http://schemas.microsoft.com/office/drawing/2014/main" id="{B70C7862-BE0A-ECDE-F0FC-929204B52E0D}"/>
+              </a:ext>
+            </a:extLst>
+          </p:cNvPr>
           <p:cNvSpPr>
             <a:spLocks noGrp="1"/>
           </p:cNvSpPr>
@@ -4528,19 +5778,129 @@
           <a:lstStyle/>
           <a:p>
             <a:r>
-              <a:rPr lang="en-IN" dirty="0"/>
-              <a:t>7</a:t>
-            </a:r>
+              <a:t>3. Models Used for Dataset 1</a:t>
+            </a:r>
+          </a:p>
+        </p:txBody>
+      </p:sp>
+      <p:sp>
+        <p:nvSpPr>
+          <p:cNvPr id="3" name="Content Placeholder 2">
+            <a:extLst>
+              <a:ext uri="{FF2B5EF4-FFF2-40B4-BE49-F238E27FC236}">
+                <a16:creationId xmlns:a16="http://schemas.microsoft.com/office/drawing/2014/main" id="{E0FBD043-2A49-558D-7ECE-F4AFA460DD1A}"/>
+              </a:ext>
+            </a:extLst>
+          </p:cNvPr>
+          <p:cNvSpPr>
+            <a:spLocks noGrp="1"/>
+          </p:cNvSpPr>
+          <p:nvPr>
+            <p:ph idx="1"/>
+          </p:nvPr>
+        </p:nvSpPr>
+        <p:spPr/>
+        <p:txBody>
+          <a:bodyPr/>
+          <a:lstStyle/>
+          <a:p>
             <a:r>
               <a:rPr dirty="0"/>
-              <a:t>. Final Comparative Summary</a:t>
-            </a:r>
-          </a:p>
-        </p:txBody>
-      </p:sp>
-      <p:sp>
-        <p:nvSpPr>
-          <p:cNvPr id="3" name="Content Placeholder 2"/>
+              <a:t>List of models applied</a:t>
+            </a:r>
+          </a:p>
+          <a:p>
+            <a:r>
+              <a:rPr dirty="0"/>
+              <a:t>Reason for choosing each model</a:t>
+            </a:r>
+          </a:p>
+          <a:p>
+            <a:r>
+              <a:rPr dirty="0"/>
+              <a:t>Hyperparameters</a:t>
+            </a:r>
+          </a:p>
+          <a:p>
+            <a:r>
+              <a:rPr dirty="0"/>
+              <a:t>Frameworks used (Python, scikit-learn etc.)</a:t>
+            </a:r>
+          </a:p>
+        </p:txBody>
+      </p:sp>
+    </p:spTree>
+    <p:extLst>
+      <p:ext uri="{BB962C8B-B14F-4D97-AF65-F5344CB8AC3E}">
+        <p14:creationId xmlns:p14="http://schemas.microsoft.com/office/powerpoint/2010/main" val="2589533664"/>
+      </p:ext>
+    </p:extLst>
+  </p:cSld>
+  <p:clrMapOvr>
+    <a:masterClrMapping/>
+  </p:clrMapOvr>
+</p:sld>
+</file>
+
+<file path=ppt/slides/slide9.xml><?xml version="1.0" encoding="utf-8"?>
+<p:sld xmlns:a="http://schemas.openxmlformats.org/drawingml/2006/main" xmlns:r="http://schemas.openxmlformats.org/officeDocument/2006/relationships" xmlns:p="http://schemas.openxmlformats.org/presentationml/2006/main">
+  <p:cSld>
+    <p:spTree>
+      <p:nvGrpSpPr>
+        <p:cNvPr id="1" name="">
+          <a:extLst>
+            <a:ext uri="{FF2B5EF4-FFF2-40B4-BE49-F238E27FC236}">
+              <a16:creationId xmlns:a16="http://schemas.microsoft.com/office/drawing/2014/main" id="{EF91C4D9-D64F-031D-0E50-AB97B8C59642}"/>
+            </a:ext>
+          </a:extLst>
+        </p:cNvPr>
+        <p:cNvGrpSpPr/>
+        <p:nvPr/>
+      </p:nvGrpSpPr>
+      <p:grpSpPr>
+        <a:xfrm>
+          <a:off x="0" y="0"/>
+          <a:ext cx="0" cy="0"/>
+          <a:chOff x="0" y="0"/>
+          <a:chExt cx="0" cy="0"/>
+        </a:xfrm>
+      </p:grpSpPr>
+      <p:sp>
+        <p:nvSpPr>
+          <p:cNvPr id="2" name="Title 1">
+            <a:extLst>
+              <a:ext uri="{FF2B5EF4-FFF2-40B4-BE49-F238E27FC236}">
+                <a16:creationId xmlns:a16="http://schemas.microsoft.com/office/drawing/2014/main" id="{EFA49A61-DABE-49BF-D6FD-FEBB1B423ACB}"/>
+              </a:ext>
+            </a:extLst>
+          </p:cNvPr>
+          <p:cNvSpPr>
+            <a:spLocks noGrp="1"/>
+          </p:cNvSpPr>
+          <p:nvPr>
+            <p:ph type="title"/>
+          </p:nvPr>
+        </p:nvSpPr>
+        <p:spPr/>
+        <p:txBody>
+          <a:bodyPr/>
+          <a:lstStyle/>
+          <a:p>
+            <a:r>
+              <a:t>3. Models Used for Dataset 1</a:t>
+            </a:r>
+          </a:p>
+        </p:txBody>
+      </p:sp>
+      <p:sp>
+        <p:nvSpPr>
+          <p:cNvPr id="3" name="Content Placeholder 2">
+            <a:extLst>
+              <a:ext uri="{FF2B5EF4-FFF2-40B4-BE49-F238E27FC236}">
+                <a16:creationId xmlns:a16="http://schemas.microsoft.com/office/drawing/2014/main" id="{901A7287-AA3D-A15C-5110-05AA3AFDF2CA}"/>
+              </a:ext>
+            </a:extLst>
+          </p:cNvPr>
           <p:cNvSpPr>
             <a:spLocks noGrp="1"/>
           </p:cNvSpPr>
@@ -4555,30 +5915,35 @@
           <a:p>
             <a:r>
               <a:rPr dirty="0"/>
-              <a:t>Comparison of models</a:t>
+              <a:t>List of models applied</a:t>
             </a:r>
           </a:p>
           <a:p>
             <a:r>
               <a:rPr dirty="0"/>
-              <a:t>Best-performing model</a:t>
+              <a:t>Reason for choosing each model</a:t>
             </a:r>
           </a:p>
           <a:p>
             <a:r>
               <a:rPr dirty="0"/>
-              <a:t>Insights gained</a:t>
+              <a:t>Hyperparameters</a:t>
             </a:r>
           </a:p>
           <a:p>
             <a:r>
               <a:rPr dirty="0"/>
-              <a:t>Future improvements</a:t>
+              <a:t>Frameworks used (Python, scikit-learn etc.)</a:t>
             </a:r>
           </a:p>
         </p:txBody>
       </p:sp>
     </p:spTree>
+    <p:extLst>
+      <p:ext uri="{BB962C8B-B14F-4D97-AF65-F5344CB8AC3E}">
+        <p14:creationId xmlns:p14="http://schemas.microsoft.com/office/powerpoint/2010/main" val="558791599"/>
+      </p:ext>
+    </p:extLst>
   </p:cSld>
   <p:clrMapOvr>
     <a:masterClrMapping/>

--- a/docs/23CSE301_A8.pptx
+++ b/docs/23CSE301_A8.pptx
@@ -5170,8 +5170,14 @@
           <a:lstStyle/>
           <a:p>
             <a:r>
-              <a:t>2. Dataset 1 – Description</a:t>
-            </a:r>
+              <a:rPr dirty="0"/>
+              <a:t>2. Dataset 1 – </a:t>
+            </a:r>
+            <a:r>
+              <a:rPr lang="en-IN" dirty="0"/>
+              <a:t>Description</a:t>
+            </a:r>
+            <a:endParaRPr dirty="0"/>
           </a:p>
         </p:txBody>
       </p:sp>
@@ -5229,7 +5235,7 @@
             </a:r>
             <a:r>
               <a:rPr lang="en-US" dirty="0"/>
-              <a:t>: numerical {imputation-med, standard scaler}; categorical {imputation-most frequent, one hot encoding}</a:t>
+              <a:t>: numerical {imputation-median, standard scaler}; categorical {imputation-most frequent, one hot encoding}</a:t>
             </a:r>
             <a:endParaRPr dirty="0"/>
           </a:p>
@@ -5308,8 +5314,13 @@
             </a:r>
             <a:r>
               <a:rPr dirty="0"/>
-              <a:t> – Description</a:t>
-            </a:r>
+              <a:t> – </a:t>
+            </a:r>
+            <a:r>
+              <a:rPr lang="en-IN" dirty="0"/>
+              <a:t>Description</a:t>
+            </a:r>
+            <a:endParaRPr dirty="0"/>
           </a:p>
         </p:txBody>
       </p:sp>
@@ -5377,7 +5388,7 @@
           <a:p>
             <a:r>
               <a:rPr lang="en-IN" dirty="0"/>
-              <a:t>Preprocessing steps : encoding (binary, ordinal), imputation (mode), dropping missing rows</a:t>
+              <a:t>Preprocessing steps : encoding (binary, ordinal), imputation (median), standard scaler</a:t>
             </a:r>
           </a:p>
           <a:p>
@@ -5446,7 +5457,16 @@
           <a:lstStyle/>
           <a:p>
             <a:r>
-              <a:t>2. Dataset 1 – Description</a:t>
+              <a:rPr dirty="0"/>
+              <a:t>2. Dataset </a:t>
+            </a:r>
+            <a:r>
+              <a:rPr lang="en-US" dirty="0"/>
+              <a:t>3</a:t>
+            </a:r>
+            <a:r>
+              <a:rPr dirty="0"/>
+              <a:t> – Description</a:t>
             </a:r>
           </a:p>
         </p:txBody>
@@ -5473,23 +5493,25 @@
           <a:lstStyle/>
           <a:p>
             <a:r>
-              <a:rPr dirty="0"/>
-              <a:t>Source of </a:t>
-            </a:r>
-            <a:r>
               <a:rPr lang="en-IN" dirty="0"/>
-              <a:t>the </a:t>
-            </a:r>
-            <a:r>
-              <a:rPr dirty="0"/>
-              <a:t>dataset</a:t>
-            </a:r>
+              <a:t>Source </a:t>
+            </a:r>
+            <a:r>
+              <a:rPr lang="en-US" dirty="0"/>
+              <a:t>: UCI (https://archive.ics.uci.edu/dataset/292/wholesale+customers)</a:t>
+            </a:r>
+            <a:endParaRPr dirty="0"/>
           </a:p>
           <a:p>
             <a:r>
               <a:rPr dirty="0"/>
               <a:t>Number of samples and features</a:t>
             </a:r>
+            <a:r>
+              <a:rPr lang="en-US" dirty="0"/>
+              <a:t> </a:t>
+            </a:r>
+            <a:endParaRPr dirty="0"/>
           </a:p>
           <a:p>
             <a:r>
@@ -5500,17 +5522,87 @@
           <a:p>
             <a:r>
               <a:rPr dirty="0"/>
-              <a:t>Preprocessing steps (missing values, encoding, scaling)</a:t>
-            </a:r>
+              <a:t>Preprocessing steps </a:t>
+            </a:r>
+            <a:r>
+              <a:rPr lang="en-US" dirty="0"/>
+              <a:t>: scaling (standard scaler)</a:t>
+            </a:r>
+            <a:endParaRPr dirty="0"/>
           </a:p>
           <a:p>
             <a:r>
               <a:rPr dirty="0"/>
               <a:t>Train–test split details</a:t>
             </a:r>
-          </a:p>
-        </p:txBody>
-      </p:sp>
+            <a:r>
+              <a:rPr lang="en-US" dirty="0"/>
+              <a:t> : None (not applicable)</a:t>
+            </a:r>
+            <a:endParaRPr dirty="0"/>
+          </a:p>
+        </p:txBody>
+      </p:sp>
+      <p:pic>
+        <p:nvPicPr>
+          <p:cNvPr id="5" name="Picture 4">
+            <a:extLst>
+              <a:ext uri="{FF2B5EF4-FFF2-40B4-BE49-F238E27FC236}">
+                <a16:creationId xmlns:a16="http://schemas.microsoft.com/office/drawing/2014/main" id="{D7FBAF42-D7E2-5850-D066-E399F4085BA1}"/>
+              </a:ext>
+            </a:extLst>
+          </p:cNvPr>
+          <p:cNvPicPr>
+            <a:picLocks noChangeAspect="1"/>
+          </p:cNvPicPr>
+          <p:nvPr/>
+        </p:nvPicPr>
+        <p:blipFill>
+          <a:blip r:embed="rId2"/>
+          <a:stretch>
+            <a:fillRect/>
+          </a:stretch>
+        </p:blipFill>
+        <p:spPr>
+          <a:xfrm>
+            <a:off x="4575037" y="2204762"/>
+            <a:ext cx="3932261" cy="571550"/>
+          </a:xfrm>
+          <a:prstGeom prst="rect">
+            <a:avLst/>
+          </a:prstGeom>
+        </p:spPr>
+      </p:pic>
+      <p:pic>
+        <p:nvPicPr>
+          <p:cNvPr id="7" name="Picture 6">
+            <a:extLst>
+              <a:ext uri="{FF2B5EF4-FFF2-40B4-BE49-F238E27FC236}">
+                <a16:creationId xmlns:a16="http://schemas.microsoft.com/office/drawing/2014/main" id="{8F8FA631-6B42-23F2-8020-1C32D2062A31}"/>
+              </a:ext>
+            </a:extLst>
+          </p:cNvPr>
+          <p:cNvPicPr>
+            <a:picLocks noChangeAspect="1"/>
+          </p:cNvPicPr>
+          <p:nvPr/>
+        </p:nvPicPr>
+        <p:blipFill>
+          <a:blip r:embed="rId3"/>
+          <a:stretch>
+            <a:fillRect/>
+          </a:stretch>
+        </p:blipFill>
+        <p:spPr>
+          <a:xfrm>
+            <a:off x="4575037" y="2776312"/>
+            <a:ext cx="1280271" cy="472481"/>
+          </a:xfrm>
+          <a:prstGeom prst="rect">
+            <a:avLst/>
+          </a:prstGeom>
+        </p:spPr>
+      </p:pic>
     </p:spTree>
     <p:extLst>
       <p:ext uri="{BB962C8B-B14F-4D97-AF65-F5344CB8AC3E}">
@@ -5569,7 +5661,16 @@
           <a:lstStyle/>
           <a:p>
             <a:r>
-              <a:t>2. Dataset 1 – Description</a:t>
+              <a:rPr dirty="0"/>
+              <a:t>2. Dataset </a:t>
+            </a:r>
+            <a:r>
+              <a:rPr lang="en-US" dirty="0"/>
+              <a:t>4</a:t>
+            </a:r>
+            <a:r>
+              <a:rPr dirty="0"/>
+              <a:t> – Description</a:t>
             </a:r>
           </a:p>
         </p:txBody>
@@ -5597,34 +5698,48 @@
           <a:p>
             <a:r>
               <a:rPr dirty="0"/>
-              <a:t>Source of </a:t>
-            </a:r>
-            <a:r>
-              <a:rPr lang="en-IN" dirty="0"/>
-              <a:t>the </a:t>
-            </a:r>
-            <a:r>
-              <a:rPr dirty="0"/>
-              <a:t>dataset</a:t>
-            </a:r>
+              <a:t>Source </a:t>
+            </a:r>
+            <a:r>
+              <a:rPr lang="en-US" dirty="0"/>
+              <a:t>: UCI (https://archive.ics.uci.edu/dataset/468/online+shoppers+purchasing+intention+dataset)</a:t>
+            </a:r>
+            <a:endParaRPr dirty="0"/>
           </a:p>
           <a:p>
             <a:r>
               <a:rPr dirty="0"/>
               <a:t>Number of samples and features</a:t>
             </a:r>
-          </a:p>
-          <a:p>
+            <a:r>
+              <a:rPr lang="en-US" dirty="0"/>
+              <a:t> ; </a:t>
+            </a:r>
             <a:r>
               <a:rPr dirty="0"/>
               <a:t>Feature descriptions</a:t>
             </a:r>
+            <a:r>
+              <a:rPr lang="en-US" dirty="0"/>
+              <a:t> </a:t>
+            </a:r>
+          </a:p>
+          <a:p>
+            <a:endParaRPr lang="en-US" dirty="0"/>
+          </a:p>
+          <a:p>
+            <a:endParaRPr dirty="0"/>
           </a:p>
           <a:p>
             <a:r>
               <a:rPr dirty="0"/>
-              <a:t>Preprocessing steps (missing values, encoding, scaling)</a:t>
-            </a:r>
+              <a:t>Preprocessing steps</a:t>
+            </a:r>
+            <a:r>
+              <a:rPr lang="en-US" dirty="0"/>
+              <a:t> : </a:t>
+            </a:r>
+            <a:endParaRPr dirty="0"/>
           </a:p>
           <a:p>
             <a:r>
@@ -5634,6 +5749,36 @@
           </a:p>
         </p:txBody>
       </p:sp>
+      <p:pic>
+        <p:nvPicPr>
+          <p:cNvPr id="5" name="Picture 4">
+            <a:extLst>
+              <a:ext uri="{FF2B5EF4-FFF2-40B4-BE49-F238E27FC236}">
+                <a16:creationId xmlns:a16="http://schemas.microsoft.com/office/drawing/2014/main" id="{DF04CF0D-029B-2813-C21A-49AC68CEA6F2}"/>
+              </a:ext>
+            </a:extLst>
+          </p:cNvPr>
+          <p:cNvPicPr>
+            <a:picLocks noChangeAspect="1"/>
+          </p:cNvPicPr>
+          <p:nvPr/>
+        </p:nvPicPr>
+        <p:blipFill>
+          <a:blip r:embed="rId2"/>
+          <a:stretch>
+            <a:fillRect/>
+          </a:stretch>
+        </p:blipFill>
+        <p:spPr>
+          <a:xfrm>
+            <a:off x="1097280" y="2811727"/>
+            <a:ext cx="6957663" cy="617273"/>
+          </a:xfrm>
+          <a:prstGeom prst="rect">
+            <a:avLst/>
+          </a:prstGeom>
+        </p:spPr>
+      </p:pic>
     </p:spTree>
     <p:extLst>
       <p:ext uri="{BB962C8B-B14F-4D97-AF65-F5344CB8AC3E}">

--- a/docs/23CSE301_A8.pptx
+++ b/docs/23CSE301_A8.pptx
@@ -3887,7 +3887,7 @@
           <a:p>
             <a:pPr algn="ctr"/>
             <a:r>
-              <a:rPr lang="en-US" sz="4400" b="1" dirty="0"/>
+              <a:rPr lang="en-US" sz="4900" b="1" dirty="0"/>
               <a:t>E-commerce and retail analytics using machine learning techniques</a:t>
             </a:r>
             <a:br>
@@ -5224,7 +5224,7 @@
             </a:r>
             <a:r>
               <a:rPr lang="en-US" dirty="0"/>
-              <a:t> : </a:t>
+              <a:t> : An individual customer profile, detailing their account history, satisfaction metrics, and whether they have discontinued the service.</a:t>
             </a:r>
             <a:endParaRPr dirty="0"/>
           </a:p>
@@ -5381,7 +5381,7 @@
             </a:r>
             <a:r>
               <a:rPr lang="en-US" dirty="0"/>
-              <a:t> : </a:t>
+              <a:t> : A specific consumer, capturing their demographic details, membership status, and overall spending habits.</a:t>
             </a:r>
             <a:endParaRPr dirty="0"/>
           </a:p>
@@ -5514,10 +5514,18 @@
             <a:endParaRPr dirty="0"/>
           </a:p>
           <a:p>
+            <a:endParaRPr lang="en-US" dirty="0"/>
+          </a:p>
+          <a:p>
             <a:r>
               <a:rPr dirty="0"/>
               <a:t>Feature descriptions</a:t>
             </a:r>
+            <a:r>
+              <a:rPr lang="en-US" dirty="0"/>
+              <a:t> : A single user session on the website, tracking navigation patterns, page views, and whether the visit resulted in a transaction.</a:t>
+            </a:r>
+            <a:endParaRPr dirty="0"/>
           </a:p>
           <a:p>
             <a:r>
@@ -5567,36 +5575,6 @@
           <a:xfrm>
             <a:off x="4575037" y="2204762"/>
             <a:ext cx="3932261" cy="571550"/>
-          </a:xfrm>
-          <a:prstGeom prst="rect">
-            <a:avLst/>
-          </a:prstGeom>
-        </p:spPr>
-      </p:pic>
-      <p:pic>
-        <p:nvPicPr>
-          <p:cNvPr id="7" name="Picture 6">
-            <a:extLst>
-              <a:ext uri="{FF2B5EF4-FFF2-40B4-BE49-F238E27FC236}">
-                <a16:creationId xmlns:a16="http://schemas.microsoft.com/office/drawing/2014/main" id="{8F8FA631-6B42-23F2-8020-1C32D2062A31}"/>
-              </a:ext>
-            </a:extLst>
-          </p:cNvPr>
-          <p:cNvPicPr>
-            <a:picLocks noChangeAspect="1"/>
-          </p:cNvPicPr>
-          <p:nvPr/>
-        </p:nvPicPr>
-        <p:blipFill>
-          <a:blip r:embed="rId3"/>
-          <a:stretch>
-            <a:fillRect/>
-          </a:stretch>
-        </p:blipFill>
-        <p:spPr>
-          <a:xfrm>
-            <a:off x="4575037" y="2776312"/>
-            <a:ext cx="1280271" cy="472481"/>
           </a:xfrm>
           <a:prstGeom prst="rect">
             <a:avLst/>
@@ -5728,6 +5706,17 @@
             <a:endParaRPr lang="en-US" dirty="0"/>
           </a:p>
           <a:p>
+            <a:endParaRPr lang="en-US" dirty="0"/>
+          </a:p>
+          <a:p>
+            <a:r>
+              <a:rPr lang="en-IN" dirty="0"/>
+              <a:t>Feature descriptions : </a:t>
+            </a:r>
+            <a:r>
+              <a:rPr lang="en-US" dirty="0"/>
+              <a:t>A business client (such as a restaurant or retailer), characterized by their annual spending across different product categories like fresh food, milk, and grocery.</a:t>
+            </a:r>
             <a:endParaRPr dirty="0"/>
           </a:p>
           <a:p>
@@ -5737,7 +5726,7 @@
             </a:r>
             <a:r>
               <a:rPr lang="en-US" dirty="0"/>
-              <a:t> : </a:t>
+              <a:t> : categorical {label encoder}, scaling {standard scaler}</a:t>
             </a:r>
             <a:endParaRPr dirty="0"/>
           </a:p>
@@ -5746,6 +5735,15 @@
               <a:rPr dirty="0"/>
               <a:t>Train–test split details</a:t>
             </a:r>
+            <a:r>
+              <a:rPr lang="en-US" dirty="0"/>
+              <a:t> : </a:t>
+            </a:r>
+            <a:r>
+              <a:rPr lang="en-IN" dirty="0"/>
+              <a:t>70:30 train test split, random state 42</a:t>
+            </a:r>
+            <a:endParaRPr dirty="0"/>
           </a:p>
         </p:txBody>
       </p:sp>
@@ -5849,24 +5847,53 @@
               <a:rPr dirty="0"/>
               <a:t>List of models applied</a:t>
             </a:r>
+            <a:r>
+              <a:rPr lang="en-US" dirty="0"/>
+              <a:t> : </a:t>
+            </a:r>
+            <a:r>
+              <a:rPr lang="en-US" dirty="0" err="1"/>
+              <a:t>kNN</a:t>
+            </a:r>
+            <a:r>
+              <a:rPr lang="en-US" dirty="0"/>
+              <a:t>, Naïve Bayes, Logistic Regression</a:t>
+            </a:r>
+            <a:endParaRPr dirty="0"/>
           </a:p>
           <a:p>
             <a:r>
               <a:rPr dirty="0"/>
               <a:t>Reason for choosing each model</a:t>
             </a:r>
+            <a:r>
+              <a:rPr lang="en-US" dirty="0"/>
+              <a:t> : All models suitable for binary classification, good for comparison</a:t>
+            </a:r>
+            <a:endParaRPr dirty="0"/>
           </a:p>
           <a:p>
             <a:r>
               <a:rPr dirty="0"/>
-              <a:t>Hyperparameters</a:t>
-            </a:r>
-          </a:p>
-          <a:p>
+              <a:t>Frameworks used </a:t>
+            </a:r>
+            <a:r>
+              <a:rPr lang="en-US" dirty="0"/>
+              <a:t>: p</a:t>
+            </a:r>
             <a:r>
               <a:rPr dirty="0"/>
-              <a:t>Frameworks used (Python, scikit-learn etc.)</a:t>
-            </a:r>
+              <a:t>ython, scikit-learn</a:t>
+            </a:r>
+            <a:r>
+              <a:rPr lang="en-US" dirty="0"/>
+              <a:t>, pandas</a:t>
+            </a:r>
+            <a:r>
+              <a:rPr lang="en-US"/>
+              <a:t>, matplotlib</a:t>
+            </a:r>
+            <a:endParaRPr dirty="0"/>
           </a:p>
         </p:txBody>
       </p:sp>

--- a/docs/23CSE301_A8.pptx
+++ b/docs/23CSE301_A8.pptx
@@ -5102,7 +5102,7 @@
             </a:pPr>
             <a:r>
               <a:rPr lang="en-US" dirty="0"/>
-              <a:t>Objective : Our core objective is to implement and rigorously evaluate a range of machine learning algorithms across four different e-commerce datasets, and compare and contrast results.</a:t>
+              <a:t>Objective : Our core objective is to implement and rigorously evaluate a range of machine learning algorithms across four different e-commerce datasets, to compare and contrast results.</a:t>
             </a:r>
           </a:p>
           <a:p>
@@ -5523,9 +5523,8 @@
             </a:r>
             <a:r>
               <a:rPr lang="en-US" dirty="0"/>
-              <a:t> : A single user session on the website, tracking navigation patterns, page views, and whether the visit resulted in a transaction.</a:t>
-            </a:r>
-            <a:endParaRPr dirty="0"/>
+              <a:t> : A business client (such as a restaurant or retailer), characterized by their annual spending across different product categories like fresh food, milk, and grocery.</a:t>
+            </a:r>
           </a:p>
           <a:p>
             <a:r>
@@ -5671,7 +5670,9 @@
         </p:nvSpPr>
         <p:spPr/>
         <p:txBody>
-          <a:bodyPr/>
+          <a:bodyPr>
+            <a:normAutofit/>
+          </a:bodyPr>
           <a:lstStyle/>
           <a:p>
             <a:r>
@@ -5715,20 +5716,14 @@
             </a:r>
             <a:r>
               <a:rPr lang="en-US" dirty="0"/>
-              <a:t>A business client (such as a restaurant or retailer), characterized by their annual spending across different product categories like fresh food, milk, and grocery.</a:t>
-            </a:r>
-            <a:endParaRPr dirty="0"/>
-          </a:p>
-          <a:p>
-            <a:r>
-              <a:rPr dirty="0"/>
-              <a:t>Preprocessing steps</a:t>
-            </a:r>
+              <a:t>A single user session on the website, tracking navigation patterns, page views, and whether the visit resulted in a transaction.</a:t>
+            </a:r>
+          </a:p>
+          <a:p>
             <a:r>
               <a:rPr lang="en-US" dirty="0"/>
-              <a:t> : categorical {label encoder}, scaling {standard scaler}</a:t>
-            </a:r>
-            <a:endParaRPr dirty="0"/>
+              <a:t>Preprocessing steps : categorical {label encoder}, scaling {standard scaler}</a:t>
+            </a:r>
           </a:p>
           <a:p>
             <a:r>
@@ -5868,7 +5863,13 @@
             </a:r>
             <a:r>
               <a:rPr lang="en-US" dirty="0"/>
-              <a:t> : All models suitable for binary classification, good for comparison</a:t>
+              <a:t> :</a:t>
+            </a:r>
+          </a:p>
+          <a:p>
+            <a:r>
+              <a:rPr lang="en-US" dirty="0"/>
+              <a:t>Hyperparameters : </a:t>
             </a:r>
             <a:endParaRPr dirty="0"/>
           </a:p>
@@ -5887,11 +5888,7 @@
             </a:r>
             <a:r>
               <a:rPr lang="en-US" dirty="0"/>
-              <a:t>, pandas</a:t>
-            </a:r>
-            <a:r>
-              <a:rPr lang="en-US"/>
-              <a:t>, matplotlib</a:t>
+              <a:t>, pandas, matplotlib</a:t>
             </a:r>
             <a:endParaRPr dirty="0"/>
           </a:p>
@@ -5980,24 +5977,55 @@
               <a:rPr dirty="0"/>
               <a:t>List of models applied</a:t>
             </a:r>
+            <a:r>
+              <a:rPr lang="en-US" dirty="0"/>
+              <a:t> : Linear Regression, Ridge Regression, Lasso Regression</a:t>
+            </a:r>
+            <a:endParaRPr dirty="0"/>
           </a:p>
           <a:p>
             <a:r>
               <a:rPr dirty="0"/>
               <a:t>Reason for choosing each model</a:t>
             </a:r>
+            <a:r>
+              <a:rPr lang="en-US" dirty="0"/>
+              <a:t> : </a:t>
+            </a:r>
+          </a:p>
+          <a:p>
+            <a:r>
+              <a:rPr lang="en-US" dirty="0"/>
+              <a:t>Hyperparameters : </a:t>
+            </a:r>
+            <a:endParaRPr dirty="0"/>
           </a:p>
           <a:p>
             <a:r>
               <a:rPr dirty="0"/>
-              <a:t>Hyperparameters</a:t>
-            </a:r>
-          </a:p>
-          <a:p>
+              <a:t>Frameworks used</a:t>
+            </a:r>
+            <a:r>
+              <a:rPr lang="en-US" dirty="0"/>
+              <a:t> :</a:t>
+            </a:r>
             <a:r>
               <a:rPr dirty="0"/>
-              <a:t>Frameworks used (Python, scikit-learn etc.)</a:t>
-            </a:r>
+              <a:t> </a:t>
+            </a:r>
+            <a:r>
+              <a:rPr lang="en-US" dirty="0"/>
+              <a:t>p</a:t>
+            </a:r>
+            <a:r>
+              <a:rPr dirty="0"/>
+              <a:t>ython, scikit-learn</a:t>
+            </a:r>
+            <a:r>
+              <a:rPr lang="en-US" dirty="0"/>
+              <a:t>, matplotlib</a:t>
+            </a:r>
+            <a:endParaRPr dirty="0"/>
           </a:p>
         </p:txBody>
       </p:sp>
@@ -6080,33 +6108,241 @@
             <p:ph idx="1"/>
           </p:nvPr>
         </p:nvSpPr>
-        <p:spPr/>
-        <p:txBody>
-          <a:bodyPr/>
-          <a:lstStyle/>
-          <a:p>
+        <p:spPr>
+          <a:xfrm>
+            <a:off x="5895325" y="4259179"/>
+            <a:ext cx="4006666" cy="1613108"/>
+          </a:xfrm>
+        </p:spPr>
+        <p:txBody>
+          <a:bodyPr>
+            <a:normAutofit/>
+          </a:bodyPr>
+          <a:lstStyle/>
+          <a:p>
+            <a:pPr marL="0" indent="0">
+              <a:buNone/>
+            </a:pPr>
             <a:r>
               <a:rPr dirty="0"/>
-              <a:t>List of models applied</a:t>
-            </a:r>
-          </a:p>
-          <a:p>
-            <a:r>
-              <a:rPr dirty="0"/>
-              <a:t>Reason for choosing each model</a:t>
-            </a:r>
-          </a:p>
-          <a:p>
-            <a:r>
-              <a:rPr dirty="0"/>
-              <a:t>Hyperparameters</a:t>
-            </a:r>
-          </a:p>
-          <a:p>
-            <a:r>
-              <a:rPr dirty="0"/>
-              <a:t>Frameworks used (Python, scikit-learn etc.)</a:t>
-            </a:r>
+              <a:t>Frameworks used</a:t>
+            </a:r>
+            <a:r>
+              <a:rPr lang="en-US" dirty="0"/>
+              <a:t> : </a:t>
+            </a:r>
+            <a:r>
+              <a:rPr lang="en-IN" dirty="0"/>
+              <a:t>Python, scikit-learn, pandas, </a:t>
+            </a:r>
+            <a:r>
+              <a:rPr lang="en-IN" dirty="0" err="1"/>
+              <a:t>numpy</a:t>
+            </a:r>
+            <a:r>
+              <a:rPr lang="en-IN" dirty="0"/>
+              <a:t>, matplotlib, seaborn, </a:t>
+            </a:r>
+            <a:r>
+              <a:rPr lang="en-IN" dirty="0" err="1"/>
+              <a:t>scipy</a:t>
+            </a:r>
+            <a:endParaRPr dirty="0"/>
+          </a:p>
+        </p:txBody>
+      </p:sp>
+      <p:sp>
+        <p:nvSpPr>
+          <p:cNvPr id="5" name="TextBox 4">
+            <a:extLst>
+              <a:ext uri="{FF2B5EF4-FFF2-40B4-BE49-F238E27FC236}">
+                <a16:creationId xmlns:a16="http://schemas.microsoft.com/office/drawing/2014/main" id="{4631BC1B-D7C7-3763-114F-EE26F958D42F}"/>
+              </a:ext>
+            </a:extLst>
+          </p:cNvPr>
+          <p:cNvSpPr txBox="1"/>
+          <p:nvPr/>
+        </p:nvSpPr>
+        <p:spPr>
+          <a:xfrm>
+            <a:off x="5790197" y="1951672"/>
+            <a:ext cx="6093994" cy="1477328"/>
+          </a:xfrm>
+          <a:prstGeom prst="rect">
+            <a:avLst/>
+          </a:prstGeom>
+          <a:noFill/>
+        </p:spPr>
+        <p:txBody>
+          <a:bodyPr wrap="square">
+            <a:spAutoFit/>
+          </a:bodyPr>
+          <a:lstStyle/>
+          <a:p>
+            <a:r>
+              <a:rPr lang="en-US" dirty="0"/>
+              <a:t>Reason for choosing each model :</a:t>
+            </a:r>
+          </a:p>
+          <a:p>
+            <a:r>
+              <a:rPr lang="en-US" dirty="0"/>
+              <a:t>K-Means: Good for creating spherical, distinct clusters.</a:t>
+            </a:r>
+          </a:p>
+          <a:p>
+            <a:r>
+              <a:rPr lang="en-US" dirty="0"/>
+              <a:t>Hierarchical: For visualizing relationships, helps determine optimal cluster count.</a:t>
+            </a:r>
+          </a:p>
+          <a:p>
+            <a:r>
+              <a:rPr lang="en-US" dirty="0"/>
+              <a:t>DBSCAN: Good for arbitrary shapes and outlier detection.</a:t>
+            </a:r>
+          </a:p>
+        </p:txBody>
+      </p:sp>
+      <p:sp>
+        <p:nvSpPr>
+          <p:cNvPr id="7" name="TextBox 6">
+            <a:extLst>
+              <a:ext uri="{FF2B5EF4-FFF2-40B4-BE49-F238E27FC236}">
+                <a16:creationId xmlns:a16="http://schemas.microsoft.com/office/drawing/2014/main" id="{2F7AEDA4-B089-A8CE-9F7B-4DA4A4436308}"/>
+              </a:ext>
+            </a:extLst>
+          </p:cNvPr>
+          <p:cNvSpPr txBox="1"/>
+          <p:nvPr/>
+        </p:nvSpPr>
+        <p:spPr>
+          <a:xfrm>
+            <a:off x="396742" y="2069265"/>
+            <a:ext cx="5149816" cy="1200329"/>
+          </a:xfrm>
+          <a:prstGeom prst="rect">
+            <a:avLst/>
+          </a:prstGeom>
+          <a:noFill/>
+        </p:spPr>
+        <p:txBody>
+          <a:bodyPr wrap="square">
+            <a:spAutoFit/>
+          </a:bodyPr>
+          <a:lstStyle/>
+          <a:p>
+            <a:r>
+              <a:rPr lang="en-US" dirty="0"/>
+              <a:t>List of models applied : </a:t>
+            </a:r>
+          </a:p>
+          <a:p>
+            <a:r>
+              <a:rPr lang="en-US" dirty="0"/>
+              <a:t>K-Means</a:t>
+            </a:r>
+          </a:p>
+          <a:p>
+            <a:r>
+              <a:rPr lang="en-US" dirty="0"/>
+              <a:t>Agglomerate</a:t>
+            </a:r>
+          </a:p>
+          <a:p>
+            <a:r>
+              <a:rPr lang="en-US" dirty="0"/>
+              <a:t>DBSCAN </a:t>
+            </a:r>
+            <a:endParaRPr lang="en-IN" dirty="0"/>
+          </a:p>
+        </p:txBody>
+      </p:sp>
+      <p:sp>
+        <p:nvSpPr>
+          <p:cNvPr id="9" name="TextBox 8">
+            <a:extLst>
+              <a:ext uri="{FF2B5EF4-FFF2-40B4-BE49-F238E27FC236}">
+                <a16:creationId xmlns:a16="http://schemas.microsoft.com/office/drawing/2014/main" id="{00F5AA22-4FA7-8340-64CA-F8A9D2C6659B}"/>
+              </a:ext>
+            </a:extLst>
+          </p:cNvPr>
+          <p:cNvSpPr txBox="1"/>
+          <p:nvPr/>
+        </p:nvSpPr>
+        <p:spPr>
+          <a:xfrm>
+            <a:off x="396742" y="4188570"/>
+            <a:ext cx="5393455" cy="1754326"/>
+          </a:xfrm>
+          <a:prstGeom prst="rect">
+            <a:avLst/>
+          </a:prstGeom>
+          <a:noFill/>
+        </p:spPr>
+        <p:txBody>
+          <a:bodyPr wrap="square">
+            <a:spAutoFit/>
+          </a:bodyPr>
+          <a:lstStyle/>
+          <a:p>
+            <a:r>
+              <a:rPr lang="en-US" dirty="0"/>
+              <a:t>Hyperparameters : </a:t>
+            </a:r>
+          </a:p>
+          <a:p>
+            <a:r>
+              <a:rPr lang="en-US" dirty="0"/>
+              <a:t>K-Means: </a:t>
+            </a:r>
+            <a:r>
+              <a:rPr lang="en-US" dirty="0" err="1"/>
+              <a:t>n_clusters</a:t>
+            </a:r>
+            <a:r>
+              <a:rPr lang="en-US" dirty="0"/>
+              <a:t>=3, </a:t>
+            </a:r>
+            <a:r>
+              <a:rPr lang="en-US" dirty="0" err="1"/>
+              <a:t>init</a:t>
+            </a:r>
+            <a:r>
+              <a:rPr lang="en-US" dirty="0"/>
+              <a:t>='k-means++', </a:t>
+            </a:r>
+            <a:r>
+              <a:rPr lang="en-US" dirty="0" err="1"/>
+              <a:t>n_init</a:t>
+            </a:r>
+            <a:r>
+              <a:rPr lang="en-US" dirty="0"/>
+              <a:t>=10, </a:t>
+            </a:r>
+            <a:r>
+              <a:rPr lang="en-US" dirty="0" err="1"/>
+              <a:t>random_state</a:t>
+            </a:r>
+            <a:r>
+              <a:rPr lang="en-US" dirty="0"/>
+              <a:t>=42</a:t>
+            </a:r>
+          </a:p>
+          <a:p>
+            <a:r>
+              <a:rPr lang="en-US" dirty="0"/>
+              <a:t>Hierarchical: Default</a:t>
+            </a:r>
+          </a:p>
+          <a:p>
+            <a:r>
+              <a:rPr lang="en-US" dirty="0"/>
+              <a:t>DBSCAN: Default</a:t>
+            </a:r>
+          </a:p>
+          <a:p>
+            <a:endParaRPr lang="en-US" dirty="0"/>
           </a:p>
         </p:txBody>
       </p:sp>

--- a/docs/23CSE301_A8.pptx
+++ b/docs/23CSE301_A8.pptx
@@ -4040,8 +4040,14 @@
           <a:lstStyle/>
           <a:p>
             <a:r>
-              <a:t>3. Models Used for Dataset 1</a:t>
-            </a:r>
+              <a:rPr dirty="0"/>
+              <a:t>3. Models Used for Dataset </a:t>
+            </a:r>
+            <a:r>
+              <a:rPr lang="en-US" dirty="0"/>
+              <a:t>4</a:t>
+            </a:r>
+            <a:endParaRPr dirty="0"/>
           </a:p>
         </p:txBody>
       </p:sp>
@@ -4061,32 +4067,233 @@
             <p:ph idx="1"/>
           </p:nvPr>
         </p:nvSpPr>
-        <p:spPr/>
-        <p:txBody>
-          <a:bodyPr/>
-          <a:lstStyle/>
-          <a:p>
-            <a:r>
-              <a:rPr dirty="0"/>
-              <a:t>List of models applied</a:t>
-            </a:r>
-          </a:p>
-          <a:p>
-            <a:r>
-              <a:rPr dirty="0"/>
-              <a:t>Reason for choosing each model</a:t>
-            </a:r>
-          </a:p>
-          <a:p>
-            <a:r>
-              <a:rPr dirty="0"/>
-              <a:t>Hyperparameters</a:t>
-            </a:r>
-          </a:p>
-          <a:p>
-            <a:r>
-              <a:rPr dirty="0"/>
-              <a:t>Frameworks used (Python, scikit-learn etc.)</a:t>
+        <p:spPr>
+          <a:xfrm>
+            <a:off x="451587" y="2066965"/>
+            <a:ext cx="5218698" cy="1754325"/>
+          </a:xfrm>
+        </p:spPr>
+        <p:txBody>
+          <a:bodyPr>
+            <a:normAutofit fontScale="92500" lnSpcReduction="20000"/>
+          </a:bodyPr>
+          <a:lstStyle/>
+          <a:p>
+            <a:r>
+              <a:rPr lang="en-US" b="1" dirty="0"/>
+              <a:t>List of Models Applied:</a:t>
+            </a:r>
+          </a:p>
+          <a:p>
+            <a:r>
+              <a:rPr lang="en-US" dirty="0"/>
+              <a:t>Principal Component Analysis (PCA)</a:t>
+            </a:r>
+          </a:p>
+          <a:p>
+            <a:r>
+              <a:rPr lang="en-US" dirty="0"/>
+              <a:t>Linear Discriminant Analysis (LDA)</a:t>
+            </a:r>
+          </a:p>
+          <a:p>
+            <a:r>
+              <a:rPr lang="en-US" dirty="0"/>
+              <a:t>Logistic Regression (wrapped in Sequential Feature Selection)</a:t>
+            </a:r>
+            <a:endParaRPr dirty="0"/>
+          </a:p>
+        </p:txBody>
+      </p:sp>
+      <p:sp>
+        <p:nvSpPr>
+          <p:cNvPr id="5" name="TextBox 4">
+            <a:extLst>
+              <a:ext uri="{FF2B5EF4-FFF2-40B4-BE49-F238E27FC236}">
+                <a16:creationId xmlns:a16="http://schemas.microsoft.com/office/drawing/2014/main" id="{C4D0E98C-48C8-B049-9260-29A75BB6202B}"/>
+              </a:ext>
+            </a:extLst>
+          </p:cNvPr>
+          <p:cNvSpPr txBox="1"/>
+          <p:nvPr/>
+        </p:nvSpPr>
+        <p:spPr>
+          <a:xfrm>
+            <a:off x="339892" y="4150895"/>
+            <a:ext cx="5330393" cy="1754326"/>
+          </a:xfrm>
+          <a:prstGeom prst="rect">
+            <a:avLst/>
+          </a:prstGeom>
+          <a:noFill/>
+        </p:spPr>
+        <p:txBody>
+          <a:bodyPr wrap="square">
+            <a:spAutoFit/>
+          </a:bodyPr>
+          <a:lstStyle/>
+          <a:p>
+            <a:r>
+              <a:rPr lang="en-IN" b="1" dirty="0"/>
+              <a:t>Hyperparameters:</a:t>
+            </a:r>
+          </a:p>
+          <a:p>
+            <a:r>
+              <a:rPr lang="en-IN" dirty="0"/>
+              <a:t>PCA: </a:t>
+            </a:r>
+            <a:r>
+              <a:rPr lang="en-IN" dirty="0" err="1"/>
+              <a:t>n_components</a:t>
+            </a:r>
+            <a:r>
+              <a:rPr lang="en-IN" dirty="0"/>
+              <a:t>=2 (for 2D visualization).</a:t>
+            </a:r>
+          </a:p>
+          <a:p>
+            <a:r>
+              <a:rPr lang="en-IN" dirty="0"/>
+              <a:t>LDA: </a:t>
+            </a:r>
+            <a:r>
+              <a:rPr lang="en-IN" dirty="0" err="1"/>
+              <a:t>n_components</a:t>
+            </a:r>
+            <a:r>
+              <a:rPr lang="en-IN" dirty="0"/>
+              <a:t>=1 (optimal for binary classification).</a:t>
+            </a:r>
+          </a:p>
+          <a:p>
+            <a:r>
+              <a:rPr lang="en-IN" dirty="0"/>
+              <a:t>Logistic Regression: </a:t>
+            </a:r>
+            <a:r>
+              <a:rPr lang="en-IN" dirty="0" err="1"/>
+              <a:t>max_iter</a:t>
+            </a:r>
+            <a:r>
+              <a:rPr lang="en-IN" dirty="0"/>
+              <a:t>=1000, </a:t>
+            </a:r>
+            <a:r>
+              <a:rPr lang="en-IN" dirty="0" err="1"/>
+              <a:t>random_state</a:t>
+            </a:r>
+            <a:r>
+              <a:rPr lang="en-IN" dirty="0"/>
+              <a:t>=42.</a:t>
+            </a:r>
+          </a:p>
+          <a:p>
+            <a:r>
+              <a:rPr lang="en-IN" dirty="0"/>
+              <a:t>Feature Selection: </a:t>
+            </a:r>
+            <a:r>
+              <a:rPr lang="en-IN" dirty="0" err="1"/>
+              <a:t>n_features_to_select</a:t>
+            </a:r>
+            <a:r>
+              <a:rPr lang="en-IN" dirty="0"/>
+              <a:t>=5, direction='forward'.</a:t>
+            </a:r>
+          </a:p>
+        </p:txBody>
+      </p:sp>
+      <p:sp>
+        <p:nvSpPr>
+          <p:cNvPr id="6" name="TextBox 5">
+            <a:extLst>
+              <a:ext uri="{FF2B5EF4-FFF2-40B4-BE49-F238E27FC236}">
+                <a16:creationId xmlns:a16="http://schemas.microsoft.com/office/drawing/2014/main" id="{A5CA0AB7-3A1A-62A1-177C-818CC6F1439A}"/>
+              </a:ext>
+            </a:extLst>
+          </p:cNvPr>
+          <p:cNvSpPr txBox="1"/>
+          <p:nvPr/>
+        </p:nvSpPr>
+        <p:spPr>
+          <a:xfrm>
+            <a:off x="5876925" y="4150895"/>
+            <a:ext cx="5856371" cy="646331"/>
+          </a:xfrm>
+          <a:prstGeom prst="rect">
+            <a:avLst/>
+          </a:prstGeom>
+          <a:noFill/>
+        </p:spPr>
+        <p:txBody>
+          <a:bodyPr wrap="square">
+            <a:spAutoFit/>
+          </a:bodyPr>
+          <a:lstStyle/>
+          <a:p>
+            <a:r>
+              <a:rPr lang="en-IN" b="1" dirty="0"/>
+              <a:t>Frameworks used:</a:t>
+            </a:r>
+          </a:p>
+          <a:p>
+            <a:r>
+              <a:rPr lang="en-IN" dirty="0"/>
+              <a:t>Python, scikit-learn, pandas, matplotlib</a:t>
+            </a:r>
+          </a:p>
+        </p:txBody>
+      </p:sp>
+      <p:sp>
+        <p:nvSpPr>
+          <p:cNvPr id="8" name="TextBox 7">
+            <a:extLst>
+              <a:ext uri="{FF2B5EF4-FFF2-40B4-BE49-F238E27FC236}">
+                <a16:creationId xmlns:a16="http://schemas.microsoft.com/office/drawing/2014/main" id="{8802B2BC-AB39-60FE-96C8-F8D14DAA1870}"/>
+              </a:ext>
+            </a:extLst>
+          </p:cNvPr>
+          <p:cNvSpPr txBox="1"/>
+          <p:nvPr/>
+        </p:nvSpPr>
+        <p:spPr>
+          <a:xfrm>
+            <a:off x="5876925" y="2066965"/>
+            <a:ext cx="6093994" cy="2031325"/>
+          </a:xfrm>
+          <a:prstGeom prst="rect">
+            <a:avLst/>
+          </a:prstGeom>
+          <a:noFill/>
+        </p:spPr>
+        <p:txBody>
+          <a:bodyPr wrap="square">
+            <a:spAutoFit/>
+          </a:bodyPr>
+          <a:lstStyle/>
+          <a:p>
+            <a:r>
+              <a:rPr lang="en-IN" b="1" dirty="0"/>
+              <a:t>Reason for Choosing Each Model:</a:t>
+            </a:r>
+          </a:p>
+          <a:p>
+            <a:r>
+              <a:rPr lang="en-IN" dirty="0"/>
+              <a:t>PCA: Unsupervised reduction to minimize features while retaining 95% of data variance.</a:t>
+            </a:r>
+          </a:p>
+          <a:p>
+            <a:r>
+              <a:rPr lang="en-IN" dirty="0"/>
+              <a:t>LDA: Supervised reduction to project data onto a lower-dimensional space that maximizes class separation.</a:t>
+            </a:r>
+          </a:p>
+          <a:p>
+            <a:r>
+              <a:rPr lang="en-IN" dirty="0"/>
+              <a:t>Logistic Regression: Robust baseline classifier used to evaluate and select the most significant features.</a:t>
             </a:r>
           </a:p>
         </p:txBody>
@@ -5722,7 +5929,7 @@
           <a:p>
             <a:r>
               <a:rPr lang="en-US" dirty="0"/>
-              <a:t>Preprocessing steps : categorical {label encoder}, scaling {standard scaler}</a:t>
+              <a:t>Preprocessing steps : data cleaning{removed duplicates}, encoding {label encoder}, normalization {standard scaler}</a:t>
             </a:r>
           </a:p>
           <a:p>
@@ -5833,64 +6040,239 @@
             <p:ph idx="1"/>
           </p:nvPr>
         </p:nvSpPr>
-        <p:spPr/>
-        <p:txBody>
-          <a:bodyPr/>
-          <a:lstStyle/>
-          <a:p>
-            <a:r>
-              <a:rPr dirty="0"/>
-              <a:t>List of models applied</a:t>
-            </a:r>
+        <p:spPr>
+          <a:xfrm>
+            <a:off x="5404585" y="1985211"/>
+            <a:ext cx="6145731" cy="2062871"/>
+          </a:xfrm>
+        </p:spPr>
+        <p:txBody>
+          <a:bodyPr>
+            <a:normAutofit fontScale="92500" lnSpcReduction="10000"/>
+          </a:bodyPr>
+          <a:lstStyle/>
+          <a:p>
+            <a:r>
+              <a:rPr lang="en-US" b="1" dirty="0"/>
+              <a:t>Reason for Choosing Each Model</a:t>
+            </a:r>
+          </a:p>
+          <a:p>
             <a:r>
               <a:rPr lang="en-US" dirty="0"/>
-              <a:t> : </a:t>
-            </a:r>
-            <a:r>
-              <a:rPr lang="en-US" dirty="0" err="1"/>
-              <a:t>kNN</a:t>
-            </a:r>
+              <a:t>KNN: Selected as a simple, non-parametric baseline model.</a:t>
+            </a:r>
+          </a:p>
+          <a:p>
             <a:r>
               <a:rPr lang="en-US" dirty="0"/>
-              <a:t>, Naïve Bayes, Logistic Regression</a:t>
+              <a:t>Logistic Regression: Chosen as a robust linear baseline that offers interpretable coefficients.</a:t>
+            </a:r>
+          </a:p>
+          <a:p>
+            <a:r>
+              <a:rPr lang="en-US" dirty="0"/>
+              <a:t>Naive Bayes: Used as a probabilistic baseline effectively assuming feature independence.</a:t>
             </a:r>
             <a:endParaRPr dirty="0"/>
           </a:p>
-          <a:p>
-            <a:r>
-              <a:rPr dirty="0"/>
-              <a:t>Reason for choosing each model</a:t>
-            </a:r>
-            <a:r>
-              <a:rPr lang="en-US" dirty="0"/>
-              <a:t> :</a:t>
-            </a:r>
-          </a:p>
-          <a:p>
-            <a:r>
-              <a:rPr lang="en-US" dirty="0"/>
-              <a:t>Hyperparameters : </a:t>
-            </a:r>
-            <a:endParaRPr dirty="0"/>
-          </a:p>
-          <a:p>
-            <a:r>
-              <a:rPr dirty="0"/>
-              <a:t>Frameworks used </a:t>
-            </a:r>
-            <a:r>
-              <a:rPr lang="en-US" dirty="0"/>
-              <a:t>: p</a:t>
-            </a:r>
-            <a:r>
-              <a:rPr dirty="0"/>
-              <a:t>ython, scikit-learn</a:t>
-            </a:r>
-            <a:r>
-              <a:rPr lang="en-US" dirty="0"/>
-              <a:t>, pandas, matplotlib</a:t>
-            </a:r>
-            <a:endParaRPr dirty="0"/>
+        </p:txBody>
+      </p:sp>
+      <p:sp>
+        <p:nvSpPr>
+          <p:cNvPr id="5" name="TextBox 4">
+            <a:extLst>
+              <a:ext uri="{FF2B5EF4-FFF2-40B4-BE49-F238E27FC236}">
+                <a16:creationId xmlns:a16="http://schemas.microsoft.com/office/drawing/2014/main" id="{3ABF4C2E-3741-E985-138F-1EA9434312E3}"/>
+              </a:ext>
+            </a:extLst>
+          </p:cNvPr>
+          <p:cNvSpPr txBox="1"/>
+          <p:nvPr/>
+        </p:nvSpPr>
+        <p:spPr>
+          <a:xfrm>
+            <a:off x="940067" y="1985211"/>
+            <a:ext cx="4365859" cy="1200329"/>
+          </a:xfrm>
+          <a:prstGeom prst="rect">
+            <a:avLst/>
+          </a:prstGeom>
+          <a:noFill/>
+        </p:spPr>
+        <p:txBody>
+          <a:bodyPr wrap="square">
+            <a:spAutoFit/>
+          </a:bodyPr>
+          <a:lstStyle/>
+          <a:p>
+            <a:r>
+              <a:rPr lang="en-IN" b="1" dirty="0"/>
+              <a:t>List of Models Applied</a:t>
+            </a:r>
+          </a:p>
+          <a:p>
+            <a:r>
+              <a:rPr lang="en-IN" dirty="0"/>
+              <a:t>K-Nearest </a:t>
+            </a:r>
+            <a:r>
+              <a:rPr lang="en-IN" dirty="0" err="1"/>
+              <a:t>Neighbors</a:t>
+            </a:r>
+            <a:r>
+              <a:rPr lang="en-IN" dirty="0"/>
+              <a:t> (KNN)</a:t>
+            </a:r>
+          </a:p>
+          <a:p>
+            <a:r>
+              <a:rPr lang="en-IN" dirty="0"/>
+              <a:t>Logistic Regression</a:t>
+            </a:r>
+          </a:p>
+          <a:p>
+            <a:r>
+              <a:rPr lang="en-IN" dirty="0"/>
+              <a:t>Naive Bayes (</a:t>
+            </a:r>
+            <a:r>
+              <a:rPr lang="en-IN" dirty="0" err="1"/>
+              <a:t>GaussianNB</a:t>
+            </a:r>
+            <a:r>
+              <a:rPr lang="en-IN" dirty="0"/>
+              <a:t>)</a:t>
+            </a:r>
+          </a:p>
+        </p:txBody>
+      </p:sp>
+      <p:sp>
+        <p:nvSpPr>
+          <p:cNvPr id="7" name="TextBox 6">
+            <a:extLst>
+              <a:ext uri="{FF2B5EF4-FFF2-40B4-BE49-F238E27FC236}">
+                <a16:creationId xmlns:a16="http://schemas.microsoft.com/office/drawing/2014/main" id="{888EB6FC-3D64-6CCF-B93B-DDDCA0F876BA}"/>
+              </a:ext>
+            </a:extLst>
+          </p:cNvPr>
+          <p:cNvSpPr txBox="1"/>
+          <p:nvPr/>
+        </p:nvSpPr>
+        <p:spPr>
+          <a:xfrm>
+            <a:off x="940067" y="4469051"/>
+            <a:ext cx="4464518" cy="1477328"/>
+          </a:xfrm>
+          <a:prstGeom prst="rect">
+            <a:avLst/>
+          </a:prstGeom>
+          <a:noFill/>
+        </p:spPr>
+        <p:txBody>
+          <a:bodyPr wrap="square">
+            <a:spAutoFit/>
+          </a:bodyPr>
+          <a:lstStyle/>
+          <a:p>
+            <a:r>
+              <a:rPr lang="en-IN" b="1" dirty="0"/>
+              <a:t>Hyperparameters</a:t>
+            </a:r>
+          </a:p>
+          <a:p>
+            <a:r>
+              <a:rPr lang="en-IN" dirty="0"/>
+              <a:t>KNN: </a:t>
+            </a:r>
+            <a:r>
+              <a:rPr lang="en-IN" dirty="0" err="1"/>
+              <a:t>n_neighbors</a:t>
+            </a:r>
+            <a:r>
+              <a:rPr lang="en-IN" dirty="0"/>
+              <a:t>=5 (Default).</a:t>
+            </a:r>
+          </a:p>
+          <a:p>
+            <a:r>
+              <a:rPr lang="en-IN" dirty="0"/>
+              <a:t>Logistic Regression: </a:t>
+            </a:r>
+            <a:r>
+              <a:rPr lang="en-IN" dirty="0" err="1"/>
+              <a:t>max_iter</a:t>
+            </a:r>
+            <a:r>
+              <a:rPr lang="en-IN" dirty="0"/>
+              <a:t>=1000 (to ensure convergence), </a:t>
+            </a:r>
+            <a:r>
+              <a:rPr lang="en-IN" dirty="0" err="1"/>
+              <a:t>random_state</a:t>
+            </a:r>
+            <a:r>
+              <a:rPr lang="en-IN" dirty="0"/>
+              <a:t>=42.</a:t>
+            </a:r>
+          </a:p>
+          <a:p>
+            <a:r>
+              <a:rPr lang="en-IN" dirty="0"/>
+              <a:t>Naive Bayes: Default parameters.</a:t>
+            </a:r>
+          </a:p>
+        </p:txBody>
+      </p:sp>
+      <p:sp>
+        <p:nvSpPr>
+          <p:cNvPr id="9" name="TextBox 8">
+            <a:extLst>
+              <a:ext uri="{FF2B5EF4-FFF2-40B4-BE49-F238E27FC236}">
+                <a16:creationId xmlns:a16="http://schemas.microsoft.com/office/drawing/2014/main" id="{D4E55613-B6C5-F4C0-097D-6321155E6810}"/>
+              </a:ext>
+            </a:extLst>
+          </p:cNvPr>
+          <p:cNvSpPr txBox="1"/>
+          <p:nvPr/>
+        </p:nvSpPr>
+        <p:spPr>
+          <a:xfrm>
+            <a:off x="5404585" y="4469051"/>
+            <a:ext cx="6093994" cy="646331"/>
+          </a:xfrm>
+          <a:prstGeom prst="rect">
+            <a:avLst/>
+          </a:prstGeom>
+          <a:noFill/>
+        </p:spPr>
+        <p:txBody>
+          <a:bodyPr wrap="square">
+            <a:spAutoFit/>
+          </a:bodyPr>
+          <a:lstStyle/>
+          <a:p>
+            <a:pPr>
+              <a:buNone/>
+            </a:pPr>
+            <a:r>
+              <a:rPr lang="en-IN" b="1" dirty="0"/>
+              <a:t>Frameworks Used</a:t>
+            </a:r>
+          </a:p>
+          <a:p>
+            <a:r>
+              <a:rPr lang="en-IN" dirty="0"/>
+              <a:t>Python, scikit-learn, pandas, </a:t>
+            </a:r>
+            <a:r>
+              <a:rPr lang="en-IN" dirty="0" err="1"/>
+              <a:t>numpy</a:t>
+            </a:r>
+            <a:r>
+              <a:rPr lang="en-IN" dirty="0"/>
+              <a:t>, matplotlib, seaborn</a:t>
+            </a:r>
           </a:p>
         </p:txBody>
       </p:sp>
@@ -5947,8 +6329,14 @@
           <a:lstStyle/>
           <a:p>
             <a:r>
-              <a:t>3. Models Used for Dataset 1</a:t>
-            </a:r>
+              <a:rPr dirty="0"/>
+              <a:t>3. Models Used for Dataset </a:t>
+            </a:r>
+            <a:r>
+              <a:rPr lang="en-US" dirty="0"/>
+              <a:t>2</a:t>
+            </a:r>
+            <a:endParaRPr dirty="0"/>
           </a:p>
         </p:txBody>
       </p:sp>
@@ -5968,64 +6356,220 @@
             <p:ph idx="1"/>
           </p:nvPr>
         </p:nvSpPr>
-        <p:spPr/>
-        <p:txBody>
-          <a:bodyPr/>
-          <a:lstStyle/>
-          <a:p>
-            <a:r>
-              <a:rPr dirty="0"/>
+        <p:spPr>
+          <a:xfrm>
+            <a:off x="5900888" y="4824663"/>
+            <a:ext cx="3378467" cy="1081762"/>
+          </a:xfrm>
+        </p:spPr>
+        <p:txBody>
+          <a:bodyPr>
+            <a:normAutofit fontScale="92500"/>
+          </a:bodyPr>
+          <a:lstStyle/>
+          <a:p>
+            <a:r>
+              <a:rPr lang="en-IN" b="1" dirty="0"/>
+              <a:t>Frameworks used</a:t>
+            </a:r>
+          </a:p>
+          <a:p>
+            <a:r>
+              <a:rPr lang="en-IN" dirty="0"/>
+              <a:t>Python, scikit-learn, pandas, </a:t>
+            </a:r>
+            <a:r>
+              <a:rPr lang="en-IN" dirty="0" err="1"/>
+              <a:t>numpy</a:t>
+            </a:r>
+            <a:r>
+              <a:rPr lang="en-IN" dirty="0"/>
+              <a:t>, matplotlib, seaborn, </a:t>
+            </a:r>
+            <a:r>
+              <a:rPr lang="en-IN" dirty="0" err="1"/>
+              <a:t>scipy</a:t>
+            </a:r>
+            <a:endParaRPr lang="en-IN" dirty="0">
+              <a:effectLst/>
+            </a:endParaRPr>
+          </a:p>
+        </p:txBody>
+      </p:sp>
+      <p:sp>
+        <p:nvSpPr>
+          <p:cNvPr id="5" name="TextBox 4">
+            <a:extLst>
+              <a:ext uri="{FF2B5EF4-FFF2-40B4-BE49-F238E27FC236}">
+                <a16:creationId xmlns:a16="http://schemas.microsoft.com/office/drawing/2014/main" id="{25BE7B5A-F475-1E53-611F-F7A3750E3F8D}"/>
+              </a:ext>
+            </a:extLst>
+          </p:cNvPr>
+          <p:cNvSpPr txBox="1"/>
+          <p:nvPr/>
+        </p:nvSpPr>
+        <p:spPr>
+          <a:xfrm>
+            <a:off x="532397" y="2212630"/>
+            <a:ext cx="4833687" cy="1477328"/>
+          </a:xfrm>
+          <a:prstGeom prst="rect">
+            <a:avLst/>
+          </a:prstGeom>
+          <a:noFill/>
+        </p:spPr>
+        <p:txBody>
+          <a:bodyPr wrap="square">
+            <a:spAutoFit/>
+          </a:bodyPr>
+          <a:lstStyle/>
+          <a:p>
+            <a:r>
+              <a:rPr lang="en-IN" b="1" dirty="0"/>
               <a:t>List of models applied</a:t>
             </a:r>
             <a:r>
-              <a:rPr lang="en-US" dirty="0"/>
-              <a:t> : Linear Regression, Ridge Regression, Lasso Regression</a:t>
-            </a:r>
-            <a:endParaRPr dirty="0"/>
-          </a:p>
-          <a:p>
-            <a:r>
-              <a:rPr dirty="0"/>
+              <a:rPr lang="en-IN" dirty="0"/>
+              <a:t> </a:t>
+            </a:r>
+          </a:p>
+          <a:p>
+            <a:r>
+              <a:rPr lang="en-IN" dirty="0"/>
+              <a:t>Linear Regression</a:t>
+            </a:r>
+          </a:p>
+          <a:p>
+            <a:r>
+              <a:rPr lang="en-IN" dirty="0"/>
+              <a:t>Ridge Regression</a:t>
+            </a:r>
+          </a:p>
+          <a:p>
+            <a:r>
+              <a:rPr lang="en-IN" dirty="0"/>
+              <a:t>Lasso Regression</a:t>
+            </a:r>
+          </a:p>
+          <a:p>
+            <a:r>
+              <a:rPr lang="en-IN" dirty="0"/>
+              <a:t>Decision Tree Regressor</a:t>
+            </a:r>
+          </a:p>
+        </p:txBody>
+      </p:sp>
+      <p:sp>
+        <p:nvSpPr>
+          <p:cNvPr id="7" name="TextBox 6">
+            <a:extLst>
+              <a:ext uri="{FF2B5EF4-FFF2-40B4-BE49-F238E27FC236}">
+                <a16:creationId xmlns:a16="http://schemas.microsoft.com/office/drawing/2014/main" id="{4D482AE3-CDB3-11CB-78B3-2B915403A0FB}"/>
+              </a:ext>
+            </a:extLst>
+          </p:cNvPr>
+          <p:cNvSpPr txBox="1"/>
+          <p:nvPr/>
+        </p:nvSpPr>
+        <p:spPr>
+          <a:xfrm>
+            <a:off x="5900888" y="2212630"/>
+            <a:ext cx="5254792" cy="1477328"/>
+          </a:xfrm>
+          <a:prstGeom prst="rect">
+            <a:avLst/>
+          </a:prstGeom>
+          <a:noFill/>
+        </p:spPr>
+        <p:txBody>
+          <a:bodyPr wrap="square">
+            <a:spAutoFit/>
+          </a:bodyPr>
+          <a:lstStyle/>
+          <a:p>
+            <a:r>
+              <a:rPr lang="en-IN" b="1" dirty="0"/>
               <a:t>Reason for choosing each model</a:t>
             </a:r>
-            <a:r>
-              <a:rPr lang="en-US" dirty="0"/>
-              <a:t> : </a:t>
-            </a:r>
-          </a:p>
-          <a:p>
-            <a:r>
-              <a:rPr lang="en-US" dirty="0"/>
-              <a:t>Hyperparameters : </a:t>
-            </a:r>
-            <a:endParaRPr dirty="0"/>
-          </a:p>
-          <a:p>
-            <a:r>
-              <a:rPr dirty="0"/>
-              <a:t>Frameworks used</a:t>
-            </a:r>
-            <a:r>
-              <a:rPr lang="en-US" dirty="0"/>
-              <a:t> :</a:t>
-            </a:r>
-            <a:r>
-              <a:rPr dirty="0"/>
-              <a:t> </a:t>
-            </a:r>
-            <a:r>
-              <a:rPr lang="en-US" dirty="0"/>
-              <a:t>p</a:t>
-            </a:r>
-            <a:r>
-              <a:rPr dirty="0"/>
-              <a:t>ython, scikit-learn</a:t>
-            </a:r>
-            <a:r>
-              <a:rPr lang="en-US" dirty="0"/>
-              <a:t>, matplotlib</a:t>
-            </a:r>
-            <a:endParaRPr dirty="0"/>
+          </a:p>
+          <a:p>
+            <a:r>
+              <a:rPr lang="en-IN" dirty="0"/>
+              <a:t> Linear Regression as a baseline, Ridge to handle multicollinearity and overfitting, Lasso for feature selection, Decision Tree to capture non-linear relationships</a:t>
+            </a:r>
+          </a:p>
+        </p:txBody>
+      </p:sp>
+      <p:sp>
+        <p:nvSpPr>
+          <p:cNvPr id="9" name="TextBox 8">
+            <a:extLst>
+              <a:ext uri="{FF2B5EF4-FFF2-40B4-BE49-F238E27FC236}">
+                <a16:creationId xmlns:a16="http://schemas.microsoft.com/office/drawing/2014/main" id="{432E4878-6EE3-3BFF-8B51-5017B3786352}"/>
+              </a:ext>
+            </a:extLst>
+          </p:cNvPr>
+          <p:cNvSpPr txBox="1"/>
+          <p:nvPr/>
+        </p:nvSpPr>
+        <p:spPr>
+          <a:xfrm>
+            <a:off x="532396" y="4706096"/>
+            <a:ext cx="4833687" cy="1200329"/>
+          </a:xfrm>
+          <a:prstGeom prst="rect">
+            <a:avLst/>
+          </a:prstGeom>
+          <a:noFill/>
+        </p:spPr>
+        <p:txBody>
+          <a:bodyPr wrap="square">
+            <a:spAutoFit/>
+          </a:bodyPr>
+          <a:lstStyle/>
+          <a:p>
+            <a:r>
+              <a:rPr lang="en-IN" b="1" dirty="0"/>
+              <a:t>Hyperparameters</a:t>
+            </a:r>
+          </a:p>
+          <a:p>
+            <a:r>
+              <a:rPr lang="en-IN" dirty="0"/>
+              <a:t> Ridge (alpha=1.0), Lasso (alpha=0.1), Decision Tree (</a:t>
+            </a:r>
+            <a:r>
+              <a:rPr lang="en-IN" dirty="0" err="1"/>
+              <a:t>max_depth</a:t>
+            </a:r>
+            <a:r>
+              <a:rPr lang="en-IN" dirty="0"/>
+              <a:t>=5, </a:t>
+            </a:r>
+            <a:r>
+              <a:rPr lang="en-IN" dirty="0" err="1"/>
+              <a:t>random_state</a:t>
+            </a:r>
+            <a:r>
+              <a:rPr lang="en-IN" dirty="0"/>
+              <a:t>=42), Train-Test Split (</a:t>
+            </a:r>
+            <a:r>
+              <a:rPr lang="en-IN" dirty="0" err="1"/>
+              <a:t>test_size</a:t>
+            </a:r>
+            <a:r>
+              <a:rPr lang="en-IN" dirty="0"/>
+              <a:t>=0.2, </a:t>
+            </a:r>
+            <a:r>
+              <a:rPr lang="en-IN" dirty="0" err="1"/>
+              <a:t>random_state</a:t>
+            </a:r>
+            <a:r>
+              <a:rPr lang="en-IN" dirty="0"/>
+              <a:t>=42)</a:t>
+            </a:r>
           </a:p>
         </p:txBody>
       </p:sp>
@@ -6087,8 +6631,14 @@
           <a:lstStyle/>
           <a:p>
             <a:r>
-              <a:t>3. Models Used for Dataset 1</a:t>
-            </a:r>
+              <a:rPr dirty="0"/>
+              <a:t>3. Models Used for Dataset </a:t>
+            </a:r>
+            <a:r>
+              <a:rPr lang="en-US" dirty="0"/>
+              <a:t>3</a:t>
+            </a:r>
+            <a:endParaRPr dirty="0"/>
           </a:p>
         </p:txBody>
       </p:sp>
@@ -6124,13 +6674,15 @@
               <a:buNone/>
             </a:pPr>
             <a:r>
-              <a:rPr dirty="0"/>
+              <a:rPr b="1" dirty="0"/>
               <a:t>Frameworks used</a:t>
             </a:r>
-            <a:r>
-              <a:rPr lang="en-US" dirty="0"/>
-              <a:t> : </a:t>
-            </a:r>
+            <a:endParaRPr lang="en-US" b="1" dirty="0"/>
+          </a:p>
+          <a:p>
+            <a:pPr marL="0" indent="0">
+              <a:buNone/>
+            </a:pPr>
             <a:r>
               <a:rPr lang="en-IN" dirty="0"/>
               <a:t>Python, scikit-learn, pandas, </a:t>
@@ -6180,8 +6732,8 @@
           <a:lstStyle/>
           <a:p>
             <a:r>
-              <a:rPr lang="en-US" dirty="0"/>
-              <a:t>Reason for choosing each model :</a:t>
+              <a:rPr lang="en-US" b="1" dirty="0"/>
+              <a:t>Reason for choosing each model</a:t>
             </a:r>
           </a:p>
           <a:p>
@@ -6233,8 +6785,8 @@
           <a:lstStyle/>
           <a:p>
             <a:r>
-              <a:rPr lang="en-US" dirty="0"/>
-              <a:t>List of models applied : </a:t>
+              <a:rPr lang="en-US" b="1" dirty="0"/>
+              <a:t>List of models applied</a:t>
             </a:r>
           </a:p>
           <a:p>
@@ -6287,8 +6839,8 @@
           <a:lstStyle/>
           <a:p>
             <a:r>
-              <a:rPr lang="en-US" dirty="0"/>
-              <a:t>Hyperparameters : </a:t>
+              <a:rPr lang="en-US" b="1" dirty="0"/>
+              <a:t>Hyperparameters</a:t>
             </a:r>
           </a:p>
           <a:p>

--- a/docs/23CSE301_A8.pptx
+++ b/docs/23CSE301_A8.pptx
@@ -8,21 +8,21 @@
     <p:sldId id="256" r:id="rId2"/>
     <p:sldId id="268" r:id="rId3"/>
     <p:sldId id="258" r:id="rId4"/>
-    <p:sldId id="270" r:id="rId5"/>
-    <p:sldId id="271" r:id="rId6"/>
-    <p:sldId id="272" r:id="rId7"/>
-    <p:sldId id="259" r:id="rId8"/>
+    <p:sldId id="259" r:id="rId5"/>
+    <p:sldId id="260" r:id="rId6"/>
+    <p:sldId id="280" r:id="rId7"/>
+    <p:sldId id="270" r:id="rId8"/>
     <p:sldId id="273" r:id="rId9"/>
-    <p:sldId id="274" r:id="rId10"/>
-    <p:sldId id="275" r:id="rId11"/>
-    <p:sldId id="260" r:id="rId12"/>
-    <p:sldId id="276" r:id="rId13"/>
-    <p:sldId id="277" r:id="rId14"/>
-    <p:sldId id="278" r:id="rId15"/>
-    <p:sldId id="269" r:id="rId16"/>
-    <p:sldId id="279" r:id="rId17"/>
-    <p:sldId id="280" r:id="rId18"/>
-    <p:sldId id="281" r:id="rId19"/>
+    <p:sldId id="278" r:id="rId10"/>
+    <p:sldId id="281" r:id="rId11"/>
+    <p:sldId id="271" r:id="rId12"/>
+    <p:sldId id="274" r:id="rId13"/>
+    <p:sldId id="276" r:id="rId14"/>
+    <p:sldId id="269" r:id="rId15"/>
+    <p:sldId id="272" r:id="rId16"/>
+    <p:sldId id="275" r:id="rId17"/>
+    <p:sldId id="277" r:id="rId18"/>
+    <p:sldId id="279" r:id="rId19"/>
     <p:sldId id="262" r:id="rId20"/>
   </p:sldIdLst>
   <p:sldSz cx="12192000" cy="6858000"/>
@@ -4003,1032 +4003,6 @@
         <p:cNvPr id="1" name="">
           <a:extLst>
             <a:ext uri="{FF2B5EF4-FFF2-40B4-BE49-F238E27FC236}">
-              <a16:creationId xmlns:a16="http://schemas.microsoft.com/office/drawing/2014/main" id="{5E33A4C7-53EA-A8EE-1B41-5E3AF4809217}"/>
-            </a:ext>
-          </a:extLst>
-        </p:cNvPr>
-        <p:cNvGrpSpPr/>
-        <p:nvPr/>
-      </p:nvGrpSpPr>
-      <p:grpSpPr>
-        <a:xfrm>
-          <a:off x="0" y="0"/>
-          <a:ext cx="0" cy="0"/>
-          <a:chOff x="0" y="0"/>
-          <a:chExt cx="0" cy="0"/>
-        </a:xfrm>
-      </p:grpSpPr>
-      <p:sp>
-        <p:nvSpPr>
-          <p:cNvPr id="2" name="Title 1">
-            <a:extLst>
-              <a:ext uri="{FF2B5EF4-FFF2-40B4-BE49-F238E27FC236}">
-                <a16:creationId xmlns:a16="http://schemas.microsoft.com/office/drawing/2014/main" id="{49AFA0B4-3543-902D-EB66-F69810D46232}"/>
-              </a:ext>
-            </a:extLst>
-          </p:cNvPr>
-          <p:cNvSpPr>
-            <a:spLocks noGrp="1"/>
-          </p:cNvSpPr>
-          <p:nvPr>
-            <p:ph type="title"/>
-          </p:nvPr>
-        </p:nvSpPr>
-        <p:spPr/>
-        <p:txBody>
-          <a:bodyPr/>
-          <a:lstStyle/>
-          <a:p>
-            <a:r>
-              <a:rPr dirty="0"/>
-              <a:t>3. Models Used for Dataset </a:t>
-            </a:r>
-            <a:r>
-              <a:rPr lang="en-US" dirty="0"/>
-              <a:t>4</a:t>
-            </a:r>
-            <a:endParaRPr dirty="0"/>
-          </a:p>
-        </p:txBody>
-      </p:sp>
-      <p:sp>
-        <p:nvSpPr>
-          <p:cNvPr id="3" name="Content Placeholder 2">
-            <a:extLst>
-              <a:ext uri="{FF2B5EF4-FFF2-40B4-BE49-F238E27FC236}">
-                <a16:creationId xmlns:a16="http://schemas.microsoft.com/office/drawing/2014/main" id="{0D46CA3B-8F3C-E05B-D85D-A131750410F0}"/>
-              </a:ext>
-            </a:extLst>
-          </p:cNvPr>
-          <p:cNvSpPr>
-            <a:spLocks noGrp="1"/>
-          </p:cNvSpPr>
-          <p:nvPr>
-            <p:ph idx="1"/>
-          </p:nvPr>
-        </p:nvSpPr>
-        <p:spPr>
-          <a:xfrm>
-            <a:off x="451587" y="2066965"/>
-            <a:ext cx="5218698" cy="1754325"/>
-          </a:xfrm>
-        </p:spPr>
-        <p:txBody>
-          <a:bodyPr>
-            <a:normAutofit fontScale="92500" lnSpcReduction="20000"/>
-          </a:bodyPr>
-          <a:lstStyle/>
-          <a:p>
-            <a:r>
-              <a:rPr lang="en-US" b="1" dirty="0"/>
-              <a:t>List of Models Applied:</a:t>
-            </a:r>
-          </a:p>
-          <a:p>
-            <a:r>
-              <a:rPr lang="en-US" dirty="0"/>
-              <a:t>Principal Component Analysis (PCA)</a:t>
-            </a:r>
-          </a:p>
-          <a:p>
-            <a:r>
-              <a:rPr lang="en-US" dirty="0"/>
-              <a:t>Linear Discriminant Analysis (LDA)</a:t>
-            </a:r>
-          </a:p>
-          <a:p>
-            <a:r>
-              <a:rPr lang="en-US" dirty="0"/>
-              <a:t>Logistic Regression (wrapped in Sequential Feature Selection)</a:t>
-            </a:r>
-            <a:endParaRPr dirty="0"/>
-          </a:p>
-        </p:txBody>
-      </p:sp>
-      <p:sp>
-        <p:nvSpPr>
-          <p:cNvPr id="5" name="TextBox 4">
-            <a:extLst>
-              <a:ext uri="{FF2B5EF4-FFF2-40B4-BE49-F238E27FC236}">
-                <a16:creationId xmlns:a16="http://schemas.microsoft.com/office/drawing/2014/main" id="{C4D0E98C-48C8-B049-9260-29A75BB6202B}"/>
-              </a:ext>
-            </a:extLst>
-          </p:cNvPr>
-          <p:cNvSpPr txBox="1"/>
-          <p:nvPr/>
-        </p:nvSpPr>
-        <p:spPr>
-          <a:xfrm>
-            <a:off x="339892" y="4150895"/>
-            <a:ext cx="5330393" cy="1754326"/>
-          </a:xfrm>
-          <a:prstGeom prst="rect">
-            <a:avLst/>
-          </a:prstGeom>
-          <a:noFill/>
-        </p:spPr>
-        <p:txBody>
-          <a:bodyPr wrap="square">
-            <a:spAutoFit/>
-          </a:bodyPr>
-          <a:lstStyle/>
-          <a:p>
-            <a:r>
-              <a:rPr lang="en-IN" b="1" dirty="0"/>
-              <a:t>Hyperparameters:</a:t>
-            </a:r>
-          </a:p>
-          <a:p>
-            <a:r>
-              <a:rPr lang="en-IN" dirty="0"/>
-              <a:t>PCA: </a:t>
-            </a:r>
-            <a:r>
-              <a:rPr lang="en-IN" dirty="0" err="1"/>
-              <a:t>n_components</a:t>
-            </a:r>
-            <a:r>
-              <a:rPr lang="en-IN" dirty="0"/>
-              <a:t>=2 (for 2D visualization).</a:t>
-            </a:r>
-          </a:p>
-          <a:p>
-            <a:r>
-              <a:rPr lang="en-IN" dirty="0"/>
-              <a:t>LDA: </a:t>
-            </a:r>
-            <a:r>
-              <a:rPr lang="en-IN" dirty="0" err="1"/>
-              <a:t>n_components</a:t>
-            </a:r>
-            <a:r>
-              <a:rPr lang="en-IN" dirty="0"/>
-              <a:t>=1 (optimal for binary classification).</a:t>
-            </a:r>
-          </a:p>
-          <a:p>
-            <a:r>
-              <a:rPr lang="en-IN" dirty="0"/>
-              <a:t>Logistic Regression: </a:t>
-            </a:r>
-            <a:r>
-              <a:rPr lang="en-IN" dirty="0" err="1"/>
-              <a:t>max_iter</a:t>
-            </a:r>
-            <a:r>
-              <a:rPr lang="en-IN" dirty="0"/>
-              <a:t>=1000, </a:t>
-            </a:r>
-            <a:r>
-              <a:rPr lang="en-IN" dirty="0" err="1"/>
-              <a:t>random_state</a:t>
-            </a:r>
-            <a:r>
-              <a:rPr lang="en-IN" dirty="0"/>
-              <a:t>=42.</a:t>
-            </a:r>
-          </a:p>
-          <a:p>
-            <a:r>
-              <a:rPr lang="en-IN" dirty="0"/>
-              <a:t>Feature Selection: </a:t>
-            </a:r>
-            <a:r>
-              <a:rPr lang="en-IN" dirty="0" err="1"/>
-              <a:t>n_features_to_select</a:t>
-            </a:r>
-            <a:r>
-              <a:rPr lang="en-IN" dirty="0"/>
-              <a:t>=5, direction='forward'.</a:t>
-            </a:r>
-          </a:p>
-        </p:txBody>
-      </p:sp>
-      <p:sp>
-        <p:nvSpPr>
-          <p:cNvPr id="6" name="TextBox 5">
-            <a:extLst>
-              <a:ext uri="{FF2B5EF4-FFF2-40B4-BE49-F238E27FC236}">
-                <a16:creationId xmlns:a16="http://schemas.microsoft.com/office/drawing/2014/main" id="{A5CA0AB7-3A1A-62A1-177C-818CC6F1439A}"/>
-              </a:ext>
-            </a:extLst>
-          </p:cNvPr>
-          <p:cNvSpPr txBox="1"/>
-          <p:nvPr/>
-        </p:nvSpPr>
-        <p:spPr>
-          <a:xfrm>
-            <a:off x="5876925" y="4150895"/>
-            <a:ext cx="5856371" cy="646331"/>
-          </a:xfrm>
-          <a:prstGeom prst="rect">
-            <a:avLst/>
-          </a:prstGeom>
-          <a:noFill/>
-        </p:spPr>
-        <p:txBody>
-          <a:bodyPr wrap="square">
-            <a:spAutoFit/>
-          </a:bodyPr>
-          <a:lstStyle/>
-          <a:p>
-            <a:r>
-              <a:rPr lang="en-IN" b="1" dirty="0"/>
-              <a:t>Frameworks used:</a:t>
-            </a:r>
-          </a:p>
-          <a:p>
-            <a:r>
-              <a:rPr lang="en-IN" dirty="0"/>
-              <a:t>Python, scikit-learn, pandas, matplotlib</a:t>
-            </a:r>
-          </a:p>
-        </p:txBody>
-      </p:sp>
-      <p:sp>
-        <p:nvSpPr>
-          <p:cNvPr id="8" name="TextBox 7">
-            <a:extLst>
-              <a:ext uri="{FF2B5EF4-FFF2-40B4-BE49-F238E27FC236}">
-                <a16:creationId xmlns:a16="http://schemas.microsoft.com/office/drawing/2014/main" id="{8802B2BC-AB39-60FE-96C8-F8D14DAA1870}"/>
-              </a:ext>
-            </a:extLst>
-          </p:cNvPr>
-          <p:cNvSpPr txBox="1"/>
-          <p:nvPr/>
-        </p:nvSpPr>
-        <p:spPr>
-          <a:xfrm>
-            <a:off x="5876925" y="2066965"/>
-            <a:ext cx="6093994" cy="2031325"/>
-          </a:xfrm>
-          <a:prstGeom prst="rect">
-            <a:avLst/>
-          </a:prstGeom>
-          <a:noFill/>
-        </p:spPr>
-        <p:txBody>
-          <a:bodyPr wrap="square">
-            <a:spAutoFit/>
-          </a:bodyPr>
-          <a:lstStyle/>
-          <a:p>
-            <a:r>
-              <a:rPr lang="en-IN" b="1" dirty="0"/>
-              <a:t>Reason for Choosing Each Model:</a:t>
-            </a:r>
-          </a:p>
-          <a:p>
-            <a:r>
-              <a:rPr lang="en-IN" dirty="0"/>
-              <a:t>PCA: Unsupervised reduction to minimize features while retaining 95% of data variance.</a:t>
-            </a:r>
-          </a:p>
-          <a:p>
-            <a:r>
-              <a:rPr lang="en-IN" dirty="0"/>
-              <a:t>LDA: Supervised reduction to project data onto a lower-dimensional space that maximizes class separation.</a:t>
-            </a:r>
-          </a:p>
-          <a:p>
-            <a:r>
-              <a:rPr lang="en-IN" dirty="0"/>
-              <a:t>Logistic Regression: Robust baseline classifier used to evaluate and select the most significant features.</a:t>
-            </a:r>
-          </a:p>
-        </p:txBody>
-      </p:sp>
-    </p:spTree>
-    <p:extLst>
-      <p:ext uri="{BB962C8B-B14F-4D97-AF65-F5344CB8AC3E}">
-        <p14:creationId xmlns:p14="http://schemas.microsoft.com/office/powerpoint/2010/main" val="923775988"/>
-      </p:ext>
-    </p:extLst>
-  </p:cSld>
-  <p:clrMapOvr>
-    <a:masterClrMapping/>
-  </p:clrMapOvr>
-</p:sld>
-</file>
-
-<file path=ppt/slides/slide11.xml><?xml version="1.0" encoding="utf-8"?>
-<p:sld xmlns:a="http://schemas.openxmlformats.org/drawingml/2006/main" xmlns:r="http://schemas.openxmlformats.org/officeDocument/2006/relationships" xmlns:p="http://schemas.openxmlformats.org/presentationml/2006/main">
-  <p:cSld>
-    <p:spTree>
-      <p:nvGrpSpPr>
-        <p:cNvPr id="1" name=""/>
-        <p:cNvGrpSpPr/>
-        <p:nvPr/>
-      </p:nvGrpSpPr>
-      <p:grpSpPr>
-        <a:xfrm>
-          <a:off x="0" y="0"/>
-          <a:ext cx="0" cy="0"/>
-          <a:chOff x="0" y="0"/>
-          <a:chExt cx="0" cy="0"/>
-        </a:xfrm>
-      </p:grpSpPr>
-      <p:sp>
-        <p:nvSpPr>
-          <p:cNvPr id="2" name="Title 1"/>
-          <p:cNvSpPr>
-            <a:spLocks noGrp="1"/>
-          </p:cNvSpPr>
-          <p:nvPr>
-            <p:ph type="title"/>
-          </p:nvPr>
-        </p:nvSpPr>
-        <p:spPr/>
-        <p:txBody>
-          <a:bodyPr>
-            <a:normAutofit/>
-          </a:bodyPr>
-          <a:lstStyle/>
-          <a:p>
-            <a:r>
-              <a:rPr dirty="0"/>
-              <a:t>4. Result Analysis – Dataset 1</a:t>
-            </a:r>
-            <a:r>
-              <a:rPr lang="en-IN" dirty="0"/>
-              <a:t> (if classification)</a:t>
-            </a:r>
-            <a:endParaRPr dirty="0"/>
-          </a:p>
-        </p:txBody>
-      </p:sp>
-      <p:sp>
-        <p:nvSpPr>
-          <p:cNvPr id="3" name="Content Placeholder 2"/>
-          <p:cNvSpPr>
-            <a:spLocks noGrp="1"/>
-          </p:cNvSpPr>
-          <p:nvPr>
-            <p:ph idx="1"/>
-          </p:nvPr>
-        </p:nvSpPr>
-        <p:spPr/>
-        <p:txBody>
-          <a:bodyPr/>
-          <a:lstStyle/>
-          <a:p>
-            <a:r>
-              <a:rPr lang="en-IN" dirty="0"/>
-              <a:t>Confusion Matrix</a:t>
-            </a:r>
-          </a:p>
-          <a:p>
-            <a:r>
-              <a:rPr lang="en-US" dirty="0"/>
-              <a:t>Accuracy, Precision, Recall, Specificity, F1</a:t>
-            </a:r>
-          </a:p>
-          <a:p>
-            <a:r>
-              <a:rPr lang="en-IN" dirty="0"/>
-              <a:t>ROC-AUC, PR-AUC</a:t>
-            </a:r>
-          </a:p>
-          <a:p>
-            <a:r>
-              <a:rPr lang="en-IN" dirty="0"/>
-              <a:t>ROC, PR Curves</a:t>
-            </a:r>
-            <a:endParaRPr dirty="0"/>
-          </a:p>
-        </p:txBody>
-      </p:sp>
-    </p:spTree>
-  </p:cSld>
-  <p:clrMapOvr>
-    <a:masterClrMapping/>
-  </p:clrMapOvr>
-</p:sld>
-</file>
-
-<file path=ppt/slides/slide12.xml><?xml version="1.0" encoding="utf-8"?>
-<p:sld xmlns:a="http://schemas.openxmlformats.org/drawingml/2006/main" xmlns:r="http://schemas.openxmlformats.org/officeDocument/2006/relationships" xmlns:p="http://schemas.openxmlformats.org/presentationml/2006/main">
-  <p:cSld>
-    <p:spTree>
-      <p:nvGrpSpPr>
-        <p:cNvPr id="1" name="">
-          <a:extLst>
-            <a:ext uri="{FF2B5EF4-FFF2-40B4-BE49-F238E27FC236}">
-              <a16:creationId xmlns:a16="http://schemas.microsoft.com/office/drawing/2014/main" id="{B669D9E3-6FCF-175F-B057-1B12EB1AFD9B}"/>
-            </a:ext>
-          </a:extLst>
-        </p:cNvPr>
-        <p:cNvGrpSpPr/>
-        <p:nvPr/>
-      </p:nvGrpSpPr>
-      <p:grpSpPr>
-        <a:xfrm>
-          <a:off x="0" y="0"/>
-          <a:ext cx="0" cy="0"/>
-          <a:chOff x="0" y="0"/>
-          <a:chExt cx="0" cy="0"/>
-        </a:xfrm>
-      </p:grpSpPr>
-      <p:sp>
-        <p:nvSpPr>
-          <p:cNvPr id="2" name="Title 1">
-            <a:extLst>
-              <a:ext uri="{FF2B5EF4-FFF2-40B4-BE49-F238E27FC236}">
-                <a16:creationId xmlns:a16="http://schemas.microsoft.com/office/drawing/2014/main" id="{D1D2AE70-1334-379B-4211-2A0E8BFAB033}"/>
-              </a:ext>
-            </a:extLst>
-          </p:cNvPr>
-          <p:cNvSpPr>
-            <a:spLocks noGrp="1"/>
-          </p:cNvSpPr>
-          <p:nvPr>
-            <p:ph type="title"/>
-          </p:nvPr>
-        </p:nvSpPr>
-        <p:spPr/>
-        <p:txBody>
-          <a:bodyPr>
-            <a:normAutofit/>
-          </a:bodyPr>
-          <a:lstStyle/>
-          <a:p>
-            <a:r>
-              <a:rPr dirty="0"/>
-              <a:t>4. Result Analysis – Dataset 1</a:t>
-            </a:r>
-            <a:r>
-              <a:rPr lang="en-IN" dirty="0"/>
-              <a:t> (if classification)</a:t>
-            </a:r>
-            <a:endParaRPr dirty="0"/>
-          </a:p>
-        </p:txBody>
-      </p:sp>
-      <p:sp>
-        <p:nvSpPr>
-          <p:cNvPr id="3" name="Content Placeholder 2">
-            <a:extLst>
-              <a:ext uri="{FF2B5EF4-FFF2-40B4-BE49-F238E27FC236}">
-                <a16:creationId xmlns:a16="http://schemas.microsoft.com/office/drawing/2014/main" id="{16D544E1-3DB3-6DD4-F16E-941C7791D910}"/>
-              </a:ext>
-            </a:extLst>
-          </p:cNvPr>
-          <p:cNvSpPr>
-            <a:spLocks noGrp="1"/>
-          </p:cNvSpPr>
-          <p:nvPr>
-            <p:ph idx="1"/>
-          </p:nvPr>
-        </p:nvSpPr>
-        <p:spPr/>
-        <p:txBody>
-          <a:bodyPr/>
-          <a:lstStyle/>
-          <a:p>
-            <a:r>
-              <a:rPr lang="en-IN" dirty="0"/>
-              <a:t>Confusion Matrix</a:t>
-            </a:r>
-          </a:p>
-          <a:p>
-            <a:r>
-              <a:rPr lang="en-US" dirty="0"/>
-              <a:t>Accuracy, Precision, Recall, Specificity, F1</a:t>
-            </a:r>
-          </a:p>
-          <a:p>
-            <a:r>
-              <a:rPr lang="en-IN" dirty="0"/>
-              <a:t>ROC-AUC, PR-AUC</a:t>
-            </a:r>
-          </a:p>
-          <a:p>
-            <a:r>
-              <a:rPr lang="en-IN" dirty="0"/>
-              <a:t>ROC, PR Curves</a:t>
-            </a:r>
-            <a:endParaRPr dirty="0"/>
-          </a:p>
-        </p:txBody>
-      </p:sp>
-    </p:spTree>
-    <p:extLst>
-      <p:ext uri="{BB962C8B-B14F-4D97-AF65-F5344CB8AC3E}">
-        <p14:creationId xmlns:p14="http://schemas.microsoft.com/office/powerpoint/2010/main" val="958603044"/>
-      </p:ext>
-    </p:extLst>
-  </p:cSld>
-  <p:clrMapOvr>
-    <a:masterClrMapping/>
-  </p:clrMapOvr>
-</p:sld>
-</file>
-
-<file path=ppt/slides/slide13.xml><?xml version="1.0" encoding="utf-8"?>
-<p:sld xmlns:a="http://schemas.openxmlformats.org/drawingml/2006/main" xmlns:r="http://schemas.openxmlformats.org/officeDocument/2006/relationships" xmlns:p="http://schemas.openxmlformats.org/presentationml/2006/main">
-  <p:cSld>
-    <p:spTree>
-      <p:nvGrpSpPr>
-        <p:cNvPr id="1" name="">
-          <a:extLst>
-            <a:ext uri="{FF2B5EF4-FFF2-40B4-BE49-F238E27FC236}">
-              <a16:creationId xmlns:a16="http://schemas.microsoft.com/office/drawing/2014/main" id="{F17C17A2-F8E9-899B-5C9D-28E04ABD0B13}"/>
-            </a:ext>
-          </a:extLst>
-        </p:cNvPr>
-        <p:cNvGrpSpPr/>
-        <p:nvPr/>
-      </p:nvGrpSpPr>
-      <p:grpSpPr>
-        <a:xfrm>
-          <a:off x="0" y="0"/>
-          <a:ext cx="0" cy="0"/>
-          <a:chOff x="0" y="0"/>
-          <a:chExt cx="0" cy="0"/>
-        </a:xfrm>
-      </p:grpSpPr>
-      <p:sp>
-        <p:nvSpPr>
-          <p:cNvPr id="2" name="Title 1">
-            <a:extLst>
-              <a:ext uri="{FF2B5EF4-FFF2-40B4-BE49-F238E27FC236}">
-                <a16:creationId xmlns:a16="http://schemas.microsoft.com/office/drawing/2014/main" id="{A803186C-65C6-60D8-9A8E-6A8004F1D1C0}"/>
-              </a:ext>
-            </a:extLst>
-          </p:cNvPr>
-          <p:cNvSpPr>
-            <a:spLocks noGrp="1"/>
-          </p:cNvSpPr>
-          <p:nvPr>
-            <p:ph type="title"/>
-          </p:nvPr>
-        </p:nvSpPr>
-        <p:spPr/>
-        <p:txBody>
-          <a:bodyPr>
-            <a:normAutofit/>
-          </a:bodyPr>
-          <a:lstStyle/>
-          <a:p>
-            <a:r>
-              <a:rPr dirty="0"/>
-              <a:t>4. Result Analysis – Dataset 1</a:t>
-            </a:r>
-            <a:r>
-              <a:rPr lang="en-IN" dirty="0"/>
-              <a:t> (if classification)</a:t>
-            </a:r>
-            <a:endParaRPr dirty="0"/>
-          </a:p>
-        </p:txBody>
-      </p:sp>
-      <p:sp>
-        <p:nvSpPr>
-          <p:cNvPr id="3" name="Content Placeholder 2">
-            <a:extLst>
-              <a:ext uri="{FF2B5EF4-FFF2-40B4-BE49-F238E27FC236}">
-                <a16:creationId xmlns:a16="http://schemas.microsoft.com/office/drawing/2014/main" id="{7ABA8FF1-3EED-66A8-BB4F-3E7BD5A60BD3}"/>
-              </a:ext>
-            </a:extLst>
-          </p:cNvPr>
-          <p:cNvSpPr>
-            <a:spLocks noGrp="1"/>
-          </p:cNvSpPr>
-          <p:nvPr>
-            <p:ph idx="1"/>
-          </p:nvPr>
-        </p:nvSpPr>
-        <p:spPr/>
-        <p:txBody>
-          <a:bodyPr/>
-          <a:lstStyle/>
-          <a:p>
-            <a:r>
-              <a:rPr lang="en-IN" dirty="0"/>
-              <a:t>Confusion Matrix</a:t>
-            </a:r>
-          </a:p>
-          <a:p>
-            <a:r>
-              <a:rPr lang="en-US" dirty="0"/>
-              <a:t>Accuracy, Precision, Recall, Specificity, F1</a:t>
-            </a:r>
-          </a:p>
-          <a:p>
-            <a:r>
-              <a:rPr lang="en-IN" dirty="0"/>
-              <a:t>ROC-AUC, PR-AUC</a:t>
-            </a:r>
-          </a:p>
-          <a:p>
-            <a:r>
-              <a:rPr lang="en-IN" dirty="0"/>
-              <a:t>ROC, PR Curves</a:t>
-            </a:r>
-            <a:endParaRPr dirty="0"/>
-          </a:p>
-        </p:txBody>
-      </p:sp>
-    </p:spTree>
-    <p:extLst>
-      <p:ext uri="{BB962C8B-B14F-4D97-AF65-F5344CB8AC3E}">
-        <p14:creationId xmlns:p14="http://schemas.microsoft.com/office/powerpoint/2010/main" val="1972627948"/>
-      </p:ext>
-    </p:extLst>
-  </p:cSld>
-  <p:clrMapOvr>
-    <a:masterClrMapping/>
-  </p:clrMapOvr>
-</p:sld>
-</file>
-
-<file path=ppt/slides/slide14.xml><?xml version="1.0" encoding="utf-8"?>
-<p:sld xmlns:a="http://schemas.openxmlformats.org/drawingml/2006/main" xmlns:r="http://schemas.openxmlformats.org/officeDocument/2006/relationships" xmlns:p="http://schemas.openxmlformats.org/presentationml/2006/main">
-  <p:cSld>
-    <p:spTree>
-      <p:nvGrpSpPr>
-        <p:cNvPr id="1" name="">
-          <a:extLst>
-            <a:ext uri="{FF2B5EF4-FFF2-40B4-BE49-F238E27FC236}">
-              <a16:creationId xmlns:a16="http://schemas.microsoft.com/office/drawing/2014/main" id="{716CB5F5-16EE-FDE2-F6BC-36B7D8029B2B}"/>
-            </a:ext>
-          </a:extLst>
-        </p:cNvPr>
-        <p:cNvGrpSpPr/>
-        <p:nvPr/>
-      </p:nvGrpSpPr>
-      <p:grpSpPr>
-        <a:xfrm>
-          <a:off x="0" y="0"/>
-          <a:ext cx="0" cy="0"/>
-          <a:chOff x="0" y="0"/>
-          <a:chExt cx="0" cy="0"/>
-        </a:xfrm>
-      </p:grpSpPr>
-      <p:sp>
-        <p:nvSpPr>
-          <p:cNvPr id="2" name="Title 1">
-            <a:extLst>
-              <a:ext uri="{FF2B5EF4-FFF2-40B4-BE49-F238E27FC236}">
-                <a16:creationId xmlns:a16="http://schemas.microsoft.com/office/drawing/2014/main" id="{D9038BC2-F8BD-BEF2-DA23-618C16073E66}"/>
-              </a:ext>
-            </a:extLst>
-          </p:cNvPr>
-          <p:cNvSpPr>
-            <a:spLocks noGrp="1"/>
-          </p:cNvSpPr>
-          <p:nvPr>
-            <p:ph type="title"/>
-          </p:nvPr>
-        </p:nvSpPr>
-        <p:spPr/>
-        <p:txBody>
-          <a:bodyPr>
-            <a:normAutofit/>
-          </a:bodyPr>
-          <a:lstStyle/>
-          <a:p>
-            <a:r>
-              <a:rPr dirty="0"/>
-              <a:t>4. Result Analysis – Dataset 1</a:t>
-            </a:r>
-            <a:r>
-              <a:rPr lang="en-IN" dirty="0"/>
-              <a:t> (if classification)</a:t>
-            </a:r>
-            <a:endParaRPr dirty="0"/>
-          </a:p>
-        </p:txBody>
-      </p:sp>
-      <p:sp>
-        <p:nvSpPr>
-          <p:cNvPr id="3" name="Content Placeholder 2">
-            <a:extLst>
-              <a:ext uri="{FF2B5EF4-FFF2-40B4-BE49-F238E27FC236}">
-                <a16:creationId xmlns:a16="http://schemas.microsoft.com/office/drawing/2014/main" id="{E1656AB4-D375-F4F3-2CB0-D5E595C328DE}"/>
-              </a:ext>
-            </a:extLst>
-          </p:cNvPr>
-          <p:cNvSpPr>
-            <a:spLocks noGrp="1"/>
-          </p:cNvSpPr>
-          <p:nvPr>
-            <p:ph idx="1"/>
-          </p:nvPr>
-        </p:nvSpPr>
-        <p:spPr/>
-        <p:txBody>
-          <a:bodyPr/>
-          <a:lstStyle/>
-          <a:p>
-            <a:r>
-              <a:rPr lang="en-IN" dirty="0"/>
-              <a:t>Confusion Matrix</a:t>
-            </a:r>
-          </a:p>
-          <a:p>
-            <a:r>
-              <a:rPr lang="en-US" dirty="0"/>
-              <a:t>Accuracy, Precision, Recall, Specificity, F1</a:t>
-            </a:r>
-          </a:p>
-          <a:p>
-            <a:r>
-              <a:rPr lang="en-IN" dirty="0"/>
-              <a:t>ROC-AUC, PR-AUC</a:t>
-            </a:r>
-          </a:p>
-          <a:p>
-            <a:r>
-              <a:rPr lang="en-IN" dirty="0"/>
-              <a:t>ROC, PR Curves</a:t>
-            </a:r>
-            <a:endParaRPr dirty="0"/>
-          </a:p>
-        </p:txBody>
-      </p:sp>
-    </p:spTree>
-    <p:extLst>
-      <p:ext uri="{BB962C8B-B14F-4D97-AF65-F5344CB8AC3E}">
-        <p14:creationId xmlns:p14="http://schemas.microsoft.com/office/powerpoint/2010/main" val="3198863659"/>
-      </p:ext>
-    </p:extLst>
-  </p:cSld>
-  <p:clrMapOvr>
-    <a:masterClrMapping/>
-  </p:clrMapOvr>
-</p:sld>
-</file>
-
-<file path=ppt/slides/slide15.xml><?xml version="1.0" encoding="utf-8"?>
-<p:sld xmlns:a="http://schemas.openxmlformats.org/drawingml/2006/main" xmlns:r="http://schemas.openxmlformats.org/officeDocument/2006/relationships" xmlns:p="http://schemas.openxmlformats.org/presentationml/2006/main">
-  <p:cSld>
-    <p:spTree>
-      <p:nvGrpSpPr>
-        <p:cNvPr id="1" name=""/>
-        <p:cNvGrpSpPr/>
-        <p:nvPr/>
-      </p:nvGrpSpPr>
-      <p:grpSpPr>
-        <a:xfrm>
-          <a:off x="0" y="0"/>
-          <a:ext cx="0" cy="0"/>
-          <a:chOff x="0" y="0"/>
-          <a:chExt cx="0" cy="0"/>
-        </a:xfrm>
-      </p:grpSpPr>
-      <p:sp>
-        <p:nvSpPr>
-          <p:cNvPr id="2" name="Title 1">
-            <a:extLst>
-              <a:ext uri="{FF2B5EF4-FFF2-40B4-BE49-F238E27FC236}">
-                <a16:creationId xmlns:a16="http://schemas.microsoft.com/office/drawing/2014/main" id="{1EE0E5BF-C18D-9D3E-29F0-742BC9DA37C8}"/>
-              </a:ext>
-            </a:extLst>
-          </p:cNvPr>
-          <p:cNvSpPr>
-            <a:spLocks noGrp="1"/>
-          </p:cNvSpPr>
-          <p:nvPr>
-            <p:ph type="title"/>
-          </p:nvPr>
-        </p:nvSpPr>
-        <p:spPr/>
-        <p:txBody>
-          <a:bodyPr/>
-          <a:lstStyle/>
-          <a:p>
-            <a:r>
-              <a:rPr lang="en-IN" dirty="0"/>
-              <a:t>5. Interpretation of Results</a:t>
-            </a:r>
-          </a:p>
-        </p:txBody>
-      </p:sp>
-      <p:sp>
-        <p:nvSpPr>
-          <p:cNvPr id="3" name="Content Placeholder 2">
-            <a:extLst>
-              <a:ext uri="{FF2B5EF4-FFF2-40B4-BE49-F238E27FC236}">
-                <a16:creationId xmlns:a16="http://schemas.microsoft.com/office/drawing/2014/main" id="{758EA728-DAFF-6FDF-3CB0-5648FDCC67F1}"/>
-              </a:ext>
-            </a:extLst>
-          </p:cNvPr>
-          <p:cNvSpPr>
-            <a:spLocks noGrp="1"/>
-          </p:cNvSpPr>
-          <p:nvPr>
-            <p:ph idx="1"/>
-          </p:nvPr>
-        </p:nvSpPr>
-        <p:spPr/>
-        <p:txBody>
-          <a:bodyPr/>
-          <a:lstStyle/>
-          <a:p>
-            <a:endParaRPr lang="en-IN" dirty="0"/>
-          </a:p>
-        </p:txBody>
-      </p:sp>
-    </p:spTree>
-    <p:extLst>
-      <p:ext uri="{BB962C8B-B14F-4D97-AF65-F5344CB8AC3E}">
-        <p14:creationId xmlns:p14="http://schemas.microsoft.com/office/powerpoint/2010/main" val="1762443921"/>
-      </p:ext>
-    </p:extLst>
-  </p:cSld>
-  <p:clrMapOvr>
-    <a:masterClrMapping/>
-  </p:clrMapOvr>
-</p:sld>
-</file>
-
-<file path=ppt/slides/slide16.xml><?xml version="1.0" encoding="utf-8"?>
-<p:sld xmlns:a="http://schemas.openxmlformats.org/drawingml/2006/main" xmlns:r="http://schemas.openxmlformats.org/officeDocument/2006/relationships" xmlns:p="http://schemas.openxmlformats.org/presentationml/2006/main">
-  <p:cSld>
-    <p:spTree>
-      <p:nvGrpSpPr>
-        <p:cNvPr id="1" name="">
-          <a:extLst>
-            <a:ext uri="{FF2B5EF4-FFF2-40B4-BE49-F238E27FC236}">
-              <a16:creationId xmlns:a16="http://schemas.microsoft.com/office/drawing/2014/main" id="{97A3117E-1161-0A58-03C0-EC45D9DCBE46}"/>
-            </a:ext>
-          </a:extLst>
-        </p:cNvPr>
-        <p:cNvGrpSpPr/>
-        <p:nvPr/>
-      </p:nvGrpSpPr>
-      <p:grpSpPr>
-        <a:xfrm>
-          <a:off x="0" y="0"/>
-          <a:ext cx="0" cy="0"/>
-          <a:chOff x="0" y="0"/>
-          <a:chExt cx="0" cy="0"/>
-        </a:xfrm>
-      </p:grpSpPr>
-      <p:sp>
-        <p:nvSpPr>
-          <p:cNvPr id="2" name="Title 1">
-            <a:extLst>
-              <a:ext uri="{FF2B5EF4-FFF2-40B4-BE49-F238E27FC236}">
-                <a16:creationId xmlns:a16="http://schemas.microsoft.com/office/drawing/2014/main" id="{3B9D2B49-D75E-72B0-B8A9-38F9F7DCA651}"/>
-              </a:ext>
-            </a:extLst>
-          </p:cNvPr>
-          <p:cNvSpPr>
-            <a:spLocks noGrp="1"/>
-          </p:cNvSpPr>
-          <p:nvPr>
-            <p:ph type="title"/>
-          </p:nvPr>
-        </p:nvSpPr>
-        <p:spPr/>
-        <p:txBody>
-          <a:bodyPr/>
-          <a:lstStyle/>
-          <a:p>
-            <a:r>
-              <a:rPr lang="en-IN" dirty="0"/>
-              <a:t>5. Interpretation of Results</a:t>
-            </a:r>
-          </a:p>
-        </p:txBody>
-      </p:sp>
-      <p:sp>
-        <p:nvSpPr>
-          <p:cNvPr id="3" name="Content Placeholder 2">
-            <a:extLst>
-              <a:ext uri="{FF2B5EF4-FFF2-40B4-BE49-F238E27FC236}">
-                <a16:creationId xmlns:a16="http://schemas.microsoft.com/office/drawing/2014/main" id="{58F2C366-387D-7A77-157F-FF2F89F0F061}"/>
-              </a:ext>
-            </a:extLst>
-          </p:cNvPr>
-          <p:cNvSpPr>
-            <a:spLocks noGrp="1"/>
-          </p:cNvSpPr>
-          <p:nvPr>
-            <p:ph idx="1"/>
-          </p:nvPr>
-        </p:nvSpPr>
-        <p:spPr/>
-        <p:txBody>
-          <a:bodyPr/>
-          <a:lstStyle/>
-          <a:p>
-            <a:endParaRPr lang="en-IN" dirty="0"/>
-          </a:p>
-        </p:txBody>
-      </p:sp>
-    </p:spTree>
-    <p:extLst>
-      <p:ext uri="{BB962C8B-B14F-4D97-AF65-F5344CB8AC3E}">
-        <p14:creationId xmlns:p14="http://schemas.microsoft.com/office/powerpoint/2010/main" val="1229990211"/>
-      </p:ext>
-    </p:extLst>
-  </p:cSld>
-  <p:clrMapOvr>
-    <a:masterClrMapping/>
-  </p:clrMapOvr>
-</p:sld>
-</file>
-
-<file path=ppt/slides/slide17.xml><?xml version="1.0" encoding="utf-8"?>
-<p:sld xmlns:a="http://schemas.openxmlformats.org/drawingml/2006/main" xmlns:r="http://schemas.openxmlformats.org/officeDocument/2006/relationships" xmlns:p="http://schemas.openxmlformats.org/presentationml/2006/main">
-  <p:cSld>
-    <p:spTree>
-      <p:nvGrpSpPr>
-        <p:cNvPr id="1" name="">
-          <a:extLst>
-            <a:ext uri="{FF2B5EF4-FFF2-40B4-BE49-F238E27FC236}">
-              <a16:creationId xmlns:a16="http://schemas.microsoft.com/office/drawing/2014/main" id="{6122786F-D956-A97F-F95A-FA8C2FC3283A}"/>
-            </a:ext>
-          </a:extLst>
-        </p:cNvPr>
-        <p:cNvGrpSpPr/>
-        <p:nvPr/>
-      </p:nvGrpSpPr>
-      <p:grpSpPr>
-        <a:xfrm>
-          <a:off x="0" y="0"/>
-          <a:ext cx="0" cy="0"/>
-          <a:chOff x="0" y="0"/>
-          <a:chExt cx="0" cy="0"/>
-        </a:xfrm>
-      </p:grpSpPr>
-      <p:sp>
-        <p:nvSpPr>
-          <p:cNvPr id="2" name="Title 1">
-            <a:extLst>
-              <a:ext uri="{FF2B5EF4-FFF2-40B4-BE49-F238E27FC236}">
-                <a16:creationId xmlns:a16="http://schemas.microsoft.com/office/drawing/2014/main" id="{C747A603-6584-981E-A1AF-70ECF90CB907}"/>
-              </a:ext>
-            </a:extLst>
-          </p:cNvPr>
-          <p:cNvSpPr>
-            <a:spLocks noGrp="1"/>
-          </p:cNvSpPr>
-          <p:nvPr>
-            <p:ph type="title"/>
-          </p:nvPr>
-        </p:nvSpPr>
-        <p:spPr/>
-        <p:txBody>
-          <a:bodyPr/>
-          <a:lstStyle/>
-          <a:p>
-            <a:r>
-              <a:rPr lang="en-IN" dirty="0"/>
-              <a:t>5. Interpretation of Results</a:t>
-            </a:r>
-          </a:p>
-        </p:txBody>
-      </p:sp>
-      <p:sp>
-        <p:nvSpPr>
-          <p:cNvPr id="3" name="Content Placeholder 2">
-            <a:extLst>
-              <a:ext uri="{FF2B5EF4-FFF2-40B4-BE49-F238E27FC236}">
-                <a16:creationId xmlns:a16="http://schemas.microsoft.com/office/drawing/2014/main" id="{53922C41-CBFF-060C-0674-DC2F8A823848}"/>
-              </a:ext>
-            </a:extLst>
-          </p:cNvPr>
-          <p:cNvSpPr>
-            <a:spLocks noGrp="1"/>
-          </p:cNvSpPr>
-          <p:nvPr>
-            <p:ph idx="1"/>
-          </p:nvPr>
-        </p:nvSpPr>
-        <p:spPr/>
-        <p:txBody>
-          <a:bodyPr/>
-          <a:lstStyle/>
-          <a:p>
-            <a:endParaRPr lang="en-IN" dirty="0"/>
-          </a:p>
-        </p:txBody>
-      </p:sp>
-    </p:spTree>
-    <p:extLst>
-      <p:ext uri="{BB962C8B-B14F-4D97-AF65-F5344CB8AC3E}">
-        <p14:creationId xmlns:p14="http://schemas.microsoft.com/office/powerpoint/2010/main" val="3886759384"/>
-      </p:ext>
-    </p:extLst>
-  </p:cSld>
-  <p:clrMapOvr>
-    <a:masterClrMapping/>
-  </p:clrMapOvr>
-</p:sld>
-</file>
-
-<file path=ppt/slides/slide18.xml><?xml version="1.0" encoding="utf-8"?>
-<p:sld xmlns:a="http://schemas.openxmlformats.org/drawingml/2006/main" xmlns:r="http://schemas.openxmlformats.org/officeDocument/2006/relationships" xmlns:p="http://schemas.openxmlformats.org/presentationml/2006/main">
-  <p:cSld>
-    <p:spTree>
-      <p:nvGrpSpPr>
-        <p:cNvPr id="1" name="">
-          <a:extLst>
-            <a:ext uri="{FF2B5EF4-FFF2-40B4-BE49-F238E27FC236}">
               <a16:creationId xmlns:a16="http://schemas.microsoft.com/office/drawing/2014/main" id="{057E9C99-B231-A337-FC6D-D34FF684A674}"/>
             </a:ext>
           </a:extLst>
@@ -5110,516 +4084,7 @@
 </p:sld>
 </file>
 
-<file path=ppt/slides/slide19.xml><?xml version="1.0" encoding="utf-8"?>
-<p:sld xmlns:a="http://schemas.openxmlformats.org/drawingml/2006/main" xmlns:r="http://schemas.openxmlformats.org/officeDocument/2006/relationships" xmlns:p="http://schemas.openxmlformats.org/presentationml/2006/main">
-  <p:cSld>
-    <p:spTree>
-      <p:nvGrpSpPr>
-        <p:cNvPr id="1" name=""/>
-        <p:cNvGrpSpPr/>
-        <p:nvPr/>
-      </p:nvGrpSpPr>
-      <p:grpSpPr>
-        <a:xfrm>
-          <a:off x="0" y="0"/>
-          <a:ext cx="0" cy="0"/>
-          <a:chOff x="0" y="0"/>
-          <a:chExt cx="0" cy="0"/>
-        </a:xfrm>
-      </p:grpSpPr>
-      <p:sp>
-        <p:nvSpPr>
-          <p:cNvPr id="2" name="Title 1"/>
-          <p:cNvSpPr>
-            <a:spLocks noGrp="1"/>
-          </p:cNvSpPr>
-          <p:nvPr>
-            <p:ph type="title"/>
-          </p:nvPr>
-        </p:nvSpPr>
-        <p:spPr/>
-        <p:txBody>
-          <a:bodyPr/>
-          <a:lstStyle/>
-          <a:p>
-            <a:r>
-              <a:rPr lang="en-IN" dirty="0"/>
-              <a:t>7</a:t>
-            </a:r>
-            <a:r>
-              <a:rPr dirty="0"/>
-              <a:t>. Final Comparative Summary</a:t>
-            </a:r>
-          </a:p>
-        </p:txBody>
-      </p:sp>
-      <p:sp>
-        <p:nvSpPr>
-          <p:cNvPr id="3" name="Content Placeholder 2"/>
-          <p:cNvSpPr>
-            <a:spLocks noGrp="1"/>
-          </p:cNvSpPr>
-          <p:nvPr>
-            <p:ph idx="1"/>
-          </p:nvPr>
-        </p:nvSpPr>
-        <p:spPr/>
-        <p:txBody>
-          <a:bodyPr/>
-          <a:lstStyle/>
-          <a:p>
-            <a:r>
-              <a:rPr dirty="0"/>
-              <a:t>Comparison of models</a:t>
-            </a:r>
-          </a:p>
-          <a:p>
-            <a:r>
-              <a:rPr dirty="0"/>
-              <a:t>Best-performing model</a:t>
-            </a:r>
-          </a:p>
-          <a:p>
-            <a:r>
-              <a:rPr dirty="0"/>
-              <a:t>Insights gained</a:t>
-            </a:r>
-          </a:p>
-          <a:p>
-            <a:r>
-              <a:rPr dirty="0"/>
-              <a:t>Future improvements</a:t>
-            </a:r>
-          </a:p>
-        </p:txBody>
-      </p:sp>
-    </p:spTree>
-  </p:cSld>
-  <p:clrMapOvr>
-    <a:masterClrMapping/>
-  </p:clrMapOvr>
-</p:sld>
-</file>
-
-<file path=ppt/slides/slide2.xml><?xml version="1.0" encoding="utf-8"?>
-<p:sld xmlns:a="http://schemas.openxmlformats.org/drawingml/2006/main" xmlns:r="http://schemas.openxmlformats.org/officeDocument/2006/relationships" xmlns:p="http://schemas.openxmlformats.org/presentationml/2006/main">
-  <p:cSld>
-    <p:spTree>
-      <p:nvGrpSpPr>
-        <p:cNvPr id="1" name=""/>
-        <p:cNvGrpSpPr/>
-        <p:nvPr/>
-      </p:nvGrpSpPr>
-      <p:grpSpPr>
-        <a:xfrm>
-          <a:off x="0" y="0"/>
-          <a:ext cx="0" cy="0"/>
-          <a:chOff x="0" y="0"/>
-          <a:chExt cx="0" cy="0"/>
-        </a:xfrm>
-      </p:grpSpPr>
-      <p:sp>
-        <p:nvSpPr>
-          <p:cNvPr id="2" name="Title 1"/>
-          <p:cNvSpPr>
-            <a:spLocks noGrp="1"/>
-          </p:cNvSpPr>
-          <p:nvPr>
-            <p:ph type="title"/>
-          </p:nvPr>
-        </p:nvSpPr>
-        <p:spPr>
-          <a:xfrm>
-            <a:off x="1097280" y="387327"/>
-            <a:ext cx="7384983" cy="748454"/>
-          </a:xfrm>
-        </p:spPr>
-        <p:txBody>
-          <a:bodyPr>
-            <a:normAutofit/>
-          </a:bodyPr>
-          <a:lstStyle/>
-          <a:p>
-            <a:r>
-              <a:rPr dirty="0"/>
-              <a:t>1. Introduction</a:t>
-            </a:r>
-          </a:p>
-        </p:txBody>
-      </p:sp>
-      <p:sp>
-        <p:nvSpPr>
-          <p:cNvPr id="3" name="Content Placeholder 2"/>
-          <p:cNvSpPr>
-            <a:spLocks noGrp="1"/>
-          </p:cNvSpPr>
-          <p:nvPr>
-            <p:ph idx="1"/>
-          </p:nvPr>
-        </p:nvSpPr>
-        <p:spPr>
-          <a:xfrm>
-            <a:off x="1097279" y="1840832"/>
-            <a:ext cx="10200374" cy="4283242"/>
-          </a:xfrm>
-        </p:spPr>
-        <p:txBody>
-          <a:bodyPr>
-            <a:normAutofit fontScale="92500" lnSpcReduction="10000"/>
-          </a:bodyPr>
-          <a:lstStyle/>
-          <a:p>
-            <a:pPr>
-              <a:buFont typeface="Wingdings" panose="05000000000000000000" pitchFamily="2" charset="2"/>
-              <a:buChar char="Ø"/>
-            </a:pPr>
-            <a:r>
-              <a:rPr lang="en-US" dirty="0"/>
-              <a:t>Problem Statement: Businesses struggle to utilize complex e-commerce data for decision-making; this project solves this by evaluating machine learning techniques. The challenge is to predict customer behavior (like churn and spending), segment customers effectively, and identify key drivers of engagement using diverse datasets.</a:t>
-            </a:r>
-          </a:p>
-          <a:p>
-            <a:pPr>
-              <a:buFont typeface="Wingdings" panose="05000000000000000000" pitchFamily="2" charset="2"/>
-              <a:buChar char="Ø"/>
-            </a:pPr>
-            <a:endParaRPr lang="en-US" dirty="0"/>
-          </a:p>
-          <a:p>
-            <a:pPr>
-              <a:buFont typeface="Wingdings" panose="05000000000000000000" pitchFamily="2" charset="2"/>
-              <a:buChar char="Ø"/>
-            </a:pPr>
-            <a:r>
-              <a:rPr lang="en-US" dirty="0"/>
-              <a:t>Motivation : In the competitive retail landscape, gaining a deep understanding of customer patterns through advanced analytics is crucial for enabling businesses to improve retention strategies and drive sustainable revenue growth.</a:t>
-            </a:r>
-          </a:p>
-          <a:p>
-            <a:pPr>
-              <a:buFont typeface="Wingdings" panose="05000000000000000000" pitchFamily="2" charset="2"/>
-              <a:buChar char="Ø"/>
-            </a:pPr>
-            <a:endParaRPr lang="en-US" dirty="0"/>
-          </a:p>
-          <a:p>
-            <a:pPr>
-              <a:buFont typeface="Wingdings" panose="05000000000000000000" pitchFamily="2" charset="2"/>
-              <a:buChar char="Ø"/>
-            </a:pPr>
-            <a:r>
-              <a:rPr lang="en-US" dirty="0"/>
-              <a:t>Objective : Our core objective is to implement and rigorously evaluate a range of machine learning algorithms across four different e-commerce datasets, to compare and contrast results.</a:t>
-            </a:r>
-          </a:p>
-          <a:p>
-            <a:pPr>
-              <a:buFont typeface="Wingdings" panose="05000000000000000000" pitchFamily="2" charset="2"/>
-              <a:buChar char="Ø"/>
-            </a:pPr>
-            <a:endParaRPr lang="en-US" dirty="0"/>
-          </a:p>
-          <a:p>
-            <a:pPr>
-              <a:buFont typeface="Wingdings" panose="05000000000000000000" pitchFamily="2" charset="2"/>
-              <a:buChar char="Ø"/>
-            </a:pPr>
-            <a:r>
-              <a:rPr dirty="0"/>
-              <a:t>Type of ML task </a:t>
-            </a:r>
-            <a:r>
-              <a:rPr lang="en-US" dirty="0"/>
-              <a:t>: Covers Classification, Regression, Clustering, and Dimensionality reduction.</a:t>
-            </a:r>
-            <a:endParaRPr dirty="0"/>
-          </a:p>
-        </p:txBody>
-      </p:sp>
-    </p:spTree>
-  </p:cSld>
-  <p:clrMapOvr>
-    <a:masterClrMapping/>
-  </p:clrMapOvr>
-</p:sld>
-</file>
-
-<file path=ppt/slides/slide3.xml><?xml version="1.0" encoding="utf-8"?>
-<p:sld xmlns:a="http://schemas.openxmlformats.org/drawingml/2006/main" xmlns:r="http://schemas.openxmlformats.org/officeDocument/2006/relationships" xmlns:p="http://schemas.openxmlformats.org/presentationml/2006/main">
-  <p:cSld>
-    <p:spTree>
-      <p:nvGrpSpPr>
-        <p:cNvPr id="1" name=""/>
-        <p:cNvGrpSpPr/>
-        <p:nvPr/>
-      </p:nvGrpSpPr>
-      <p:grpSpPr>
-        <a:xfrm>
-          <a:off x="0" y="0"/>
-          <a:ext cx="0" cy="0"/>
-          <a:chOff x="0" y="0"/>
-          <a:chExt cx="0" cy="0"/>
-        </a:xfrm>
-      </p:grpSpPr>
-      <p:sp>
-        <p:nvSpPr>
-          <p:cNvPr id="2" name="Title 1"/>
-          <p:cNvSpPr>
-            <a:spLocks noGrp="1"/>
-          </p:cNvSpPr>
-          <p:nvPr>
-            <p:ph type="title"/>
-          </p:nvPr>
-        </p:nvSpPr>
-        <p:spPr/>
-        <p:txBody>
-          <a:bodyPr/>
-          <a:lstStyle/>
-          <a:p>
-            <a:r>
-              <a:rPr dirty="0"/>
-              <a:t>2. Dataset 1 – </a:t>
-            </a:r>
-            <a:r>
-              <a:rPr lang="en-IN" dirty="0"/>
-              <a:t>Description</a:t>
-            </a:r>
-            <a:endParaRPr dirty="0"/>
-          </a:p>
-        </p:txBody>
-      </p:sp>
-      <p:sp>
-        <p:nvSpPr>
-          <p:cNvPr id="3" name="Content Placeholder 2"/>
-          <p:cNvSpPr>
-            <a:spLocks noGrp="1"/>
-          </p:cNvSpPr>
-          <p:nvPr>
-            <p:ph idx="1"/>
-          </p:nvPr>
-        </p:nvSpPr>
-        <p:spPr/>
-        <p:txBody>
-          <a:bodyPr/>
-          <a:lstStyle/>
-          <a:p>
-            <a:r>
-              <a:rPr dirty="0"/>
-              <a:t>Source </a:t>
-            </a:r>
-            <a:r>
-              <a:rPr lang="en-US" dirty="0"/>
-              <a:t>: Kaggle (https://www.kaggle.com/datasets/uom190346a/e-commerce-customer-behavior-dataset)</a:t>
-            </a:r>
-            <a:endParaRPr dirty="0"/>
-          </a:p>
-          <a:p>
-            <a:r>
-              <a:rPr lang="en-US" dirty="0"/>
-              <a:t>Number of (samples : </a:t>
-            </a:r>
-            <a:r>
-              <a:rPr lang="en-IN" dirty="0"/>
-              <a:t>3941, features : 11 )</a:t>
-            </a:r>
-            <a:endParaRPr dirty="0"/>
-          </a:p>
-          <a:p>
-            <a:r>
-              <a:rPr dirty="0"/>
-              <a:t>Feature descriptions</a:t>
-            </a:r>
-            <a:r>
-              <a:rPr lang="en-US" dirty="0"/>
-              <a:t> : An individual customer profile, detailing their account history, satisfaction metrics, and whether they have discontinued the service.</a:t>
-            </a:r>
-            <a:endParaRPr dirty="0"/>
-          </a:p>
-          <a:p>
-            <a:r>
-              <a:rPr dirty="0"/>
-              <a:t>Preprocessing steps </a:t>
-            </a:r>
-            <a:r>
-              <a:rPr lang="en-US" dirty="0"/>
-              <a:t>: numerical {imputation-median, standard scaler}; categorical {imputation-most frequent, one hot encoding}</a:t>
-            </a:r>
-            <a:endParaRPr dirty="0"/>
-          </a:p>
-          <a:p>
-            <a:r>
-              <a:rPr dirty="0"/>
-              <a:t>Train–test split details</a:t>
-            </a:r>
-            <a:r>
-              <a:rPr lang="en-US" dirty="0"/>
-              <a:t> : 80:20 train test split, random state 42</a:t>
-            </a:r>
-            <a:endParaRPr dirty="0"/>
-          </a:p>
-        </p:txBody>
-      </p:sp>
-    </p:spTree>
-  </p:cSld>
-  <p:clrMapOvr>
-    <a:masterClrMapping/>
-  </p:clrMapOvr>
-</p:sld>
-</file>
-
-<file path=ppt/slides/slide4.xml><?xml version="1.0" encoding="utf-8"?>
-<p:sld xmlns:a="http://schemas.openxmlformats.org/drawingml/2006/main" xmlns:r="http://schemas.openxmlformats.org/officeDocument/2006/relationships" xmlns:p="http://schemas.openxmlformats.org/presentationml/2006/main">
-  <p:cSld>
-    <p:spTree>
-      <p:nvGrpSpPr>
-        <p:cNvPr id="1" name="">
-          <a:extLst>
-            <a:ext uri="{FF2B5EF4-FFF2-40B4-BE49-F238E27FC236}">
-              <a16:creationId xmlns:a16="http://schemas.microsoft.com/office/drawing/2014/main" id="{86F5A8E2-48F5-A0A6-5263-9E89EFE30BA3}"/>
-            </a:ext>
-          </a:extLst>
-        </p:cNvPr>
-        <p:cNvGrpSpPr/>
-        <p:nvPr/>
-      </p:nvGrpSpPr>
-      <p:grpSpPr>
-        <a:xfrm>
-          <a:off x="0" y="0"/>
-          <a:ext cx="0" cy="0"/>
-          <a:chOff x="0" y="0"/>
-          <a:chExt cx="0" cy="0"/>
-        </a:xfrm>
-      </p:grpSpPr>
-      <p:sp>
-        <p:nvSpPr>
-          <p:cNvPr id="2" name="Title 1">
-            <a:extLst>
-              <a:ext uri="{FF2B5EF4-FFF2-40B4-BE49-F238E27FC236}">
-                <a16:creationId xmlns:a16="http://schemas.microsoft.com/office/drawing/2014/main" id="{6433B87E-016C-2C1D-157D-29AB96663EC7}"/>
-              </a:ext>
-            </a:extLst>
-          </p:cNvPr>
-          <p:cNvSpPr>
-            <a:spLocks noGrp="1"/>
-          </p:cNvSpPr>
-          <p:nvPr>
-            <p:ph type="title"/>
-          </p:nvPr>
-        </p:nvSpPr>
-        <p:spPr/>
-        <p:txBody>
-          <a:bodyPr/>
-          <a:lstStyle/>
-          <a:p>
-            <a:r>
-              <a:rPr dirty="0"/>
-              <a:t>2. Dataset </a:t>
-            </a:r>
-            <a:r>
-              <a:rPr lang="en-US" dirty="0"/>
-              <a:t>2</a:t>
-            </a:r>
-            <a:r>
-              <a:rPr dirty="0"/>
-              <a:t> – </a:t>
-            </a:r>
-            <a:r>
-              <a:rPr lang="en-IN" dirty="0"/>
-              <a:t>Description</a:t>
-            </a:r>
-            <a:endParaRPr dirty="0"/>
-          </a:p>
-        </p:txBody>
-      </p:sp>
-      <p:sp>
-        <p:nvSpPr>
-          <p:cNvPr id="3" name="Content Placeholder 2">
-            <a:extLst>
-              <a:ext uri="{FF2B5EF4-FFF2-40B4-BE49-F238E27FC236}">
-                <a16:creationId xmlns:a16="http://schemas.microsoft.com/office/drawing/2014/main" id="{C2BAAE58-99A5-EFB4-041C-FA84FD150A3D}"/>
-              </a:ext>
-            </a:extLst>
-          </p:cNvPr>
-          <p:cNvSpPr>
-            <a:spLocks noGrp="1"/>
-          </p:cNvSpPr>
-          <p:nvPr>
-            <p:ph idx="1"/>
-          </p:nvPr>
-        </p:nvSpPr>
-        <p:spPr/>
-        <p:txBody>
-          <a:bodyPr/>
-          <a:lstStyle/>
-          <a:p>
-            <a:r>
-              <a:rPr lang="en-IN" dirty="0"/>
-              <a:t>Source </a:t>
-            </a:r>
-            <a:r>
-              <a:rPr lang="en-US" dirty="0"/>
-              <a:t>: Kaggle (https://www.kaggle.com/datasets/uom190346a/e-commerce-customer-behavior-dataset)</a:t>
-            </a:r>
-            <a:endParaRPr dirty="0"/>
-          </a:p>
-          <a:p>
-            <a:r>
-              <a:rPr dirty="0"/>
-              <a:t>Number of samples </a:t>
-            </a:r>
-            <a:r>
-              <a:rPr lang="en-US" dirty="0"/>
-              <a:t>(350) ;</a:t>
-            </a:r>
-            <a:r>
-              <a:rPr dirty="0"/>
-              <a:t> features</a:t>
-            </a:r>
-            <a:r>
-              <a:rPr lang="en-US" dirty="0"/>
-              <a:t> (11)</a:t>
-            </a:r>
-            <a:endParaRPr dirty="0"/>
-          </a:p>
-          <a:p>
-            <a:r>
-              <a:rPr dirty="0"/>
-              <a:t>Feature descriptions</a:t>
-            </a:r>
-            <a:r>
-              <a:rPr lang="en-US" dirty="0"/>
-              <a:t> : A specific consumer, capturing their demographic details, membership status, and overall spending habits.</a:t>
-            </a:r>
-            <a:endParaRPr dirty="0"/>
-          </a:p>
-          <a:p>
-            <a:r>
-              <a:rPr lang="en-IN" dirty="0"/>
-              <a:t>Preprocessing steps : encoding (binary, ordinal), imputation (median), standard scaler</a:t>
-            </a:r>
-          </a:p>
-          <a:p>
-            <a:r>
-              <a:rPr lang="en-IN" dirty="0"/>
-              <a:t>Train–test split details : 80:20 train test split, random state 42</a:t>
-            </a:r>
-          </a:p>
-        </p:txBody>
-      </p:sp>
-    </p:spTree>
-    <p:extLst>
-      <p:ext uri="{BB962C8B-B14F-4D97-AF65-F5344CB8AC3E}">
-        <p14:creationId xmlns:p14="http://schemas.microsoft.com/office/powerpoint/2010/main" val="433571215"/>
-      </p:ext>
-    </p:extLst>
-  </p:cSld>
-  <p:clrMapOvr>
-    <a:masterClrMapping/>
-  </p:clrMapOvr>
-</p:sld>
-</file>
-
-<file path=ppt/slides/slide5.xml><?xml version="1.0" encoding="utf-8"?>
+<file path=ppt/slides/slide11.xml><?xml version="1.0" encoding="utf-8"?>
 <p:sld xmlns:a="http://schemas.openxmlformats.org/drawingml/2006/main" xmlns:r="http://schemas.openxmlformats.org/officeDocument/2006/relationships" xmlns:p="http://schemas.openxmlformats.org/presentationml/2006/main">
   <p:cSld>
     <p:spTree>
@@ -5800,7 +4265,533 @@
 </p:sld>
 </file>
 
-<file path=ppt/slides/slide6.xml><?xml version="1.0" encoding="utf-8"?>
+<file path=ppt/slides/slide12.xml><?xml version="1.0" encoding="utf-8"?>
+<p:sld xmlns:a="http://schemas.openxmlformats.org/drawingml/2006/main" xmlns:r="http://schemas.openxmlformats.org/officeDocument/2006/relationships" xmlns:p="http://schemas.openxmlformats.org/presentationml/2006/main">
+  <p:cSld>
+    <p:spTree>
+      <p:nvGrpSpPr>
+        <p:cNvPr id="1" name="">
+          <a:extLst>
+            <a:ext uri="{FF2B5EF4-FFF2-40B4-BE49-F238E27FC236}">
+              <a16:creationId xmlns:a16="http://schemas.microsoft.com/office/drawing/2014/main" id="{EF91C4D9-D64F-031D-0E50-AB97B8C59642}"/>
+            </a:ext>
+          </a:extLst>
+        </p:cNvPr>
+        <p:cNvGrpSpPr/>
+        <p:nvPr/>
+      </p:nvGrpSpPr>
+      <p:grpSpPr>
+        <a:xfrm>
+          <a:off x="0" y="0"/>
+          <a:ext cx="0" cy="0"/>
+          <a:chOff x="0" y="0"/>
+          <a:chExt cx="0" cy="0"/>
+        </a:xfrm>
+      </p:grpSpPr>
+      <p:sp>
+        <p:nvSpPr>
+          <p:cNvPr id="2" name="Title 1">
+            <a:extLst>
+              <a:ext uri="{FF2B5EF4-FFF2-40B4-BE49-F238E27FC236}">
+                <a16:creationId xmlns:a16="http://schemas.microsoft.com/office/drawing/2014/main" id="{EFA49A61-DABE-49BF-D6FD-FEBB1B423ACB}"/>
+              </a:ext>
+            </a:extLst>
+          </p:cNvPr>
+          <p:cNvSpPr>
+            <a:spLocks noGrp="1"/>
+          </p:cNvSpPr>
+          <p:nvPr>
+            <p:ph type="title"/>
+          </p:nvPr>
+        </p:nvSpPr>
+        <p:spPr/>
+        <p:txBody>
+          <a:bodyPr/>
+          <a:lstStyle/>
+          <a:p>
+            <a:r>
+              <a:rPr dirty="0"/>
+              <a:t>3. Models Used for Dataset </a:t>
+            </a:r>
+            <a:r>
+              <a:rPr lang="en-US" dirty="0"/>
+              <a:t>3</a:t>
+            </a:r>
+            <a:endParaRPr dirty="0"/>
+          </a:p>
+        </p:txBody>
+      </p:sp>
+      <p:sp>
+        <p:nvSpPr>
+          <p:cNvPr id="3" name="Content Placeholder 2">
+            <a:extLst>
+              <a:ext uri="{FF2B5EF4-FFF2-40B4-BE49-F238E27FC236}">
+                <a16:creationId xmlns:a16="http://schemas.microsoft.com/office/drawing/2014/main" id="{901A7287-AA3D-A15C-5110-05AA3AFDF2CA}"/>
+              </a:ext>
+            </a:extLst>
+          </p:cNvPr>
+          <p:cNvSpPr>
+            <a:spLocks noGrp="1"/>
+          </p:cNvSpPr>
+          <p:nvPr>
+            <p:ph idx="1"/>
+          </p:nvPr>
+        </p:nvSpPr>
+        <p:spPr>
+          <a:xfrm>
+            <a:off x="5895325" y="4259179"/>
+            <a:ext cx="4006666" cy="1613108"/>
+          </a:xfrm>
+        </p:spPr>
+        <p:txBody>
+          <a:bodyPr>
+            <a:normAutofit/>
+          </a:bodyPr>
+          <a:lstStyle/>
+          <a:p>
+            <a:pPr marL="0" indent="0">
+              <a:buNone/>
+            </a:pPr>
+            <a:r>
+              <a:rPr b="1" dirty="0"/>
+              <a:t>Frameworks used</a:t>
+            </a:r>
+            <a:endParaRPr lang="en-US" b="1" dirty="0"/>
+          </a:p>
+          <a:p>
+            <a:pPr marL="0" indent="0">
+              <a:buNone/>
+            </a:pPr>
+            <a:r>
+              <a:rPr lang="en-IN" dirty="0"/>
+              <a:t>Python, scikit-learn, pandas, </a:t>
+            </a:r>
+            <a:r>
+              <a:rPr lang="en-IN" dirty="0" err="1"/>
+              <a:t>numpy</a:t>
+            </a:r>
+            <a:r>
+              <a:rPr lang="en-IN" dirty="0"/>
+              <a:t>, matplotlib, seaborn, </a:t>
+            </a:r>
+            <a:r>
+              <a:rPr lang="en-IN" dirty="0" err="1"/>
+              <a:t>scipy</a:t>
+            </a:r>
+            <a:endParaRPr dirty="0"/>
+          </a:p>
+        </p:txBody>
+      </p:sp>
+      <p:sp>
+        <p:nvSpPr>
+          <p:cNvPr id="5" name="TextBox 4">
+            <a:extLst>
+              <a:ext uri="{FF2B5EF4-FFF2-40B4-BE49-F238E27FC236}">
+                <a16:creationId xmlns:a16="http://schemas.microsoft.com/office/drawing/2014/main" id="{4631BC1B-D7C7-3763-114F-EE26F958D42F}"/>
+              </a:ext>
+            </a:extLst>
+          </p:cNvPr>
+          <p:cNvSpPr txBox="1"/>
+          <p:nvPr/>
+        </p:nvSpPr>
+        <p:spPr>
+          <a:xfrm>
+            <a:off x="5790197" y="1951672"/>
+            <a:ext cx="6093994" cy="1477328"/>
+          </a:xfrm>
+          <a:prstGeom prst="rect">
+            <a:avLst/>
+          </a:prstGeom>
+          <a:noFill/>
+        </p:spPr>
+        <p:txBody>
+          <a:bodyPr wrap="square">
+            <a:spAutoFit/>
+          </a:bodyPr>
+          <a:lstStyle/>
+          <a:p>
+            <a:r>
+              <a:rPr lang="en-US" b="1" dirty="0"/>
+              <a:t>Reason for choosing each model</a:t>
+            </a:r>
+          </a:p>
+          <a:p>
+            <a:r>
+              <a:rPr lang="en-US" dirty="0"/>
+              <a:t>K-Means: Good for creating spherical, distinct clusters.</a:t>
+            </a:r>
+          </a:p>
+          <a:p>
+            <a:r>
+              <a:rPr lang="en-US" dirty="0"/>
+              <a:t>Hierarchical: For visualizing relationships, helps determine optimal cluster count.</a:t>
+            </a:r>
+          </a:p>
+          <a:p>
+            <a:r>
+              <a:rPr lang="en-US" dirty="0"/>
+              <a:t>DBSCAN: Good for arbitrary shapes and outlier detection.</a:t>
+            </a:r>
+          </a:p>
+        </p:txBody>
+      </p:sp>
+      <p:sp>
+        <p:nvSpPr>
+          <p:cNvPr id="7" name="TextBox 6">
+            <a:extLst>
+              <a:ext uri="{FF2B5EF4-FFF2-40B4-BE49-F238E27FC236}">
+                <a16:creationId xmlns:a16="http://schemas.microsoft.com/office/drawing/2014/main" id="{2F7AEDA4-B089-A8CE-9F7B-4DA4A4436308}"/>
+              </a:ext>
+            </a:extLst>
+          </p:cNvPr>
+          <p:cNvSpPr txBox="1"/>
+          <p:nvPr/>
+        </p:nvSpPr>
+        <p:spPr>
+          <a:xfrm>
+            <a:off x="396742" y="2069265"/>
+            <a:ext cx="5149816" cy="1200329"/>
+          </a:xfrm>
+          <a:prstGeom prst="rect">
+            <a:avLst/>
+          </a:prstGeom>
+          <a:noFill/>
+        </p:spPr>
+        <p:txBody>
+          <a:bodyPr wrap="square">
+            <a:spAutoFit/>
+          </a:bodyPr>
+          <a:lstStyle/>
+          <a:p>
+            <a:r>
+              <a:rPr lang="en-US" b="1" dirty="0"/>
+              <a:t>List of models applied</a:t>
+            </a:r>
+          </a:p>
+          <a:p>
+            <a:r>
+              <a:rPr lang="en-US" dirty="0"/>
+              <a:t>K-Means</a:t>
+            </a:r>
+          </a:p>
+          <a:p>
+            <a:r>
+              <a:rPr lang="en-US" dirty="0"/>
+              <a:t>Agglomerate</a:t>
+            </a:r>
+          </a:p>
+          <a:p>
+            <a:r>
+              <a:rPr lang="en-US" dirty="0"/>
+              <a:t>DBSCAN </a:t>
+            </a:r>
+            <a:endParaRPr lang="en-IN" dirty="0"/>
+          </a:p>
+        </p:txBody>
+      </p:sp>
+      <p:sp>
+        <p:nvSpPr>
+          <p:cNvPr id="9" name="TextBox 8">
+            <a:extLst>
+              <a:ext uri="{FF2B5EF4-FFF2-40B4-BE49-F238E27FC236}">
+                <a16:creationId xmlns:a16="http://schemas.microsoft.com/office/drawing/2014/main" id="{00F5AA22-4FA7-8340-64CA-F8A9D2C6659B}"/>
+              </a:ext>
+            </a:extLst>
+          </p:cNvPr>
+          <p:cNvSpPr txBox="1"/>
+          <p:nvPr/>
+        </p:nvSpPr>
+        <p:spPr>
+          <a:xfrm>
+            <a:off x="396742" y="4188570"/>
+            <a:ext cx="5393455" cy="1754326"/>
+          </a:xfrm>
+          <a:prstGeom prst="rect">
+            <a:avLst/>
+          </a:prstGeom>
+          <a:noFill/>
+        </p:spPr>
+        <p:txBody>
+          <a:bodyPr wrap="square">
+            <a:spAutoFit/>
+          </a:bodyPr>
+          <a:lstStyle/>
+          <a:p>
+            <a:r>
+              <a:rPr lang="en-US" b="1" dirty="0"/>
+              <a:t>Hyperparameters</a:t>
+            </a:r>
+          </a:p>
+          <a:p>
+            <a:r>
+              <a:rPr lang="en-US" dirty="0"/>
+              <a:t>K-Means: </a:t>
+            </a:r>
+            <a:r>
+              <a:rPr lang="en-US" dirty="0" err="1"/>
+              <a:t>n_clusters</a:t>
+            </a:r>
+            <a:r>
+              <a:rPr lang="en-US" dirty="0"/>
+              <a:t>=3, </a:t>
+            </a:r>
+            <a:r>
+              <a:rPr lang="en-US" dirty="0" err="1"/>
+              <a:t>init</a:t>
+            </a:r>
+            <a:r>
+              <a:rPr lang="en-US" dirty="0"/>
+              <a:t>='k-means++', </a:t>
+            </a:r>
+            <a:r>
+              <a:rPr lang="en-US" dirty="0" err="1"/>
+              <a:t>n_init</a:t>
+            </a:r>
+            <a:r>
+              <a:rPr lang="en-US" dirty="0"/>
+              <a:t>=10, </a:t>
+            </a:r>
+            <a:r>
+              <a:rPr lang="en-US" dirty="0" err="1"/>
+              <a:t>random_state</a:t>
+            </a:r>
+            <a:r>
+              <a:rPr lang="en-US" dirty="0"/>
+              <a:t>=42</a:t>
+            </a:r>
+          </a:p>
+          <a:p>
+            <a:r>
+              <a:rPr lang="en-US" dirty="0"/>
+              <a:t>Hierarchical: Default</a:t>
+            </a:r>
+          </a:p>
+          <a:p>
+            <a:r>
+              <a:rPr lang="en-US" dirty="0"/>
+              <a:t>DBSCAN: Default</a:t>
+            </a:r>
+          </a:p>
+          <a:p>
+            <a:endParaRPr lang="en-US" dirty="0"/>
+          </a:p>
+        </p:txBody>
+      </p:sp>
+    </p:spTree>
+    <p:extLst>
+      <p:ext uri="{BB962C8B-B14F-4D97-AF65-F5344CB8AC3E}">
+        <p14:creationId xmlns:p14="http://schemas.microsoft.com/office/powerpoint/2010/main" val="558791599"/>
+      </p:ext>
+    </p:extLst>
+  </p:cSld>
+  <p:clrMapOvr>
+    <a:masterClrMapping/>
+  </p:clrMapOvr>
+</p:sld>
+</file>
+
+<file path=ppt/slides/slide13.xml><?xml version="1.0" encoding="utf-8"?>
+<p:sld xmlns:a="http://schemas.openxmlformats.org/drawingml/2006/main" xmlns:r="http://schemas.openxmlformats.org/officeDocument/2006/relationships" xmlns:p="http://schemas.openxmlformats.org/presentationml/2006/main">
+  <p:cSld>
+    <p:spTree>
+      <p:nvGrpSpPr>
+        <p:cNvPr id="1" name="">
+          <a:extLst>
+            <a:ext uri="{FF2B5EF4-FFF2-40B4-BE49-F238E27FC236}">
+              <a16:creationId xmlns:a16="http://schemas.microsoft.com/office/drawing/2014/main" id="{B669D9E3-6FCF-175F-B057-1B12EB1AFD9B}"/>
+            </a:ext>
+          </a:extLst>
+        </p:cNvPr>
+        <p:cNvGrpSpPr/>
+        <p:nvPr/>
+      </p:nvGrpSpPr>
+      <p:grpSpPr>
+        <a:xfrm>
+          <a:off x="0" y="0"/>
+          <a:ext cx="0" cy="0"/>
+          <a:chOff x="0" y="0"/>
+          <a:chExt cx="0" cy="0"/>
+        </a:xfrm>
+      </p:grpSpPr>
+      <p:sp>
+        <p:nvSpPr>
+          <p:cNvPr id="2" name="Title 1">
+            <a:extLst>
+              <a:ext uri="{FF2B5EF4-FFF2-40B4-BE49-F238E27FC236}">
+                <a16:creationId xmlns:a16="http://schemas.microsoft.com/office/drawing/2014/main" id="{D1D2AE70-1334-379B-4211-2A0E8BFAB033}"/>
+              </a:ext>
+            </a:extLst>
+          </p:cNvPr>
+          <p:cNvSpPr>
+            <a:spLocks noGrp="1"/>
+          </p:cNvSpPr>
+          <p:nvPr>
+            <p:ph type="title"/>
+          </p:nvPr>
+        </p:nvSpPr>
+        <p:spPr/>
+        <p:txBody>
+          <a:bodyPr>
+            <a:normAutofit/>
+          </a:bodyPr>
+          <a:lstStyle/>
+          <a:p>
+            <a:r>
+              <a:rPr dirty="0"/>
+              <a:t>4. Result Analysis – Dataset 1</a:t>
+            </a:r>
+            <a:r>
+              <a:rPr lang="en-IN" dirty="0"/>
+              <a:t> (if classification)</a:t>
+            </a:r>
+            <a:endParaRPr dirty="0"/>
+          </a:p>
+        </p:txBody>
+      </p:sp>
+      <p:sp>
+        <p:nvSpPr>
+          <p:cNvPr id="3" name="Content Placeholder 2">
+            <a:extLst>
+              <a:ext uri="{FF2B5EF4-FFF2-40B4-BE49-F238E27FC236}">
+                <a16:creationId xmlns:a16="http://schemas.microsoft.com/office/drawing/2014/main" id="{16D544E1-3DB3-6DD4-F16E-941C7791D910}"/>
+              </a:ext>
+            </a:extLst>
+          </p:cNvPr>
+          <p:cNvSpPr>
+            <a:spLocks noGrp="1"/>
+          </p:cNvSpPr>
+          <p:nvPr>
+            <p:ph idx="1"/>
+          </p:nvPr>
+        </p:nvSpPr>
+        <p:spPr/>
+        <p:txBody>
+          <a:bodyPr/>
+          <a:lstStyle/>
+          <a:p>
+            <a:r>
+              <a:rPr lang="en-IN" dirty="0"/>
+              <a:t>Confusion Matrix</a:t>
+            </a:r>
+          </a:p>
+          <a:p>
+            <a:r>
+              <a:rPr lang="en-US" dirty="0"/>
+              <a:t>Accuracy, Precision, Recall, Specificity, F1</a:t>
+            </a:r>
+          </a:p>
+          <a:p>
+            <a:r>
+              <a:rPr lang="en-IN" dirty="0"/>
+              <a:t>ROC-AUC, PR-AUC</a:t>
+            </a:r>
+          </a:p>
+          <a:p>
+            <a:r>
+              <a:rPr lang="en-IN" dirty="0"/>
+              <a:t>ROC, PR Curves</a:t>
+            </a:r>
+            <a:endParaRPr dirty="0"/>
+          </a:p>
+        </p:txBody>
+      </p:sp>
+    </p:spTree>
+    <p:extLst>
+      <p:ext uri="{BB962C8B-B14F-4D97-AF65-F5344CB8AC3E}">
+        <p14:creationId xmlns:p14="http://schemas.microsoft.com/office/powerpoint/2010/main" val="958603044"/>
+      </p:ext>
+    </p:extLst>
+  </p:cSld>
+  <p:clrMapOvr>
+    <a:masterClrMapping/>
+  </p:clrMapOvr>
+</p:sld>
+</file>
+
+<file path=ppt/slides/slide14.xml><?xml version="1.0" encoding="utf-8"?>
+<p:sld xmlns:a="http://schemas.openxmlformats.org/drawingml/2006/main" xmlns:r="http://schemas.openxmlformats.org/officeDocument/2006/relationships" xmlns:p="http://schemas.openxmlformats.org/presentationml/2006/main">
+  <p:cSld>
+    <p:spTree>
+      <p:nvGrpSpPr>
+        <p:cNvPr id="1" name=""/>
+        <p:cNvGrpSpPr/>
+        <p:nvPr/>
+      </p:nvGrpSpPr>
+      <p:grpSpPr>
+        <a:xfrm>
+          <a:off x="0" y="0"/>
+          <a:ext cx="0" cy="0"/>
+          <a:chOff x="0" y="0"/>
+          <a:chExt cx="0" cy="0"/>
+        </a:xfrm>
+      </p:grpSpPr>
+      <p:sp>
+        <p:nvSpPr>
+          <p:cNvPr id="2" name="Title 1">
+            <a:extLst>
+              <a:ext uri="{FF2B5EF4-FFF2-40B4-BE49-F238E27FC236}">
+                <a16:creationId xmlns:a16="http://schemas.microsoft.com/office/drawing/2014/main" id="{1EE0E5BF-C18D-9D3E-29F0-742BC9DA37C8}"/>
+              </a:ext>
+            </a:extLst>
+          </p:cNvPr>
+          <p:cNvSpPr>
+            <a:spLocks noGrp="1"/>
+          </p:cNvSpPr>
+          <p:nvPr>
+            <p:ph type="title"/>
+          </p:nvPr>
+        </p:nvSpPr>
+        <p:spPr/>
+        <p:txBody>
+          <a:bodyPr/>
+          <a:lstStyle/>
+          <a:p>
+            <a:r>
+              <a:rPr lang="en-IN" dirty="0"/>
+              <a:t>5. Interpretation of Results</a:t>
+            </a:r>
+          </a:p>
+        </p:txBody>
+      </p:sp>
+      <p:sp>
+        <p:nvSpPr>
+          <p:cNvPr id="3" name="Content Placeholder 2">
+            <a:extLst>
+              <a:ext uri="{FF2B5EF4-FFF2-40B4-BE49-F238E27FC236}">
+                <a16:creationId xmlns:a16="http://schemas.microsoft.com/office/drawing/2014/main" id="{758EA728-DAFF-6FDF-3CB0-5648FDCC67F1}"/>
+              </a:ext>
+            </a:extLst>
+          </p:cNvPr>
+          <p:cNvSpPr>
+            <a:spLocks noGrp="1"/>
+          </p:cNvSpPr>
+          <p:nvPr>
+            <p:ph idx="1"/>
+          </p:nvPr>
+        </p:nvSpPr>
+        <p:spPr/>
+        <p:txBody>
+          <a:bodyPr/>
+          <a:lstStyle/>
+          <a:p>
+            <a:endParaRPr lang="en-IN" dirty="0"/>
+          </a:p>
+        </p:txBody>
+      </p:sp>
+    </p:spTree>
+    <p:extLst>
+      <p:ext uri="{BB962C8B-B14F-4D97-AF65-F5344CB8AC3E}">
+        <p14:creationId xmlns:p14="http://schemas.microsoft.com/office/powerpoint/2010/main" val="1762443921"/>
+      </p:ext>
+    </p:extLst>
+  </p:cSld>
+  <p:clrMapOvr>
+    <a:masterClrMapping/>
+  </p:clrMapOvr>
+</p:sld>
+</file>
+
+<file path=ppt/slides/slide15.xml><?xml version="1.0" encoding="utf-8"?>
 <p:sld xmlns:a="http://schemas.openxmlformats.org/drawingml/2006/main" xmlns:r="http://schemas.openxmlformats.org/officeDocument/2006/relationships" xmlns:p="http://schemas.openxmlformats.org/presentationml/2006/main">
   <p:cSld>
     <p:spTree>
@@ -5992,7 +4983,530 @@
 </p:sld>
 </file>
 
-<file path=ppt/slides/slide7.xml><?xml version="1.0" encoding="utf-8"?>
+<file path=ppt/slides/slide16.xml><?xml version="1.0" encoding="utf-8"?>
+<p:sld xmlns:a="http://schemas.openxmlformats.org/drawingml/2006/main" xmlns:r="http://schemas.openxmlformats.org/officeDocument/2006/relationships" xmlns:p="http://schemas.openxmlformats.org/presentationml/2006/main">
+  <p:cSld>
+    <p:spTree>
+      <p:nvGrpSpPr>
+        <p:cNvPr id="1" name="">
+          <a:extLst>
+            <a:ext uri="{FF2B5EF4-FFF2-40B4-BE49-F238E27FC236}">
+              <a16:creationId xmlns:a16="http://schemas.microsoft.com/office/drawing/2014/main" id="{5E33A4C7-53EA-A8EE-1B41-5E3AF4809217}"/>
+            </a:ext>
+          </a:extLst>
+        </p:cNvPr>
+        <p:cNvGrpSpPr/>
+        <p:nvPr/>
+      </p:nvGrpSpPr>
+      <p:grpSpPr>
+        <a:xfrm>
+          <a:off x="0" y="0"/>
+          <a:ext cx="0" cy="0"/>
+          <a:chOff x="0" y="0"/>
+          <a:chExt cx="0" cy="0"/>
+        </a:xfrm>
+      </p:grpSpPr>
+      <p:sp>
+        <p:nvSpPr>
+          <p:cNvPr id="2" name="Title 1">
+            <a:extLst>
+              <a:ext uri="{FF2B5EF4-FFF2-40B4-BE49-F238E27FC236}">
+                <a16:creationId xmlns:a16="http://schemas.microsoft.com/office/drawing/2014/main" id="{49AFA0B4-3543-902D-EB66-F69810D46232}"/>
+              </a:ext>
+            </a:extLst>
+          </p:cNvPr>
+          <p:cNvSpPr>
+            <a:spLocks noGrp="1"/>
+          </p:cNvSpPr>
+          <p:nvPr>
+            <p:ph type="title"/>
+          </p:nvPr>
+        </p:nvSpPr>
+        <p:spPr/>
+        <p:txBody>
+          <a:bodyPr/>
+          <a:lstStyle/>
+          <a:p>
+            <a:r>
+              <a:rPr dirty="0"/>
+              <a:t>3. Models Used for Dataset </a:t>
+            </a:r>
+            <a:r>
+              <a:rPr lang="en-US" dirty="0"/>
+              <a:t>4</a:t>
+            </a:r>
+            <a:endParaRPr dirty="0"/>
+          </a:p>
+        </p:txBody>
+      </p:sp>
+      <p:sp>
+        <p:nvSpPr>
+          <p:cNvPr id="3" name="Content Placeholder 2">
+            <a:extLst>
+              <a:ext uri="{FF2B5EF4-FFF2-40B4-BE49-F238E27FC236}">
+                <a16:creationId xmlns:a16="http://schemas.microsoft.com/office/drawing/2014/main" id="{0D46CA3B-8F3C-E05B-D85D-A131750410F0}"/>
+              </a:ext>
+            </a:extLst>
+          </p:cNvPr>
+          <p:cNvSpPr>
+            <a:spLocks noGrp="1"/>
+          </p:cNvSpPr>
+          <p:nvPr>
+            <p:ph idx="1"/>
+          </p:nvPr>
+        </p:nvSpPr>
+        <p:spPr>
+          <a:xfrm>
+            <a:off x="451587" y="2066965"/>
+            <a:ext cx="5218698" cy="1754325"/>
+          </a:xfrm>
+        </p:spPr>
+        <p:txBody>
+          <a:bodyPr>
+            <a:normAutofit fontScale="92500" lnSpcReduction="20000"/>
+          </a:bodyPr>
+          <a:lstStyle/>
+          <a:p>
+            <a:r>
+              <a:rPr lang="en-US" b="1" dirty="0"/>
+              <a:t>List of Models Applied:</a:t>
+            </a:r>
+          </a:p>
+          <a:p>
+            <a:r>
+              <a:rPr lang="en-US" dirty="0"/>
+              <a:t>Principal Component Analysis (PCA)</a:t>
+            </a:r>
+          </a:p>
+          <a:p>
+            <a:r>
+              <a:rPr lang="en-US" dirty="0"/>
+              <a:t>Linear Discriminant Analysis (LDA)</a:t>
+            </a:r>
+          </a:p>
+          <a:p>
+            <a:r>
+              <a:rPr lang="en-US" dirty="0"/>
+              <a:t>Logistic Regression (wrapped in Sequential Feature Selection)</a:t>
+            </a:r>
+            <a:endParaRPr dirty="0"/>
+          </a:p>
+        </p:txBody>
+      </p:sp>
+      <p:sp>
+        <p:nvSpPr>
+          <p:cNvPr id="5" name="TextBox 4">
+            <a:extLst>
+              <a:ext uri="{FF2B5EF4-FFF2-40B4-BE49-F238E27FC236}">
+                <a16:creationId xmlns:a16="http://schemas.microsoft.com/office/drawing/2014/main" id="{C4D0E98C-48C8-B049-9260-29A75BB6202B}"/>
+              </a:ext>
+            </a:extLst>
+          </p:cNvPr>
+          <p:cNvSpPr txBox="1"/>
+          <p:nvPr/>
+        </p:nvSpPr>
+        <p:spPr>
+          <a:xfrm>
+            <a:off x="339892" y="4150895"/>
+            <a:ext cx="5330393" cy="1754326"/>
+          </a:xfrm>
+          <a:prstGeom prst="rect">
+            <a:avLst/>
+          </a:prstGeom>
+          <a:noFill/>
+        </p:spPr>
+        <p:txBody>
+          <a:bodyPr wrap="square">
+            <a:spAutoFit/>
+          </a:bodyPr>
+          <a:lstStyle/>
+          <a:p>
+            <a:r>
+              <a:rPr lang="en-IN" b="1" dirty="0"/>
+              <a:t>Hyperparameters:</a:t>
+            </a:r>
+          </a:p>
+          <a:p>
+            <a:r>
+              <a:rPr lang="en-IN" dirty="0"/>
+              <a:t>PCA: </a:t>
+            </a:r>
+            <a:r>
+              <a:rPr lang="en-IN" dirty="0" err="1"/>
+              <a:t>n_components</a:t>
+            </a:r>
+            <a:r>
+              <a:rPr lang="en-IN" dirty="0"/>
+              <a:t>=2 (for 2D visualization).</a:t>
+            </a:r>
+          </a:p>
+          <a:p>
+            <a:r>
+              <a:rPr lang="en-IN" dirty="0"/>
+              <a:t>LDA: </a:t>
+            </a:r>
+            <a:r>
+              <a:rPr lang="en-IN" dirty="0" err="1"/>
+              <a:t>n_components</a:t>
+            </a:r>
+            <a:r>
+              <a:rPr lang="en-IN" dirty="0"/>
+              <a:t>=1 (optimal for binary classification).</a:t>
+            </a:r>
+          </a:p>
+          <a:p>
+            <a:r>
+              <a:rPr lang="en-IN" dirty="0"/>
+              <a:t>Logistic Regression: </a:t>
+            </a:r>
+            <a:r>
+              <a:rPr lang="en-IN" dirty="0" err="1"/>
+              <a:t>max_iter</a:t>
+            </a:r>
+            <a:r>
+              <a:rPr lang="en-IN" dirty="0"/>
+              <a:t>=1000, </a:t>
+            </a:r>
+            <a:r>
+              <a:rPr lang="en-IN" dirty="0" err="1"/>
+              <a:t>random_state</a:t>
+            </a:r>
+            <a:r>
+              <a:rPr lang="en-IN" dirty="0"/>
+              <a:t>=42.</a:t>
+            </a:r>
+          </a:p>
+          <a:p>
+            <a:r>
+              <a:rPr lang="en-IN" dirty="0"/>
+              <a:t>Feature Selection: </a:t>
+            </a:r>
+            <a:r>
+              <a:rPr lang="en-IN" dirty="0" err="1"/>
+              <a:t>n_features_to_select</a:t>
+            </a:r>
+            <a:r>
+              <a:rPr lang="en-IN" dirty="0"/>
+              <a:t>=5, direction='forward'.</a:t>
+            </a:r>
+          </a:p>
+        </p:txBody>
+      </p:sp>
+      <p:sp>
+        <p:nvSpPr>
+          <p:cNvPr id="6" name="TextBox 5">
+            <a:extLst>
+              <a:ext uri="{FF2B5EF4-FFF2-40B4-BE49-F238E27FC236}">
+                <a16:creationId xmlns:a16="http://schemas.microsoft.com/office/drawing/2014/main" id="{A5CA0AB7-3A1A-62A1-177C-818CC6F1439A}"/>
+              </a:ext>
+            </a:extLst>
+          </p:cNvPr>
+          <p:cNvSpPr txBox="1"/>
+          <p:nvPr/>
+        </p:nvSpPr>
+        <p:spPr>
+          <a:xfrm>
+            <a:off x="5876925" y="4150895"/>
+            <a:ext cx="5856371" cy="646331"/>
+          </a:xfrm>
+          <a:prstGeom prst="rect">
+            <a:avLst/>
+          </a:prstGeom>
+          <a:noFill/>
+        </p:spPr>
+        <p:txBody>
+          <a:bodyPr wrap="square">
+            <a:spAutoFit/>
+          </a:bodyPr>
+          <a:lstStyle/>
+          <a:p>
+            <a:r>
+              <a:rPr lang="en-IN" b="1" dirty="0"/>
+              <a:t>Frameworks used:</a:t>
+            </a:r>
+          </a:p>
+          <a:p>
+            <a:r>
+              <a:rPr lang="en-IN" dirty="0"/>
+              <a:t>Python, scikit-learn, pandas, matplotlib</a:t>
+            </a:r>
+          </a:p>
+        </p:txBody>
+      </p:sp>
+      <p:sp>
+        <p:nvSpPr>
+          <p:cNvPr id="8" name="TextBox 7">
+            <a:extLst>
+              <a:ext uri="{FF2B5EF4-FFF2-40B4-BE49-F238E27FC236}">
+                <a16:creationId xmlns:a16="http://schemas.microsoft.com/office/drawing/2014/main" id="{8802B2BC-AB39-60FE-96C8-F8D14DAA1870}"/>
+              </a:ext>
+            </a:extLst>
+          </p:cNvPr>
+          <p:cNvSpPr txBox="1"/>
+          <p:nvPr/>
+        </p:nvSpPr>
+        <p:spPr>
+          <a:xfrm>
+            <a:off x="5876925" y="2066965"/>
+            <a:ext cx="6093994" cy="2031325"/>
+          </a:xfrm>
+          <a:prstGeom prst="rect">
+            <a:avLst/>
+          </a:prstGeom>
+          <a:noFill/>
+        </p:spPr>
+        <p:txBody>
+          <a:bodyPr wrap="square">
+            <a:spAutoFit/>
+          </a:bodyPr>
+          <a:lstStyle/>
+          <a:p>
+            <a:r>
+              <a:rPr lang="en-IN" b="1" dirty="0"/>
+              <a:t>Reason for Choosing Each Model:</a:t>
+            </a:r>
+          </a:p>
+          <a:p>
+            <a:r>
+              <a:rPr lang="en-IN" dirty="0"/>
+              <a:t>PCA: Unsupervised reduction to minimize features while retaining 95% of data variance.</a:t>
+            </a:r>
+          </a:p>
+          <a:p>
+            <a:r>
+              <a:rPr lang="en-IN" dirty="0"/>
+              <a:t>LDA: Supervised reduction to project data onto a lower-dimensional space that maximizes class separation.</a:t>
+            </a:r>
+          </a:p>
+          <a:p>
+            <a:r>
+              <a:rPr lang="en-IN" dirty="0"/>
+              <a:t>Logistic Regression: Robust baseline classifier used to evaluate and select the most significant features.</a:t>
+            </a:r>
+          </a:p>
+        </p:txBody>
+      </p:sp>
+    </p:spTree>
+    <p:extLst>
+      <p:ext uri="{BB962C8B-B14F-4D97-AF65-F5344CB8AC3E}">
+        <p14:creationId xmlns:p14="http://schemas.microsoft.com/office/powerpoint/2010/main" val="923775988"/>
+      </p:ext>
+    </p:extLst>
+  </p:cSld>
+  <p:clrMapOvr>
+    <a:masterClrMapping/>
+  </p:clrMapOvr>
+</p:sld>
+</file>
+
+<file path=ppt/slides/slide17.xml><?xml version="1.0" encoding="utf-8"?>
+<p:sld xmlns:a="http://schemas.openxmlformats.org/drawingml/2006/main" xmlns:r="http://schemas.openxmlformats.org/officeDocument/2006/relationships" xmlns:p="http://schemas.openxmlformats.org/presentationml/2006/main">
+  <p:cSld>
+    <p:spTree>
+      <p:nvGrpSpPr>
+        <p:cNvPr id="1" name="">
+          <a:extLst>
+            <a:ext uri="{FF2B5EF4-FFF2-40B4-BE49-F238E27FC236}">
+              <a16:creationId xmlns:a16="http://schemas.microsoft.com/office/drawing/2014/main" id="{F17C17A2-F8E9-899B-5C9D-28E04ABD0B13}"/>
+            </a:ext>
+          </a:extLst>
+        </p:cNvPr>
+        <p:cNvGrpSpPr/>
+        <p:nvPr/>
+      </p:nvGrpSpPr>
+      <p:grpSpPr>
+        <a:xfrm>
+          <a:off x="0" y="0"/>
+          <a:ext cx="0" cy="0"/>
+          <a:chOff x="0" y="0"/>
+          <a:chExt cx="0" cy="0"/>
+        </a:xfrm>
+      </p:grpSpPr>
+      <p:sp>
+        <p:nvSpPr>
+          <p:cNvPr id="2" name="Title 1">
+            <a:extLst>
+              <a:ext uri="{FF2B5EF4-FFF2-40B4-BE49-F238E27FC236}">
+                <a16:creationId xmlns:a16="http://schemas.microsoft.com/office/drawing/2014/main" id="{A803186C-65C6-60D8-9A8E-6A8004F1D1C0}"/>
+              </a:ext>
+            </a:extLst>
+          </p:cNvPr>
+          <p:cNvSpPr>
+            <a:spLocks noGrp="1"/>
+          </p:cNvSpPr>
+          <p:nvPr>
+            <p:ph type="title"/>
+          </p:nvPr>
+        </p:nvSpPr>
+        <p:spPr/>
+        <p:txBody>
+          <a:bodyPr>
+            <a:normAutofit/>
+          </a:bodyPr>
+          <a:lstStyle/>
+          <a:p>
+            <a:r>
+              <a:rPr dirty="0"/>
+              <a:t>4. Result Analysis – Dataset 1</a:t>
+            </a:r>
+            <a:r>
+              <a:rPr lang="en-IN" dirty="0"/>
+              <a:t> (if classification)</a:t>
+            </a:r>
+            <a:endParaRPr dirty="0"/>
+          </a:p>
+        </p:txBody>
+      </p:sp>
+      <p:sp>
+        <p:nvSpPr>
+          <p:cNvPr id="3" name="Content Placeholder 2">
+            <a:extLst>
+              <a:ext uri="{FF2B5EF4-FFF2-40B4-BE49-F238E27FC236}">
+                <a16:creationId xmlns:a16="http://schemas.microsoft.com/office/drawing/2014/main" id="{7ABA8FF1-3EED-66A8-BB4F-3E7BD5A60BD3}"/>
+              </a:ext>
+            </a:extLst>
+          </p:cNvPr>
+          <p:cNvSpPr>
+            <a:spLocks noGrp="1"/>
+          </p:cNvSpPr>
+          <p:nvPr>
+            <p:ph idx="1"/>
+          </p:nvPr>
+        </p:nvSpPr>
+        <p:spPr/>
+        <p:txBody>
+          <a:bodyPr/>
+          <a:lstStyle/>
+          <a:p>
+            <a:r>
+              <a:rPr lang="en-IN" dirty="0"/>
+              <a:t>Confusion Matrix</a:t>
+            </a:r>
+          </a:p>
+          <a:p>
+            <a:r>
+              <a:rPr lang="en-US" dirty="0"/>
+              <a:t>Accuracy, Precision, Recall, Specificity, F1</a:t>
+            </a:r>
+          </a:p>
+          <a:p>
+            <a:r>
+              <a:rPr lang="en-IN" dirty="0"/>
+              <a:t>ROC-AUC, PR-AUC</a:t>
+            </a:r>
+          </a:p>
+          <a:p>
+            <a:r>
+              <a:rPr lang="en-IN" dirty="0"/>
+              <a:t>ROC, PR Curves</a:t>
+            </a:r>
+            <a:endParaRPr dirty="0"/>
+          </a:p>
+        </p:txBody>
+      </p:sp>
+    </p:spTree>
+    <p:extLst>
+      <p:ext uri="{BB962C8B-B14F-4D97-AF65-F5344CB8AC3E}">
+        <p14:creationId xmlns:p14="http://schemas.microsoft.com/office/powerpoint/2010/main" val="1972627948"/>
+      </p:ext>
+    </p:extLst>
+  </p:cSld>
+  <p:clrMapOvr>
+    <a:masterClrMapping/>
+  </p:clrMapOvr>
+</p:sld>
+</file>
+
+<file path=ppt/slides/slide18.xml><?xml version="1.0" encoding="utf-8"?>
+<p:sld xmlns:a="http://schemas.openxmlformats.org/drawingml/2006/main" xmlns:r="http://schemas.openxmlformats.org/officeDocument/2006/relationships" xmlns:p="http://schemas.openxmlformats.org/presentationml/2006/main">
+  <p:cSld>
+    <p:spTree>
+      <p:nvGrpSpPr>
+        <p:cNvPr id="1" name="">
+          <a:extLst>
+            <a:ext uri="{FF2B5EF4-FFF2-40B4-BE49-F238E27FC236}">
+              <a16:creationId xmlns:a16="http://schemas.microsoft.com/office/drawing/2014/main" id="{97A3117E-1161-0A58-03C0-EC45D9DCBE46}"/>
+            </a:ext>
+          </a:extLst>
+        </p:cNvPr>
+        <p:cNvGrpSpPr/>
+        <p:nvPr/>
+      </p:nvGrpSpPr>
+      <p:grpSpPr>
+        <a:xfrm>
+          <a:off x="0" y="0"/>
+          <a:ext cx="0" cy="0"/>
+          <a:chOff x="0" y="0"/>
+          <a:chExt cx="0" cy="0"/>
+        </a:xfrm>
+      </p:grpSpPr>
+      <p:sp>
+        <p:nvSpPr>
+          <p:cNvPr id="2" name="Title 1">
+            <a:extLst>
+              <a:ext uri="{FF2B5EF4-FFF2-40B4-BE49-F238E27FC236}">
+                <a16:creationId xmlns:a16="http://schemas.microsoft.com/office/drawing/2014/main" id="{3B9D2B49-D75E-72B0-B8A9-38F9F7DCA651}"/>
+              </a:ext>
+            </a:extLst>
+          </p:cNvPr>
+          <p:cNvSpPr>
+            <a:spLocks noGrp="1"/>
+          </p:cNvSpPr>
+          <p:nvPr>
+            <p:ph type="title"/>
+          </p:nvPr>
+        </p:nvSpPr>
+        <p:spPr/>
+        <p:txBody>
+          <a:bodyPr/>
+          <a:lstStyle/>
+          <a:p>
+            <a:r>
+              <a:rPr lang="en-IN" dirty="0"/>
+              <a:t>5. Interpretation of Results</a:t>
+            </a:r>
+          </a:p>
+        </p:txBody>
+      </p:sp>
+      <p:sp>
+        <p:nvSpPr>
+          <p:cNvPr id="3" name="Content Placeholder 2">
+            <a:extLst>
+              <a:ext uri="{FF2B5EF4-FFF2-40B4-BE49-F238E27FC236}">
+                <a16:creationId xmlns:a16="http://schemas.microsoft.com/office/drawing/2014/main" id="{58F2C366-387D-7A77-157F-FF2F89F0F061}"/>
+              </a:ext>
+            </a:extLst>
+          </p:cNvPr>
+          <p:cNvSpPr>
+            <a:spLocks noGrp="1"/>
+          </p:cNvSpPr>
+          <p:nvPr>
+            <p:ph idx="1"/>
+          </p:nvPr>
+        </p:nvSpPr>
+        <p:spPr/>
+        <p:txBody>
+          <a:bodyPr/>
+          <a:lstStyle/>
+          <a:p>
+            <a:endParaRPr lang="en-IN" dirty="0"/>
+          </a:p>
+        </p:txBody>
+      </p:sp>
+    </p:spTree>
+    <p:extLst>
+      <p:ext uri="{BB962C8B-B14F-4D97-AF65-F5344CB8AC3E}">
+        <p14:creationId xmlns:p14="http://schemas.microsoft.com/office/powerpoint/2010/main" val="1229990211"/>
+      </p:ext>
+    </p:extLst>
+  </p:cSld>
+  <p:clrMapOvr>
+    <a:masterClrMapping/>
+  </p:clrMapOvr>
+</p:sld>
+</file>
+
+<file path=ppt/slides/slide19.xml><?xml version="1.0" encoding="utf-8"?>
 <p:sld xmlns:a="http://schemas.openxmlformats.org/drawingml/2006/main" xmlns:r="http://schemas.openxmlformats.org/officeDocument/2006/relationships" xmlns:p="http://schemas.openxmlformats.org/presentationml/2006/main">
   <p:cSld>
     <p:spTree>
@@ -6025,6 +5539,363 @@
           <a:lstStyle/>
           <a:p>
             <a:r>
+              <a:rPr lang="en-IN" dirty="0"/>
+              <a:t>7</a:t>
+            </a:r>
+            <a:r>
+              <a:rPr dirty="0"/>
+              <a:t>. Final Comparative Summary</a:t>
+            </a:r>
+          </a:p>
+        </p:txBody>
+      </p:sp>
+      <p:sp>
+        <p:nvSpPr>
+          <p:cNvPr id="3" name="Content Placeholder 2"/>
+          <p:cNvSpPr>
+            <a:spLocks noGrp="1"/>
+          </p:cNvSpPr>
+          <p:nvPr>
+            <p:ph idx="1"/>
+          </p:nvPr>
+        </p:nvSpPr>
+        <p:spPr/>
+        <p:txBody>
+          <a:bodyPr/>
+          <a:lstStyle/>
+          <a:p>
+            <a:r>
+              <a:rPr dirty="0"/>
+              <a:t>Comparison of models</a:t>
+            </a:r>
+          </a:p>
+          <a:p>
+            <a:r>
+              <a:rPr dirty="0"/>
+              <a:t>Best-performing model</a:t>
+            </a:r>
+          </a:p>
+          <a:p>
+            <a:r>
+              <a:rPr dirty="0"/>
+              <a:t>Insights gained</a:t>
+            </a:r>
+          </a:p>
+          <a:p>
+            <a:r>
+              <a:rPr dirty="0"/>
+              <a:t>Future improvements</a:t>
+            </a:r>
+          </a:p>
+        </p:txBody>
+      </p:sp>
+    </p:spTree>
+  </p:cSld>
+  <p:clrMapOvr>
+    <a:masterClrMapping/>
+  </p:clrMapOvr>
+</p:sld>
+</file>
+
+<file path=ppt/slides/slide2.xml><?xml version="1.0" encoding="utf-8"?>
+<p:sld xmlns:a="http://schemas.openxmlformats.org/drawingml/2006/main" xmlns:r="http://schemas.openxmlformats.org/officeDocument/2006/relationships" xmlns:p="http://schemas.openxmlformats.org/presentationml/2006/main">
+  <p:cSld>
+    <p:spTree>
+      <p:nvGrpSpPr>
+        <p:cNvPr id="1" name=""/>
+        <p:cNvGrpSpPr/>
+        <p:nvPr/>
+      </p:nvGrpSpPr>
+      <p:grpSpPr>
+        <a:xfrm>
+          <a:off x="0" y="0"/>
+          <a:ext cx="0" cy="0"/>
+          <a:chOff x="0" y="0"/>
+          <a:chExt cx="0" cy="0"/>
+        </a:xfrm>
+      </p:grpSpPr>
+      <p:sp>
+        <p:nvSpPr>
+          <p:cNvPr id="2" name="Title 1"/>
+          <p:cNvSpPr>
+            <a:spLocks noGrp="1"/>
+          </p:cNvSpPr>
+          <p:nvPr>
+            <p:ph type="title"/>
+          </p:nvPr>
+        </p:nvSpPr>
+        <p:spPr>
+          <a:xfrm>
+            <a:off x="1097280" y="387327"/>
+            <a:ext cx="7384983" cy="748454"/>
+          </a:xfrm>
+        </p:spPr>
+        <p:txBody>
+          <a:bodyPr>
+            <a:normAutofit/>
+          </a:bodyPr>
+          <a:lstStyle/>
+          <a:p>
+            <a:r>
+              <a:rPr dirty="0"/>
+              <a:t>1. Introduction</a:t>
+            </a:r>
+          </a:p>
+        </p:txBody>
+      </p:sp>
+      <p:sp>
+        <p:nvSpPr>
+          <p:cNvPr id="3" name="Content Placeholder 2"/>
+          <p:cNvSpPr>
+            <a:spLocks noGrp="1"/>
+          </p:cNvSpPr>
+          <p:nvPr>
+            <p:ph idx="1"/>
+          </p:nvPr>
+        </p:nvSpPr>
+        <p:spPr>
+          <a:xfrm>
+            <a:off x="1097279" y="1840832"/>
+            <a:ext cx="10200374" cy="4283242"/>
+          </a:xfrm>
+        </p:spPr>
+        <p:txBody>
+          <a:bodyPr>
+            <a:normAutofit fontScale="92500" lnSpcReduction="10000"/>
+          </a:bodyPr>
+          <a:lstStyle/>
+          <a:p>
+            <a:pPr>
+              <a:buFont typeface="Wingdings" panose="05000000000000000000" pitchFamily="2" charset="2"/>
+              <a:buChar char="Ø"/>
+            </a:pPr>
+            <a:r>
+              <a:rPr lang="en-US" dirty="0"/>
+              <a:t>Problem Statement: Businesses struggle to utilize complex e-commerce data for decision-making; this project solves this by evaluating machine learning techniques. The challenge is to predict customer behavior (like churn and spending), segment customers effectively, and identify key drivers of engagement using diverse datasets.</a:t>
+            </a:r>
+          </a:p>
+          <a:p>
+            <a:pPr>
+              <a:buFont typeface="Wingdings" panose="05000000000000000000" pitchFamily="2" charset="2"/>
+              <a:buChar char="Ø"/>
+            </a:pPr>
+            <a:endParaRPr lang="en-US" dirty="0"/>
+          </a:p>
+          <a:p>
+            <a:pPr>
+              <a:buFont typeface="Wingdings" panose="05000000000000000000" pitchFamily="2" charset="2"/>
+              <a:buChar char="Ø"/>
+            </a:pPr>
+            <a:r>
+              <a:rPr lang="en-US" dirty="0"/>
+              <a:t>Motivation : In the competitive retail landscape, gaining a deep understanding of customer patterns through advanced analytics is crucial for enabling businesses to improve retention strategies and drive sustainable revenue growth.</a:t>
+            </a:r>
+          </a:p>
+          <a:p>
+            <a:pPr>
+              <a:buFont typeface="Wingdings" panose="05000000000000000000" pitchFamily="2" charset="2"/>
+              <a:buChar char="Ø"/>
+            </a:pPr>
+            <a:endParaRPr lang="en-US" dirty="0"/>
+          </a:p>
+          <a:p>
+            <a:pPr>
+              <a:buFont typeface="Wingdings" panose="05000000000000000000" pitchFamily="2" charset="2"/>
+              <a:buChar char="Ø"/>
+            </a:pPr>
+            <a:r>
+              <a:rPr lang="en-US" dirty="0"/>
+              <a:t>Objective : Our core objective is to implement and rigorously evaluate a range of machine learning algorithms across four different e-commerce datasets, to compare and contrast results.</a:t>
+            </a:r>
+          </a:p>
+          <a:p>
+            <a:pPr>
+              <a:buFont typeface="Wingdings" panose="05000000000000000000" pitchFamily="2" charset="2"/>
+              <a:buChar char="Ø"/>
+            </a:pPr>
+            <a:endParaRPr lang="en-US" dirty="0"/>
+          </a:p>
+          <a:p>
+            <a:pPr>
+              <a:buFont typeface="Wingdings" panose="05000000000000000000" pitchFamily="2" charset="2"/>
+              <a:buChar char="Ø"/>
+            </a:pPr>
+            <a:r>
+              <a:rPr dirty="0"/>
+              <a:t>Type of ML task </a:t>
+            </a:r>
+            <a:r>
+              <a:rPr lang="en-US" dirty="0"/>
+              <a:t>: Covers Classification, Regression, Clustering, and Dimensionality reduction.</a:t>
+            </a:r>
+            <a:endParaRPr dirty="0"/>
+          </a:p>
+        </p:txBody>
+      </p:sp>
+    </p:spTree>
+  </p:cSld>
+  <p:clrMapOvr>
+    <a:masterClrMapping/>
+  </p:clrMapOvr>
+</p:sld>
+</file>
+
+<file path=ppt/slides/slide3.xml><?xml version="1.0" encoding="utf-8"?>
+<p:sld xmlns:a="http://schemas.openxmlformats.org/drawingml/2006/main" xmlns:r="http://schemas.openxmlformats.org/officeDocument/2006/relationships" xmlns:p="http://schemas.openxmlformats.org/presentationml/2006/main">
+  <p:cSld>
+    <p:spTree>
+      <p:nvGrpSpPr>
+        <p:cNvPr id="1" name=""/>
+        <p:cNvGrpSpPr/>
+        <p:nvPr/>
+      </p:nvGrpSpPr>
+      <p:grpSpPr>
+        <a:xfrm>
+          <a:off x="0" y="0"/>
+          <a:ext cx="0" cy="0"/>
+          <a:chOff x="0" y="0"/>
+          <a:chExt cx="0" cy="0"/>
+        </a:xfrm>
+      </p:grpSpPr>
+      <p:sp>
+        <p:nvSpPr>
+          <p:cNvPr id="2" name="Title 1"/>
+          <p:cNvSpPr>
+            <a:spLocks noGrp="1"/>
+          </p:cNvSpPr>
+          <p:nvPr>
+            <p:ph type="title"/>
+          </p:nvPr>
+        </p:nvSpPr>
+        <p:spPr/>
+        <p:txBody>
+          <a:bodyPr/>
+          <a:lstStyle/>
+          <a:p>
+            <a:r>
+              <a:rPr dirty="0"/>
+              <a:t>2. Dataset 1 – </a:t>
+            </a:r>
+            <a:r>
+              <a:rPr lang="en-IN" dirty="0"/>
+              <a:t>Description</a:t>
+            </a:r>
+            <a:endParaRPr dirty="0"/>
+          </a:p>
+        </p:txBody>
+      </p:sp>
+      <p:sp>
+        <p:nvSpPr>
+          <p:cNvPr id="3" name="Content Placeholder 2"/>
+          <p:cNvSpPr>
+            <a:spLocks noGrp="1"/>
+          </p:cNvSpPr>
+          <p:nvPr>
+            <p:ph idx="1"/>
+          </p:nvPr>
+        </p:nvSpPr>
+        <p:spPr/>
+        <p:txBody>
+          <a:bodyPr/>
+          <a:lstStyle/>
+          <a:p>
+            <a:r>
+              <a:rPr dirty="0"/>
+              <a:t>Source </a:t>
+            </a:r>
+            <a:r>
+              <a:rPr lang="en-US" dirty="0"/>
+              <a:t>: Kaggle (https://www.kaggle.com/datasets/uom190346a/e-commerce-customer-behavior-dataset)</a:t>
+            </a:r>
+            <a:endParaRPr dirty="0"/>
+          </a:p>
+          <a:p>
+            <a:r>
+              <a:rPr lang="en-US" dirty="0"/>
+              <a:t>Number of (samples : </a:t>
+            </a:r>
+            <a:r>
+              <a:rPr lang="en-IN" dirty="0"/>
+              <a:t>3941, features : 11 )</a:t>
+            </a:r>
+            <a:endParaRPr dirty="0"/>
+          </a:p>
+          <a:p>
+            <a:r>
+              <a:rPr dirty="0"/>
+              <a:t>Feature descriptions</a:t>
+            </a:r>
+            <a:r>
+              <a:rPr lang="en-US" dirty="0"/>
+              <a:t> : An individual customer profile, detailing their account history, satisfaction metrics, and whether they have discontinued the service.</a:t>
+            </a:r>
+            <a:endParaRPr dirty="0"/>
+          </a:p>
+          <a:p>
+            <a:r>
+              <a:rPr dirty="0"/>
+              <a:t>Preprocessing steps </a:t>
+            </a:r>
+            <a:r>
+              <a:rPr lang="en-US" dirty="0"/>
+              <a:t>: numerical {imputation-median, standard scaler}; categorical {imputation-most frequent, one hot encoding}</a:t>
+            </a:r>
+            <a:endParaRPr dirty="0"/>
+          </a:p>
+          <a:p>
+            <a:r>
+              <a:rPr dirty="0"/>
+              <a:t>Train–test split details</a:t>
+            </a:r>
+            <a:r>
+              <a:rPr lang="en-US" dirty="0"/>
+              <a:t> : 80:20 train test split, random state 42</a:t>
+            </a:r>
+            <a:endParaRPr dirty="0"/>
+          </a:p>
+        </p:txBody>
+      </p:sp>
+    </p:spTree>
+  </p:cSld>
+  <p:clrMapOvr>
+    <a:masterClrMapping/>
+  </p:clrMapOvr>
+</p:sld>
+</file>
+
+<file path=ppt/slides/slide4.xml><?xml version="1.0" encoding="utf-8"?>
+<p:sld xmlns:a="http://schemas.openxmlformats.org/drawingml/2006/main" xmlns:r="http://schemas.openxmlformats.org/officeDocument/2006/relationships" xmlns:p="http://schemas.openxmlformats.org/presentationml/2006/main">
+  <p:cSld>
+    <p:spTree>
+      <p:nvGrpSpPr>
+        <p:cNvPr id="1" name=""/>
+        <p:cNvGrpSpPr/>
+        <p:nvPr/>
+      </p:nvGrpSpPr>
+      <p:grpSpPr>
+        <a:xfrm>
+          <a:off x="0" y="0"/>
+          <a:ext cx="0" cy="0"/>
+          <a:chOff x="0" y="0"/>
+          <a:chExt cx="0" cy="0"/>
+        </a:xfrm>
+      </p:grpSpPr>
+      <p:sp>
+        <p:nvSpPr>
+          <p:cNvPr id="2" name="Title 1"/>
+          <p:cNvSpPr>
+            <a:spLocks noGrp="1"/>
+          </p:cNvSpPr>
+          <p:nvPr>
+            <p:ph type="title"/>
+          </p:nvPr>
+        </p:nvSpPr>
+        <p:spPr/>
+        <p:txBody>
+          <a:bodyPr/>
+          <a:lstStyle/>
+          <a:p>
+            <a:r>
               <a:t>3. Models Used for Dataset 1</a:t>
             </a:r>
           </a:p>
@@ -6277,6 +6148,338 @@
         </p:txBody>
       </p:sp>
     </p:spTree>
+  </p:cSld>
+  <p:clrMapOvr>
+    <a:masterClrMapping/>
+  </p:clrMapOvr>
+</p:sld>
+</file>
+
+<file path=ppt/slides/slide5.xml><?xml version="1.0" encoding="utf-8"?>
+<p:sld xmlns:a="http://schemas.openxmlformats.org/drawingml/2006/main" xmlns:r="http://schemas.openxmlformats.org/officeDocument/2006/relationships" xmlns:p="http://schemas.openxmlformats.org/presentationml/2006/main">
+  <p:cSld>
+    <p:spTree>
+      <p:nvGrpSpPr>
+        <p:cNvPr id="1" name=""/>
+        <p:cNvGrpSpPr/>
+        <p:nvPr/>
+      </p:nvGrpSpPr>
+      <p:grpSpPr>
+        <a:xfrm>
+          <a:off x="0" y="0"/>
+          <a:ext cx="0" cy="0"/>
+          <a:chOff x="0" y="0"/>
+          <a:chExt cx="0" cy="0"/>
+        </a:xfrm>
+      </p:grpSpPr>
+      <p:sp>
+        <p:nvSpPr>
+          <p:cNvPr id="2" name="Title 1"/>
+          <p:cNvSpPr>
+            <a:spLocks noGrp="1"/>
+          </p:cNvSpPr>
+          <p:nvPr>
+            <p:ph type="title"/>
+          </p:nvPr>
+        </p:nvSpPr>
+        <p:spPr/>
+        <p:txBody>
+          <a:bodyPr>
+            <a:normAutofit/>
+          </a:bodyPr>
+          <a:lstStyle/>
+          <a:p>
+            <a:r>
+              <a:rPr dirty="0"/>
+              <a:t>4. Result Analysis – Dataset 1</a:t>
+            </a:r>
+            <a:r>
+              <a:rPr lang="en-IN" dirty="0"/>
+              <a:t> (if classification)</a:t>
+            </a:r>
+            <a:endParaRPr dirty="0"/>
+          </a:p>
+        </p:txBody>
+      </p:sp>
+    </p:spTree>
+  </p:cSld>
+  <p:clrMapOvr>
+    <a:masterClrMapping/>
+  </p:clrMapOvr>
+</p:sld>
+</file>
+
+<file path=ppt/slides/slide6.xml><?xml version="1.0" encoding="utf-8"?>
+<p:sld xmlns:a="http://schemas.openxmlformats.org/drawingml/2006/main" xmlns:r="http://schemas.openxmlformats.org/officeDocument/2006/relationships" xmlns:p="http://schemas.openxmlformats.org/presentationml/2006/main">
+  <p:cSld>
+    <p:spTree>
+      <p:nvGrpSpPr>
+        <p:cNvPr id="1" name="">
+          <a:extLst>
+            <a:ext uri="{FF2B5EF4-FFF2-40B4-BE49-F238E27FC236}">
+              <a16:creationId xmlns:a16="http://schemas.microsoft.com/office/drawing/2014/main" id="{6122786F-D956-A97F-F95A-FA8C2FC3283A}"/>
+            </a:ext>
+          </a:extLst>
+        </p:cNvPr>
+        <p:cNvGrpSpPr/>
+        <p:nvPr/>
+      </p:nvGrpSpPr>
+      <p:grpSpPr>
+        <a:xfrm>
+          <a:off x="0" y="0"/>
+          <a:ext cx="0" cy="0"/>
+          <a:chOff x="0" y="0"/>
+          <a:chExt cx="0" cy="0"/>
+        </a:xfrm>
+      </p:grpSpPr>
+      <p:sp>
+        <p:nvSpPr>
+          <p:cNvPr id="2" name="Title 1">
+            <a:extLst>
+              <a:ext uri="{FF2B5EF4-FFF2-40B4-BE49-F238E27FC236}">
+                <a16:creationId xmlns:a16="http://schemas.microsoft.com/office/drawing/2014/main" id="{C747A603-6584-981E-A1AF-70ECF90CB907}"/>
+              </a:ext>
+            </a:extLst>
+          </p:cNvPr>
+          <p:cNvSpPr>
+            <a:spLocks noGrp="1"/>
+          </p:cNvSpPr>
+          <p:nvPr>
+            <p:ph type="title"/>
+          </p:nvPr>
+        </p:nvSpPr>
+        <p:spPr/>
+        <p:txBody>
+          <a:bodyPr/>
+          <a:lstStyle/>
+          <a:p>
+            <a:r>
+              <a:rPr lang="en-IN" dirty="0"/>
+              <a:t>5. Interpretation of Results</a:t>
+            </a:r>
+          </a:p>
+        </p:txBody>
+      </p:sp>
+      <p:pic>
+        <p:nvPicPr>
+          <p:cNvPr id="11" name="Content Placeholder 10">
+            <a:extLst>
+              <a:ext uri="{FF2B5EF4-FFF2-40B4-BE49-F238E27FC236}">
+                <a16:creationId xmlns:a16="http://schemas.microsoft.com/office/drawing/2014/main" id="{27185E15-D60A-899E-8168-135AEF64F375}"/>
+              </a:ext>
+            </a:extLst>
+          </p:cNvPr>
+          <p:cNvPicPr>
+            <a:picLocks noGrp="1" noChangeAspect="1"/>
+          </p:cNvPicPr>
+          <p:nvPr>
+            <p:ph idx="1"/>
+          </p:nvPr>
+        </p:nvPicPr>
+        <p:blipFill>
+          <a:blip r:embed="rId2"/>
+          <a:stretch>
+            <a:fillRect/>
+          </a:stretch>
+        </p:blipFill>
+        <p:spPr>
+          <a:xfrm>
+            <a:off x="1190652" y="1816691"/>
+            <a:ext cx="6721422" cy="1013548"/>
+          </a:xfrm>
+          <a:prstGeom prst="rect">
+            <a:avLst/>
+          </a:prstGeom>
+        </p:spPr>
+      </p:pic>
+      <p:pic>
+        <p:nvPicPr>
+          <p:cNvPr id="9" name="Picture 8">
+            <a:extLst>
+              <a:ext uri="{FF2B5EF4-FFF2-40B4-BE49-F238E27FC236}">
+                <a16:creationId xmlns:a16="http://schemas.microsoft.com/office/drawing/2014/main" id="{C8C3DCE2-49A7-5C9E-3C94-12389756BA7A}"/>
+              </a:ext>
+            </a:extLst>
+          </p:cNvPr>
+          <p:cNvPicPr>
+            <a:picLocks noChangeAspect="1"/>
+          </p:cNvPicPr>
+          <p:nvPr/>
+        </p:nvPicPr>
+        <p:blipFill>
+          <a:blip r:embed="rId3"/>
+          <a:stretch>
+            <a:fillRect/>
+          </a:stretch>
+        </p:blipFill>
+        <p:spPr>
+          <a:xfrm>
+            <a:off x="1190652" y="2830239"/>
+            <a:ext cx="5551805" cy="3093797"/>
+          </a:xfrm>
+          <a:prstGeom prst="rect">
+            <a:avLst/>
+          </a:prstGeom>
+        </p:spPr>
+      </p:pic>
+    </p:spTree>
+    <p:extLst>
+      <p:ext uri="{BB962C8B-B14F-4D97-AF65-F5344CB8AC3E}">
+        <p14:creationId xmlns:p14="http://schemas.microsoft.com/office/powerpoint/2010/main" val="3886759384"/>
+      </p:ext>
+    </p:extLst>
+  </p:cSld>
+  <p:clrMapOvr>
+    <a:masterClrMapping/>
+  </p:clrMapOvr>
+</p:sld>
+</file>
+
+<file path=ppt/slides/slide7.xml><?xml version="1.0" encoding="utf-8"?>
+<p:sld xmlns:a="http://schemas.openxmlformats.org/drawingml/2006/main" xmlns:r="http://schemas.openxmlformats.org/officeDocument/2006/relationships" xmlns:p="http://schemas.openxmlformats.org/presentationml/2006/main">
+  <p:cSld>
+    <p:spTree>
+      <p:nvGrpSpPr>
+        <p:cNvPr id="1" name="">
+          <a:extLst>
+            <a:ext uri="{FF2B5EF4-FFF2-40B4-BE49-F238E27FC236}">
+              <a16:creationId xmlns:a16="http://schemas.microsoft.com/office/drawing/2014/main" id="{86F5A8E2-48F5-A0A6-5263-9E89EFE30BA3}"/>
+            </a:ext>
+          </a:extLst>
+        </p:cNvPr>
+        <p:cNvGrpSpPr/>
+        <p:nvPr/>
+      </p:nvGrpSpPr>
+      <p:grpSpPr>
+        <a:xfrm>
+          <a:off x="0" y="0"/>
+          <a:ext cx="0" cy="0"/>
+          <a:chOff x="0" y="0"/>
+          <a:chExt cx="0" cy="0"/>
+        </a:xfrm>
+      </p:grpSpPr>
+      <p:sp>
+        <p:nvSpPr>
+          <p:cNvPr id="2" name="Title 1">
+            <a:extLst>
+              <a:ext uri="{FF2B5EF4-FFF2-40B4-BE49-F238E27FC236}">
+                <a16:creationId xmlns:a16="http://schemas.microsoft.com/office/drawing/2014/main" id="{6433B87E-016C-2C1D-157D-29AB96663EC7}"/>
+              </a:ext>
+            </a:extLst>
+          </p:cNvPr>
+          <p:cNvSpPr>
+            <a:spLocks noGrp="1"/>
+          </p:cNvSpPr>
+          <p:nvPr>
+            <p:ph type="title"/>
+          </p:nvPr>
+        </p:nvSpPr>
+        <p:spPr/>
+        <p:txBody>
+          <a:bodyPr/>
+          <a:lstStyle/>
+          <a:p>
+            <a:r>
+              <a:rPr dirty="0"/>
+              <a:t>2. Dataset </a:t>
+            </a:r>
+            <a:r>
+              <a:rPr lang="en-US" dirty="0"/>
+              <a:t>2</a:t>
+            </a:r>
+            <a:r>
+              <a:rPr dirty="0"/>
+              <a:t> – </a:t>
+            </a:r>
+            <a:r>
+              <a:rPr lang="en-IN" dirty="0"/>
+              <a:t>Description</a:t>
+            </a:r>
+            <a:endParaRPr dirty="0"/>
+          </a:p>
+        </p:txBody>
+      </p:sp>
+      <p:sp>
+        <p:nvSpPr>
+          <p:cNvPr id="3" name="Content Placeholder 2">
+            <a:extLst>
+              <a:ext uri="{FF2B5EF4-FFF2-40B4-BE49-F238E27FC236}">
+                <a16:creationId xmlns:a16="http://schemas.microsoft.com/office/drawing/2014/main" id="{C2BAAE58-99A5-EFB4-041C-FA84FD150A3D}"/>
+              </a:ext>
+            </a:extLst>
+          </p:cNvPr>
+          <p:cNvSpPr>
+            <a:spLocks noGrp="1"/>
+          </p:cNvSpPr>
+          <p:nvPr>
+            <p:ph idx="1"/>
+          </p:nvPr>
+        </p:nvSpPr>
+        <p:spPr/>
+        <p:txBody>
+          <a:bodyPr/>
+          <a:lstStyle/>
+          <a:p>
+            <a:r>
+              <a:rPr lang="en-IN" dirty="0"/>
+              <a:t>Source </a:t>
+            </a:r>
+            <a:r>
+              <a:rPr lang="en-US" dirty="0"/>
+              <a:t>: Kaggle (https://www.kaggle.com/datasets/uom190346a/e-commerce-customer-behavior-dataset)</a:t>
+            </a:r>
+            <a:endParaRPr dirty="0"/>
+          </a:p>
+          <a:p>
+            <a:r>
+              <a:rPr dirty="0"/>
+              <a:t>Number of samples </a:t>
+            </a:r>
+            <a:r>
+              <a:rPr lang="en-US" dirty="0"/>
+              <a:t>(350) ;</a:t>
+            </a:r>
+            <a:r>
+              <a:rPr dirty="0"/>
+              <a:t> features</a:t>
+            </a:r>
+            <a:r>
+              <a:rPr lang="en-US" dirty="0"/>
+              <a:t> (11)</a:t>
+            </a:r>
+            <a:endParaRPr dirty="0"/>
+          </a:p>
+          <a:p>
+            <a:r>
+              <a:rPr dirty="0"/>
+              <a:t>Feature descriptions</a:t>
+            </a:r>
+            <a:r>
+              <a:rPr lang="en-US" dirty="0"/>
+              <a:t> : A specific consumer, capturing their demographic details, membership status, and overall spending habits.</a:t>
+            </a:r>
+            <a:endParaRPr dirty="0"/>
+          </a:p>
+          <a:p>
+            <a:r>
+              <a:rPr lang="en-IN" dirty="0"/>
+              <a:t>Preprocessing steps : encoding (binary, ordinal), imputation (median), standard scaler</a:t>
+            </a:r>
+          </a:p>
+          <a:p>
+            <a:r>
+              <a:rPr lang="en-IN" dirty="0"/>
+              <a:t>Train–test split details : 80:20 train test split, random state 42</a:t>
+            </a:r>
+          </a:p>
+        </p:txBody>
+      </p:sp>
+    </p:spTree>
+    <p:extLst>
+      <p:ext uri="{BB962C8B-B14F-4D97-AF65-F5344CB8AC3E}">
+        <p14:creationId xmlns:p14="http://schemas.microsoft.com/office/powerpoint/2010/main" val="433571215"/>
+      </p:ext>
+    </p:extLst>
   </p:cSld>
   <p:clrMapOvr>
     <a:masterClrMapping/>
@@ -6594,7 +6797,7 @@
         <p:cNvPr id="1" name="">
           <a:extLst>
             <a:ext uri="{FF2B5EF4-FFF2-40B4-BE49-F238E27FC236}">
-              <a16:creationId xmlns:a16="http://schemas.microsoft.com/office/drawing/2014/main" id="{EF91C4D9-D64F-031D-0E50-AB97B8C59642}"/>
+              <a16:creationId xmlns:a16="http://schemas.microsoft.com/office/drawing/2014/main" id="{716CB5F5-16EE-FDE2-F6BC-36B7D8029B2B}"/>
             </a:ext>
           </a:extLst>
         </p:cNvPr>
@@ -6614,7 +6817,7 @@
           <p:cNvPr id="2" name="Title 1">
             <a:extLst>
               <a:ext uri="{FF2B5EF4-FFF2-40B4-BE49-F238E27FC236}">
-                <a16:creationId xmlns:a16="http://schemas.microsoft.com/office/drawing/2014/main" id="{EFA49A61-DABE-49BF-D6FD-FEBB1B423ACB}"/>
+                <a16:creationId xmlns:a16="http://schemas.microsoft.com/office/drawing/2014/main" id="{D9038BC2-F8BD-BEF2-DA23-618C16073E66}"/>
               </a:ext>
             </a:extLst>
           </p:cNvPr>
@@ -6627,16 +6830,18 @@
         </p:nvSpPr>
         <p:spPr/>
         <p:txBody>
-          <a:bodyPr/>
+          <a:bodyPr>
+            <a:normAutofit/>
+          </a:bodyPr>
           <a:lstStyle/>
           <a:p>
             <a:r>
               <a:rPr dirty="0"/>
-              <a:t>3. Models Used for Dataset </a:t>
-            </a:r>
-            <a:r>
-              <a:rPr lang="en-US" dirty="0"/>
-              <a:t>3</a:t>
+              <a:t>4. Result Analysis – Dataset 1</a:t>
+            </a:r>
+            <a:r>
+              <a:rPr lang="en-IN" dirty="0"/>
+              <a:t> (if classification)</a:t>
             </a:r>
             <a:endParaRPr dirty="0"/>
           </a:p>
@@ -6647,7 +6852,7 @@
           <p:cNvPr id="3" name="Content Placeholder 2">
             <a:extLst>
               <a:ext uri="{FF2B5EF4-FFF2-40B4-BE49-F238E27FC236}">
-                <a16:creationId xmlns:a16="http://schemas.microsoft.com/office/drawing/2014/main" id="{901A7287-AA3D-A15C-5110-05AA3AFDF2CA}"/>
+                <a16:creationId xmlns:a16="http://schemas.microsoft.com/office/drawing/2014/main" id="{E1656AB4-D375-F4F3-2CB0-D5E595C328DE}"/>
               </a:ext>
             </a:extLst>
           </p:cNvPr>
@@ -6658,250 +6863,41 @@
             <p:ph idx="1"/>
           </p:nvPr>
         </p:nvSpPr>
-        <p:spPr>
-          <a:xfrm>
-            <a:off x="5895325" y="4259179"/>
-            <a:ext cx="4006666" cy="1613108"/>
-          </a:xfrm>
-        </p:spPr>
-        <p:txBody>
-          <a:bodyPr>
-            <a:normAutofit/>
-          </a:bodyPr>
-          <a:lstStyle/>
-          <a:p>
-            <a:pPr marL="0" indent="0">
-              <a:buNone/>
-            </a:pPr>
-            <a:r>
-              <a:rPr b="1" dirty="0"/>
-              <a:t>Frameworks used</a:t>
-            </a:r>
-            <a:endParaRPr lang="en-US" b="1" dirty="0"/>
-          </a:p>
-          <a:p>
-            <a:pPr marL="0" indent="0">
-              <a:buNone/>
-            </a:pPr>
+        <p:spPr/>
+        <p:txBody>
+          <a:bodyPr/>
+          <a:lstStyle/>
+          <a:p>
             <a:r>
               <a:rPr lang="en-IN" dirty="0"/>
-              <a:t>Python, scikit-learn, pandas, </a:t>
-            </a:r>
-            <a:r>
-              <a:rPr lang="en-IN" dirty="0" err="1"/>
-              <a:t>numpy</a:t>
-            </a:r>
+              <a:t>Confusion Matrix</a:t>
+            </a:r>
+          </a:p>
+          <a:p>
+            <a:r>
+              <a:rPr lang="en-US" dirty="0"/>
+              <a:t>Accuracy, Precision, Recall, Specificity, F1</a:t>
+            </a:r>
+          </a:p>
+          <a:p>
             <a:r>
               <a:rPr lang="en-IN" dirty="0"/>
-              <a:t>, matplotlib, seaborn, </a:t>
-            </a:r>
-            <a:r>
-              <a:rPr lang="en-IN" dirty="0" err="1"/>
-              <a:t>scipy</a:t>
+              <a:t>ROC-AUC, PR-AUC</a:t>
+            </a:r>
+          </a:p>
+          <a:p>
+            <a:r>
+              <a:rPr lang="en-IN" dirty="0"/>
+              <a:t>ROC, PR Curves</a:t>
             </a:r>
             <a:endParaRPr dirty="0"/>
-          </a:p>
-        </p:txBody>
-      </p:sp>
-      <p:sp>
-        <p:nvSpPr>
-          <p:cNvPr id="5" name="TextBox 4">
-            <a:extLst>
-              <a:ext uri="{FF2B5EF4-FFF2-40B4-BE49-F238E27FC236}">
-                <a16:creationId xmlns:a16="http://schemas.microsoft.com/office/drawing/2014/main" id="{4631BC1B-D7C7-3763-114F-EE26F958D42F}"/>
-              </a:ext>
-            </a:extLst>
-          </p:cNvPr>
-          <p:cNvSpPr txBox="1"/>
-          <p:nvPr/>
-        </p:nvSpPr>
-        <p:spPr>
-          <a:xfrm>
-            <a:off x="5790197" y="1951672"/>
-            <a:ext cx="6093994" cy="1477328"/>
-          </a:xfrm>
-          <a:prstGeom prst="rect">
-            <a:avLst/>
-          </a:prstGeom>
-          <a:noFill/>
-        </p:spPr>
-        <p:txBody>
-          <a:bodyPr wrap="square">
-            <a:spAutoFit/>
-          </a:bodyPr>
-          <a:lstStyle/>
-          <a:p>
-            <a:r>
-              <a:rPr lang="en-US" b="1" dirty="0"/>
-              <a:t>Reason for choosing each model</a:t>
-            </a:r>
-          </a:p>
-          <a:p>
-            <a:r>
-              <a:rPr lang="en-US" dirty="0"/>
-              <a:t>K-Means: Good for creating spherical, distinct clusters.</a:t>
-            </a:r>
-          </a:p>
-          <a:p>
-            <a:r>
-              <a:rPr lang="en-US" dirty="0"/>
-              <a:t>Hierarchical: For visualizing relationships, helps determine optimal cluster count.</a:t>
-            </a:r>
-          </a:p>
-          <a:p>
-            <a:r>
-              <a:rPr lang="en-US" dirty="0"/>
-              <a:t>DBSCAN: Good for arbitrary shapes and outlier detection.</a:t>
-            </a:r>
-          </a:p>
-        </p:txBody>
-      </p:sp>
-      <p:sp>
-        <p:nvSpPr>
-          <p:cNvPr id="7" name="TextBox 6">
-            <a:extLst>
-              <a:ext uri="{FF2B5EF4-FFF2-40B4-BE49-F238E27FC236}">
-                <a16:creationId xmlns:a16="http://schemas.microsoft.com/office/drawing/2014/main" id="{2F7AEDA4-B089-A8CE-9F7B-4DA4A4436308}"/>
-              </a:ext>
-            </a:extLst>
-          </p:cNvPr>
-          <p:cNvSpPr txBox="1"/>
-          <p:nvPr/>
-        </p:nvSpPr>
-        <p:spPr>
-          <a:xfrm>
-            <a:off x="396742" y="2069265"/>
-            <a:ext cx="5149816" cy="1200329"/>
-          </a:xfrm>
-          <a:prstGeom prst="rect">
-            <a:avLst/>
-          </a:prstGeom>
-          <a:noFill/>
-        </p:spPr>
-        <p:txBody>
-          <a:bodyPr wrap="square">
-            <a:spAutoFit/>
-          </a:bodyPr>
-          <a:lstStyle/>
-          <a:p>
-            <a:r>
-              <a:rPr lang="en-US" b="1" dirty="0"/>
-              <a:t>List of models applied</a:t>
-            </a:r>
-          </a:p>
-          <a:p>
-            <a:r>
-              <a:rPr lang="en-US" dirty="0"/>
-              <a:t>K-Means</a:t>
-            </a:r>
-          </a:p>
-          <a:p>
-            <a:r>
-              <a:rPr lang="en-US" dirty="0"/>
-              <a:t>Agglomerate</a:t>
-            </a:r>
-          </a:p>
-          <a:p>
-            <a:r>
-              <a:rPr lang="en-US" dirty="0"/>
-              <a:t>DBSCAN </a:t>
-            </a:r>
-            <a:endParaRPr lang="en-IN" dirty="0"/>
-          </a:p>
-        </p:txBody>
-      </p:sp>
-      <p:sp>
-        <p:nvSpPr>
-          <p:cNvPr id="9" name="TextBox 8">
-            <a:extLst>
-              <a:ext uri="{FF2B5EF4-FFF2-40B4-BE49-F238E27FC236}">
-                <a16:creationId xmlns:a16="http://schemas.microsoft.com/office/drawing/2014/main" id="{00F5AA22-4FA7-8340-64CA-F8A9D2C6659B}"/>
-              </a:ext>
-            </a:extLst>
-          </p:cNvPr>
-          <p:cNvSpPr txBox="1"/>
-          <p:nvPr/>
-        </p:nvSpPr>
-        <p:spPr>
-          <a:xfrm>
-            <a:off x="396742" y="4188570"/>
-            <a:ext cx="5393455" cy="1754326"/>
-          </a:xfrm>
-          <a:prstGeom prst="rect">
-            <a:avLst/>
-          </a:prstGeom>
-          <a:noFill/>
-        </p:spPr>
-        <p:txBody>
-          <a:bodyPr wrap="square">
-            <a:spAutoFit/>
-          </a:bodyPr>
-          <a:lstStyle/>
-          <a:p>
-            <a:r>
-              <a:rPr lang="en-US" b="1" dirty="0"/>
-              <a:t>Hyperparameters</a:t>
-            </a:r>
-          </a:p>
-          <a:p>
-            <a:r>
-              <a:rPr lang="en-US" dirty="0"/>
-              <a:t>K-Means: </a:t>
-            </a:r>
-            <a:r>
-              <a:rPr lang="en-US" dirty="0" err="1"/>
-              <a:t>n_clusters</a:t>
-            </a:r>
-            <a:r>
-              <a:rPr lang="en-US" dirty="0"/>
-              <a:t>=3, </a:t>
-            </a:r>
-            <a:r>
-              <a:rPr lang="en-US" dirty="0" err="1"/>
-              <a:t>init</a:t>
-            </a:r>
-            <a:r>
-              <a:rPr lang="en-US" dirty="0"/>
-              <a:t>='k-means++', </a:t>
-            </a:r>
-            <a:r>
-              <a:rPr lang="en-US" dirty="0" err="1"/>
-              <a:t>n_init</a:t>
-            </a:r>
-            <a:r>
-              <a:rPr lang="en-US" dirty="0"/>
-              <a:t>=10, </a:t>
-            </a:r>
-            <a:r>
-              <a:rPr lang="en-US" dirty="0" err="1"/>
-              <a:t>random_state</a:t>
-            </a:r>
-            <a:r>
-              <a:rPr lang="en-US" dirty="0"/>
-              <a:t>=42</a:t>
-            </a:r>
-          </a:p>
-          <a:p>
-            <a:r>
-              <a:rPr lang="en-US" dirty="0"/>
-              <a:t>Hierarchical: Default</a:t>
-            </a:r>
-          </a:p>
-          <a:p>
-            <a:r>
-              <a:rPr lang="en-US" dirty="0"/>
-              <a:t>DBSCAN: Default</a:t>
-            </a:r>
-          </a:p>
-          <a:p>
-            <a:endParaRPr lang="en-US" dirty="0"/>
           </a:p>
         </p:txBody>
       </p:sp>
     </p:spTree>
     <p:extLst>
       <p:ext uri="{BB962C8B-B14F-4D97-AF65-F5344CB8AC3E}">
-        <p14:creationId xmlns:p14="http://schemas.microsoft.com/office/powerpoint/2010/main" val="558791599"/>
+        <p14:creationId xmlns:p14="http://schemas.microsoft.com/office/powerpoint/2010/main" val="3198863659"/>
       </p:ext>
     </p:extLst>
   </p:cSld>

--- a/docs/23CSE301_A8.pptx
+++ b/docs/23CSE301_A8.pptx
@@ -4041,7 +4041,7 @@
           <a:p>
             <a:r>
               <a:rPr lang="en-IN" dirty="0"/>
-              <a:t>5. Interpretation of Results</a:t>
+              <a:t>9. Interpretation of Results</a:t>
             </a:r>
           </a:p>
         </p:txBody>
@@ -4129,8 +4129,12 @@
           <a:lstStyle/>
           <a:p>
             <a:r>
+              <a:rPr lang="en-US" dirty="0"/>
+              <a:t>10</a:t>
+            </a:r>
+            <a:r>
               <a:rPr dirty="0"/>
-              <a:t>2. Dataset </a:t>
+              <a:t>. Dataset </a:t>
             </a:r>
             <a:r>
               <a:rPr lang="en-US" dirty="0"/>
@@ -4310,8 +4314,12 @@
           <a:lstStyle/>
           <a:p>
             <a:r>
+              <a:rPr lang="en-US" dirty="0"/>
+              <a:t>11</a:t>
+            </a:r>
+            <a:r>
               <a:rPr dirty="0"/>
-              <a:t>3. Models Used for Dataset </a:t>
+              <a:t>. Models Used for Dataset </a:t>
             </a:r>
             <a:r>
               <a:rPr lang="en-US" dirty="0"/>
@@ -4637,8 +4645,16 @@
           <a:lstStyle/>
           <a:p>
             <a:r>
+              <a:rPr lang="en-US" dirty="0"/>
+              <a:t>12</a:t>
+            </a:r>
+            <a:r>
               <a:rPr dirty="0"/>
-              <a:t>4. Result Analysis – Dataset 1</a:t>
+              <a:t>. Result Analysis – Dataset </a:t>
+            </a:r>
+            <a:r>
+              <a:rPr lang="en-US" dirty="0"/>
+              <a:t>3</a:t>
             </a:r>
             <a:r>
               <a:rPr lang="en-IN" dirty="0"/>
@@ -4748,7 +4764,7 @@
           <a:p>
             <a:r>
               <a:rPr lang="en-IN" dirty="0"/>
-              <a:t>5. Interpretation of Results</a:t>
+              <a:t>13. Interpretation of Results</a:t>
             </a:r>
           </a:p>
         </p:txBody>
@@ -4836,8 +4852,12 @@
           <a:lstStyle/>
           <a:p>
             <a:r>
+              <a:rPr lang="en-US" dirty="0"/>
+              <a:t>14</a:t>
+            </a:r>
+            <a:r>
               <a:rPr dirty="0"/>
-              <a:t>2. Dataset </a:t>
+              <a:t>. Dataset </a:t>
             </a:r>
             <a:r>
               <a:rPr lang="en-US" dirty="0"/>
@@ -5028,8 +5048,12 @@
           <a:lstStyle/>
           <a:p>
             <a:r>
+              <a:rPr lang="en-US" dirty="0"/>
+              <a:t>15</a:t>
+            </a:r>
+            <a:r>
               <a:rPr dirty="0"/>
-              <a:t>3. Models Used for Dataset </a:t>
+              <a:t>. Models Used for Dataset </a:t>
             </a:r>
             <a:r>
               <a:rPr lang="en-US" dirty="0"/>
@@ -5346,8 +5370,16 @@
           <a:lstStyle/>
           <a:p>
             <a:r>
+              <a:rPr lang="en-US" dirty="0"/>
+              <a:t>16</a:t>
+            </a:r>
+            <a:r>
               <a:rPr dirty="0"/>
-              <a:t>4. Result Analysis – Dataset 1</a:t>
+              <a:t>. Result Analysis – Dataset </a:t>
+            </a:r>
+            <a:r>
+              <a:rPr lang="en-US" dirty="0"/>
+              <a:t>4</a:t>
             </a:r>
             <a:r>
               <a:rPr lang="en-IN" dirty="0"/>
@@ -5463,7 +5495,7 @@
           <a:p>
             <a:r>
               <a:rPr lang="en-IN" dirty="0"/>
-              <a:t>5. Interpretation of Results</a:t>
+              <a:t>17. Interpretation of Results</a:t>
             </a:r>
           </a:p>
         </p:txBody>
@@ -5540,7 +5572,7 @@
           <a:p>
             <a:r>
               <a:rPr lang="en-IN" dirty="0"/>
-              <a:t>7</a:t>
+              <a:t>18</a:t>
             </a:r>
             <a:r>
               <a:rPr dirty="0"/>
@@ -6380,8 +6412,12 @@
           <a:lstStyle/>
           <a:p>
             <a:r>
+              <a:rPr lang="en-US" dirty="0"/>
+              <a:t>6</a:t>
+            </a:r>
+            <a:r>
               <a:rPr dirty="0"/>
-              <a:t>2. Dataset </a:t>
+              <a:t>. Dataset </a:t>
             </a:r>
             <a:r>
               <a:rPr lang="en-US" dirty="0"/>
@@ -6532,8 +6568,12 @@
           <a:lstStyle/>
           <a:p>
             <a:r>
+              <a:rPr lang="en-US" dirty="0"/>
+              <a:t>7</a:t>
+            </a:r>
+            <a:r>
               <a:rPr dirty="0"/>
-              <a:t>3. Models Used for Dataset </a:t>
+              <a:t>. Models Used for Dataset </a:t>
             </a:r>
             <a:r>
               <a:rPr lang="en-US" dirty="0"/>
@@ -6836,8 +6876,16 @@
           <a:lstStyle/>
           <a:p>
             <a:r>
+              <a:rPr lang="en-US" dirty="0"/>
+              <a:t>8</a:t>
+            </a:r>
+            <a:r>
               <a:rPr dirty="0"/>
-              <a:t>4. Result Analysis – Dataset 1</a:t>
+              <a:t>. Result Analysis – Dataset </a:t>
+            </a:r>
+            <a:r>
+              <a:rPr lang="en-US" dirty="0"/>
+              <a:t>2</a:t>
             </a:r>
             <a:r>
               <a:rPr lang="en-IN" dirty="0"/>

--- a/docs/23CSE301_A8.pptx
+++ b/docs/23CSE301_A8.pptx
@@ -6214,7 +6214,12 @@
             <p:ph type="title"/>
           </p:nvPr>
         </p:nvSpPr>
-        <p:spPr/>
+        <p:spPr>
+          <a:xfrm>
+            <a:off x="1097279" y="286603"/>
+            <a:ext cx="10155739" cy="539307"/>
+          </a:xfrm>
+        </p:spPr>
         <p:txBody>
           <a:bodyPr>
             <a:normAutofit/>
@@ -6222,17 +6227,102 @@
           <a:lstStyle/>
           <a:p>
             <a:r>
-              <a:rPr dirty="0"/>
+              <a:rPr sz="2800" dirty="0"/>
               <a:t>4. Result Analysis – Dataset 1</a:t>
             </a:r>
-            <a:r>
-              <a:rPr lang="en-IN" dirty="0"/>
-              <a:t> (if classification)</a:t>
-            </a:r>
-            <a:endParaRPr dirty="0"/>
-          </a:p>
-        </p:txBody>
-      </p:sp>
+          </a:p>
+        </p:txBody>
+      </p:sp>
+      <p:pic>
+        <p:nvPicPr>
+          <p:cNvPr id="8" name="Picture 7">
+            <a:extLst>
+              <a:ext uri="{FF2B5EF4-FFF2-40B4-BE49-F238E27FC236}">
+                <a16:creationId xmlns:a16="http://schemas.microsoft.com/office/drawing/2014/main" id="{49FF210F-B23D-6264-90F7-5CD5C59F5085}"/>
+              </a:ext>
+            </a:extLst>
+          </p:cNvPr>
+          <p:cNvPicPr>
+            <a:picLocks noChangeAspect="1"/>
+          </p:cNvPicPr>
+          <p:nvPr/>
+        </p:nvPicPr>
+        <p:blipFill>
+          <a:blip r:embed="rId2"/>
+          <a:stretch>
+            <a:fillRect/>
+          </a:stretch>
+        </p:blipFill>
+        <p:spPr>
+          <a:xfrm>
+            <a:off x="252036" y="1945239"/>
+            <a:ext cx="3878645" cy="3305188"/>
+          </a:xfrm>
+          <a:prstGeom prst="rect">
+            <a:avLst/>
+          </a:prstGeom>
+        </p:spPr>
+      </p:pic>
+      <p:pic>
+        <p:nvPicPr>
+          <p:cNvPr id="10" name="Picture 9">
+            <a:extLst>
+              <a:ext uri="{FF2B5EF4-FFF2-40B4-BE49-F238E27FC236}">
+                <a16:creationId xmlns:a16="http://schemas.microsoft.com/office/drawing/2014/main" id="{79F1BF3B-F0BE-9384-386B-D497FAEC04A2}"/>
+              </a:ext>
+            </a:extLst>
+          </p:cNvPr>
+          <p:cNvPicPr>
+            <a:picLocks noChangeAspect="1"/>
+          </p:cNvPicPr>
+          <p:nvPr/>
+        </p:nvPicPr>
+        <p:blipFill>
+          <a:blip r:embed="rId3"/>
+          <a:stretch>
+            <a:fillRect/>
+          </a:stretch>
+        </p:blipFill>
+        <p:spPr>
+          <a:xfrm>
+            <a:off x="4256534" y="1945238"/>
+            <a:ext cx="3832395" cy="3305187"/>
+          </a:xfrm>
+          <a:prstGeom prst="rect">
+            <a:avLst/>
+          </a:prstGeom>
+        </p:spPr>
+      </p:pic>
+      <p:pic>
+        <p:nvPicPr>
+          <p:cNvPr id="12" name="Picture 11">
+            <a:extLst>
+              <a:ext uri="{FF2B5EF4-FFF2-40B4-BE49-F238E27FC236}">
+                <a16:creationId xmlns:a16="http://schemas.microsoft.com/office/drawing/2014/main" id="{18C7B5B8-2830-B12B-F7D4-14A5BF3D3F7D}"/>
+              </a:ext>
+            </a:extLst>
+          </p:cNvPr>
+          <p:cNvPicPr>
+            <a:picLocks noChangeAspect="1"/>
+          </p:cNvPicPr>
+          <p:nvPr/>
+        </p:nvPicPr>
+        <p:blipFill>
+          <a:blip r:embed="rId4"/>
+          <a:stretch>
+            <a:fillRect/>
+          </a:stretch>
+        </p:blipFill>
+        <p:spPr>
+          <a:xfrm>
+            <a:off x="8214783" y="1984649"/>
+            <a:ext cx="3725181" cy="3265776"/>
+          </a:xfrm>
+          <a:prstGeom prst="rect">
+            <a:avLst/>
+          </a:prstGeom>
+        </p:spPr>
+      </p:pic>
     </p:spTree>
   </p:cSld>
   <p:clrMapOvr>
@@ -6347,7 +6437,7 @@
         <p:spPr>
           <a:xfrm>
             <a:off x="1190652" y="2830239"/>
-            <a:ext cx="5551805" cy="3093797"/>
+            <a:ext cx="5918071" cy="3297902"/>
           </a:xfrm>
           <a:prstGeom prst="rect">
             <a:avLst/>

--- a/docs/23CSE301_A8.pptx
+++ b/docs/23CSE301_A8.pptx
@@ -6204,35 +6204,6 @@
           <a:chExt cx="0" cy="0"/>
         </a:xfrm>
       </p:grpSpPr>
-      <p:sp>
-        <p:nvSpPr>
-          <p:cNvPr id="2" name="Title 1"/>
-          <p:cNvSpPr>
-            <a:spLocks noGrp="1"/>
-          </p:cNvSpPr>
-          <p:nvPr>
-            <p:ph type="title"/>
-          </p:nvPr>
-        </p:nvSpPr>
-        <p:spPr>
-          <a:xfrm>
-            <a:off x="1097279" y="286603"/>
-            <a:ext cx="10155739" cy="539307"/>
-          </a:xfrm>
-        </p:spPr>
-        <p:txBody>
-          <a:bodyPr>
-            <a:normAutofit/>
-          </a:bodyPr>
-          <a:lstStyle/>
-          <a:p>
-            <a:r>
-              <a:rPr sz="2800" dirty="0"/>
-              <a:t>4. Result Analysis – Dataset 1</a:t>
-            </a:r>
-          </a:p>
-        </p:txBody>
-      </p:sp>
       <p:pic>
         <p:nvPicPr>
           <p:cNvPr id="8" name="Picture 7">
@@ -6323,6 +6294,50 @@
           </a:prstGeom>
         </p:spPr>
       </p:pic>
+      <p:sp>
+        <p:nvSpPr>
+          <p:cNvPr id="5" name="Title 1">
+            <a:extLst>
+              <a:ext uri="{FF2B5EF4-FFF2-40B4-BE49-F238E27FC236}">
+                <a16:creationId xmlns:a16="http://schemas.microsoft.com/office/drawing/2014/main" id="{44E186A4-1A76-40FB-77B7-F3259E1C97FC}"/>
+              </a:ext>
+            </a:extLst>
+          </p:cNvPr>
+          <p:cNvSpPr>
+            <a:spLocks noGrp="1"/>
+          </p:cNvSpPr>
+          <p:nvPr>
+            <p:ph type="title"/>
+          </p:nvPr>
+        </p:nvSpPr>
+        <p:spPr>
+          <a:xfrm>
+            <a:off x="1097280" y="286603"/>
+            <a:ext cx="10058400" cy="1450757"/>
+          </a:xfrm>
+        </p:spPr>
+        <p:txBody>
+          <a:bodyPr>
+            <a:normAutofit/>
+          </a:bodyPr>
+          <a:lstStyle/>
+          <a:p>
+            <a:r>
+              <a:rPr lang="en-US" dirty="0"/>
+              <a:t>8</a:t>
+            </a:r>
+            <a:r>
+              <a:rPr dirty="0"/>
+              <a:t>. Result Analysis – Dataset </a:t>
+            </a:r>
+            <a:r>
+              <a:rPr lang="en-US" dirty="0"/>
+              <a:t>1</a:t>
+            </a:r>
+            <a:endParaRPr dirty="0"/>
+          </a:p>
+        </p:txBody>
+      </p:sp>
     </p:spTree>
   </p:cSld>
   <p:clrMapOvr>
@@ -6971,15 +6986,14 @@
             </a:r>
             <a:r>
               <a:rPr dirty="0"/>
-              <a:t>. Result Analysis – Dataset </a:t>
-            </a:r>
-            <a:r>
-              <a:rPr lang="en-US" dirty="0"/>
+              <a:t>. Result Analysis – </a:t>
+            </a:r>
+            <a:r>
+              <a:t>Dataset </a:t>
+            </a:r>
+            <a:r>
+              <a:rPr lang="en-US"/>
               <a:t>2</a:t>
-            </a:r>
-            <a:r>
-              <a:rPr lang="en-IN" dirty="0"/>
-              <a:t> (if classification)</a:t>
             </a:r>
             <a:endParaRPr dirty="0"/>
           </a:p>

--- a/docs/23CSE301_A8.pptx
+++ b/docs/23CSE301_A8.pptx
@@ -17,8 +17,8 @@
     <p:sldId id="281" r:id="rId11"/>
     <p:sldId id="271" r:id="rId12"/>
     <p:sldId id="274" r:id="rId13"/>
-    <p:sldId id="276" r:id="rId14"/>
-    <p:sldId id="269" r:id="rId15"/>
+    <p:sldId id="283" r:id="rId14"/>
+    <p:sldId id="282" r:id="rId15"/>
     <p:sldId id="272" r:id="rId16"/>
     <p:sldId id="275" r:id="rId17"/>
     <p:sldId id="277" r:id="rId18"/>
@@ -4603,13 +4603,7 @@
   <p:cSld>
     <p:spTree>
       <p:nvGrpSpPr>
-        <p:cNvPr id="1" name="">
-          <a:extLst>
-            <a:ext uri="{FF2B5EF4-FFF2-40B4-BE49-F238E27FC236}">
-              <a16:creationId xmlns:a16="http://schemas.microsoft.com/office/drawing/2014/main" id="{B669D9E3-6FCF-175F-B057-1B12EB1AFD9B}"/>
-            </a:ext>
-          </a:extLst>
-        </p:cNvPr>
+        <p:cNvPr id="1" name=""/>
         <p:cNvGrpSpPr/>
         <p:nvPr/>
       </p:nvGrpSpPr>
@@ -4623,13 +4617,7 @@
       </p:grpSpPr>
       <p:sp>
         <p:nvSpPr>
-          <p:cNvPr id="2" name="Title 1">
-            <a:extLst>
-              <a:ext uri="{FF2B5EF4-FFF2-40B4-BE49-F238E27FC236}">
-                <a16:creationId xmlns:a16="http://schemas.microsoft.com/office/drawing/2014/main" id="{D1D2AE70-1334-379B-4211-2A0E8BFAB033}"/>
-              </a:ext>
-            </a:extLst>
-          </p:cNvPr>
+          <p:cNvPr id="125" name="PlaceHolder 1"/>
           <p:cNvSpPr>
             <a:spLocks noGrp="1"/>
           </p:cNvSpPr>
@@ -4637,86 +4625,206 @@
             <p:ph type="title"/>
           </p:nvPr>
         </p:nvSpPr>
-        <p:spPr/>
-        <p:txBody>
-          <a:bodyPr>
+        <p:spPr>
+          <a:xfrm>
+            <a:off x="1097280" y="286560"/>
+            <a:ext cx="10058040" cy="1450440"/>
+          </a:xfrm>
+          <a:prstGeom prst="rect">
+            <a:avLst/>
+          </a:prstGeom>
+          <a:noFill/>
+          <a:ln w="0">
+            <a:noFill/>
+          </a:ln>
+        </p:spPr>
+        <p:txBody>
+          <a:bodyPr anchor="b">
             <a:normAutofit/>
           </a:bodyPr>
           <a:lstStyle/>
           <a:p>
-            <a:r>
-              <a:rPr lang="en-US" dirty="0"/>
-              <a:t>12</a:t>
-            </a:r>
-            <a:r>
-              <a:rPr dirty="0"/>
-              <a:t>. Result Analysis – Dataset </a:t>
-            </a:r>
-            <a:r>
-              <a:rPr lang="en-US" dirty="0"/>
-              <a:t>3</a:t>
-            </a:r>
-            <a:r>
-              <a:rPr lang="en-IN" dirty="0"/>
+            <a:pPr>
+              <a:lnSpc>
+                <a:spcPct val="85000"/>
+              </a:lnSpc>
+              <a:buNone/>
+            </a:pPr>
+            <a:r>
+              <a:rPr lang="en-US" sz="4800" b="0" strike="noStrike" spc="-52" dirty="0">
+                <a:solidFill>
+                  <a:srgbClr val="404040"/>
+                </a:solidFill>
+                <a:latin typeface="Bahnschrift"/>
+              </a:rPr>
+              <a:t>12. Result Analysis – Dataset 3</a:t>
+            </a:r>
+            <a:r>
+              <a:rPr lang="en-IN" sz="4800" b="0" strike="noStrike" spc="-52" dirty="0">
+                <a:solidFill>
+                  <a:srgbClr val="404040"/>
+                </a:solidFill>
+                <a:latin typeface="Bahnschrift"/>
+              </a:rPr>
               <a:t> (if classification)</a:t>
             </a:r>
-            <a:endParaRPr dirty="0"/>
-          </a:p>
-        </p:txBody>
-      </p:sp>
-      <p:sp>
-        <p:nvSpPr>
-          <p:cNvPr id="3" name="Content Placeholder 2">
-            <a:extLst>
-              <a:ext uri="{FF2B5EF4-FFF2-40B4-BE49-F238E27FC236}">
-                <a16:creationId xmlns:a16="http://schemas.microsoft.com/office/drawing/2014/main" id="{16D544E1-3DB3-6DD4-F16E-941C7791D910}"/>
-              </a:ext>
-            </a:extLst>
-          </p:cNvPr>
-          <p:cNvSpPr>
-            <a:spLocks noGrp="1"/>
-          </p:cNvSpPr>
-          <p:nvPr>
-            <p:ph idx="1"/>
-          </p:nvPr>
-        </p:nvSpPr>
-        <p:spPr/>
-        <p:txBody>
-          <a:bodyPr/>
-          <a:lstStyle/>
-          <a:p>
-            <a:r>
-              <a:rPr lang="en-IN" dirty="0"/>
-              <a:t>Confusion Matrix</a:t>
-            </a:r>
-          </a:p>
-          <a:p>
-            <a:r>
-              <a:rPr lang="en-US" dirty="0"/>
-              <a:t>Accuracy, Precision, Recall, Specificity, F1</a:t>
-            </a:r>
-          </a:p>
-          <a:p>
-            <a:r>
-              <a:rPr lang="en-IN" dirty="0"/>
-              <a:t>ROC-AUC, PR-AUC</a:t>
-            </a:r>
-          </a:p>
-          <a:p>
-            <a:r>
-              <a:rPr lang="en-IN" dirty="0"/>
-              <a:t>ROC, PR Curves</a:t>
-            </a:r>
-            <a:endParaRPr dirty="0"/>
+            <a:endParaRPr lang="en-US" sz="4800" b="0" strike="noStrike" spc="-1" dirty="0">
+              <a:solidFill>
+                <a:srgbClr val="000000"/>
+              </a:solidFill>
+              <a:latin typeface="Bahnschrift Light SemiCondensed"/>
+            </a:endParaRPr>
+          </a:p>
+        </p:txBody>
+      </p:sp>
+      <p:sp>
+        <p:nvSpPr>
+          <p:cNvPr id="126" name="PlaceHolder 2"/>
+          <p:cNvSpPr>
+            <a:spLocks noGrp="1"/>
+          </p:cNvSpPr>
+          <p:nvPr>
+            <p:ph/>
+          </p:nvPr>
+        </p:nvSpPr>
+        <p:spPr>
+          <a:xfrm>
+            <a:off x="1097280" y="1809720"/>
+            <a:ext cx="6642720" cy="4023000"/>
+          </a:xfrm>
+          <a:prstGeom prst="rect">
+            <a:avLst/>
+          </a:prstGeom>
+          <a:noFill/>
+          <a:ln w="0">
+            <a:noFill/>
+          </a:ln>
+        </p:spPr>
+        <p:txBody>
+          <a:bodyPr lIns="0" rIns="0" anchor="t">
+            <a:noAutofit/>
+          </a:bodyPr>
+          <a:lstStyle/>
+          <a:p>
+            <a:pPr>
+              <a:lnSpc>
+                <a:spcPct val="90000"/>
+              </a:lnSpc>
+              <a:spcBef>
+                <a:spcPts val="1417"/>
+              </a:spcBef>
+              <a:buNone/>
+            </a:pPr>
+            <a:endParaRPr lang="en-US" sz="2000" b="0" strike="noStrike" spc="-1">
+              <a:solidFill>
+                <a:srgbClr val="404040"/>
+              </a:solidFill>
+              <a:latin typeface="Bahnschrift Light SemiCondensed"/>
+            </a:endParaRPr>
+          </a:p>
+        </p:txBody>
+      </p:sp>
+      <p:pic>
+        <p:nvPicPr>
+          <p:cNvPr id="127" name="Picture 126"/>
+          <p:cNvPicPr/>
+          <p:nvPr/>
+        </p:nvPicPr>
+        <p:blipFill>
+          <a:blip r:embed="rId2"/>
+          <a:stretch/>
+        </p:blipFill>
+        <p:spPr>
+          <a:xfrm>
+            <a:off x="540000" y="1737000"/>
+            <a:ext cx="7200000" cy="4500000"/>
+          </a:xfrm>
+          <a:prstGeom prst="rect">
+            <a:avLst/>
+          </a:prstGeom>
+          <a:ln w="0">
+            <a:noFill/>
+          </a:ln>
+        </p:spPr>
+      </p:pic>
+      <p:sp>
+        <p:nvSpPr>
+          <p:cNvPr id="128" name="TextBox 127"/>
+          <p:cNvSpPr txBox="1"/>
+          <p:nvPr/>
+        </p:nvSpPr>
+        <p:spPr>
+          <a:xfrm>
+            <a:off x="7760880" y="1816200"/>
+            <a:ext cx="4801680" cy="2138040"/>
+          </a:xfrm>
+          <a:prstGeom prst="rect">
+            <a:avLst/>
+          </a:prstGeom>
+          <a:noFill/>
+          <a:ln w="0">
+            <a:noFill/>
+          </a:ln>
+        </p:spPr>
+        <p:txBody>
+          <a:bodyPr lIns="90000" tIns="45000" rIns="90000" bIns="45000" anchor="t">
+            <a:noAutofit/>
+          </a:bodyPr>
+          <a:lstStyle/>
+          <a:p>
+            <a:r>
+              <a:rPr lang="en-IN" sz="1800" b="0" strike="noStrike" spc="-1" dirty="0">
+                <a:latin typeface="Arial"/>
+              </a:rPr>
+              <a:t>Internal clustering metric</a:t>
+            </a:r>
+            <a:br>
+              <a:rPr sz="1800" dirty="0"/>
+            </a:br>
+            <a:endParaRPr lang="en-IN" sz="1800" b="0" strike="noStrike" spc="-1" dirty="0">
+              <a:latin typeface="Arial"/>
+            </a:endParaRPr>
+          </a:p>
+          <a:p>
+            <a:endParaRPr lang="en-IN" sz="1800" b="0" strike="noStrike" spc="-1" dirty="0">
+              <a:latin typeface="Arial"/>
+            </a:endParaRPr>
+          </a:p>
+          <a:p>
+            <a:r>
+              <a:rPr lang="en-IN" sz="1800" b="0" strike="noStrike" spc="-1" dirty="0">
+                <a:latin typeface="Arial"/>
+              </a:rPr>
+              <a:t>Silhouette Score (range −1 to 1): higher is better.</a:t>
+            </a:r>
+          </a:p>
+          <a:p>
+            <a:r>
+              <a:rPr lang="en-IN" sz="1800" b="0" strike="noStrike" spc="-1" dirty="0">
+                <a:latin typeface="Arial"/>
+              </a:rPr>
+              <a:t>– K-Means (3 clusters): 0.548</a:t>
+            </a:r>
+          </a:p>
+          <a:p>
+            <a:r>
+              <a:rPr lang="en-IN" sz="1800" b="0" strike="noStrike" spc="-1" dirty="0">
+                <a:latin typeface="Arial"/>
+              </a:rPr>
+              <a:t>– Hierarchical (3 clusters): 0.265</a:t>
+            </a:r>
+          </a:p>
+          <a:p>
+            <a:r>
+              <a:rPr lang="en-IN" sz="1800" b="0" strike="noStrike" spc="-1" dirty="0">
+                <a:latin typeface="Arial"/>
+              </a:rPr>
+              <a:t>– DBSCAN: 0.196</a:t>
+            </a:r>
           </a:p>
         </p:txBody>
       </p:sp>
     </p:spTree>
-    <p:extLst>
-      <p:ext uri="{BB962C8B-B14F-4D97-AF65-F5344CB8AC3E}">
-        <p14:creationId xmlns:p14="http://schemas.microsoft.com/office/powerpoint/2010/main" val="958603044"/>
-      </p:ext>
-    </p:extLst>
   </p:cSld>
   <p:clrMapOvr>
     <a:masterClrMapping/>
@@ -4743,13 +4851,7 @@
       </p:grpSpPr>
       <p:sp>
         <p:nvSpPr>
-          <p:cNvPr id="2" name="Title 1">
-            <a:extLst>
-              <a:ext uri="{FF2B5EF4-FFF2-40B4-BE49-F238E27FC236}">
-                <a16:creationId xmlns:a16="http://schemas.microsoft.com/office/drawing/2014/main" id="{1EE0E5BF-C18D-9D3E-29F0-742BC9DA37C8}"/>
-              </a:ext>
-            </a:extLst>
-          </p:cNvPr>
+          <p:cNvPr id="129" name="PlaceHolder 1"/>
           <p:cNvSpPr>
             <a:spLocks noGrp="1"/>
           </p:cNvSpPr>
@@ -4757,49 +4859,224 @@
             <p:ph type="title"/>
           </p:nvPr>
         </p:nvSpPr>
-        <p:spPr/>
-        <p:txBody>
-          <a:bodyPr/>
-          <a:lstStyle/>
-          <a:p>
-            <a:r>
-              <a:rPr lang="en-IN" dirty="0"/>
+        <p:spPr>
+          <a:xfrm>
+            <a:off x="0" y="0"/>
+            <a:ext cx="8988120" cy="868500"/>
+          </a:xfrm>
+          <a:prstGeom prst="rect">
+            <a:avLst/>
+          </a:prstGeom>
+          <a:noFill/>
+          <a:ln w="0">
+            <a:noFill/>
+          </a:ln>
+        </p:spPr>
+        <p:txBody>
+          <a:bodyPr anchor="b">
+            <a:noAutofit/>
+          </a:bodyPr>
+          <a:lstStyle/>
+          <a:p>
+            <a:pPr>
+              <a:lnSpc>
+                <a:spcPct val="85000"/>
+              </a:lnSpc>
+              <a:buNone/>
+            </a:pPr>
+            <a:r>
+              <a:rPr lang="en-IN" sz="4800" b="0" strike="noStrike" spc="-52" dirty="0">
+                <a:solidFill>
+                  <a:srgbClr val="404040"/>
+                </a:solidFill>
+                <a:latin typeface="Bahnschrift"/>
+              </a:rPr>
               <a:t>13. Interpretation of Results</a:t>
             </a:r>
-          </a:p>
-        </p:txBody>
-      </p:sp>
-      <p:sp>
-        <p:nvSpPr>
-          <p:cNvPr id="3" name="Content Placeholder 2">
-            <a:extLst>
-              <a:ext uri="{FF2B5EF4-FFF2-40B4-BE49-F238E27FC236}">
-                <a16:creationId xmlns:a16="http://schemas.microsoft.com/office/drawing/2014/main" id="{758EA728-DAFF-6FDF-3CB0-5648FDCC67F1}"/>
-              </a:ext>
-            </a:extLst>
-          </p:cNvPr>
-          <p:cNvSpPr>
-            <a:spLocks noGrp="1"/>
-          </p:cNvSpPr>
-          <p:nvPr>
-            <p:ph idx="1"/>
-          </p:nvPr>
-        </p:nvSpPr>
-        <p:spPr/>
-        <p:txBody>
-          <a:bodyPr/>
-          <a:lstStyle/>
-          <a:p>
-            <a:endParaRPr lang="en-IN" dirty="0"/>
+            <a:endParaRPr lang="en-US" sz="4800" b="0" strike="noStrike" spc="-1" dirty="0">
+              <a:solidFill>
+                <a:srgbClr val="000000"/>
+              </a:solidFill>
+              <a:latin typeface="Bahnschrift Light SemiCondensed"/>
+            </a:endParaRPr>
+          </a:p>
+        </p:txBody>
+      </p:sp>
+      <p:pic>
+        <p:nvPicPr>
+          <p:cNvPr id="130" name="Picture 129"/>
+          <p:cNvPicPr/>
+          <p:nvPr/>
+        </p:nvPicPr>
+        <p:blipFill>
+          <a:blip r:embed="rId2"/>
+          <a:stretch/>
+        </p:blipFill>
+        <p:spPr>
+          <a:xfrm>
+            <a:off x="180000" y="1737000"/>
+            <a:ext cx="5966280" cy="4581000"/>
+          </a:xfrm>
+          <a:prstGeom prst="rect">
+            <a:avLst/>
+          </a:prstGeom>
+          <a:ln w="0">
+            <a:noFill/>
+          </a:ln>
+        </p:spPr>
+      </p:pic>
+      <p:sp>
+        <p:nvSpPr>
+          <p:cNvPr id="131" name="TextBox 130"/>
+          <p:cNvSpPr txBox="1"/>
+          <p:nvPr/>
+        </p:nvSpPr>
+        <p:spPr>
+          <a:xfrm>
+            <a:off x="7051909" y="704250"/>
+            <a:ext cx="5140091" cy="5449500"/>
+          </a:xfrm>
+          <a:prstGeom prst="rect">
+            <a:avLst/>
+          </a:prstGeom>
+          <a:noFill/>
+          <a:ln w="0">
+            <a:noFill/>
+          </a:ln>
+        </p:spPr>
+        <p:txBody>
+          <a:bodyPr lIns="90000" tIns="45000" rIns="90000" bIns="45000" anchor="t">
+            <a:noAutofit/>
+          </a:bodyPr>
+          <a:lstStyle/>
+          <a:p>
+            <a:pPr>
+              <a:lnSpc>
+                <a:spcPct val="150000"/>
+              </a:lnSpc>
+              <a:buNone/>
+            </a:pPr>
+            <a:r>
+              <a:rPr lang="en-IN" sz="1600" b="0" strike="noStrike" spc="-1" dirty="0">
+                <a:latin typeface="Arial"/>
+              </a:rPr>
+              <a:t>Each small line at the bottom is one customer.</a:t>
+            </a:r>
+            <a:endParaRPr lang="en-IN" sz="1600" b="0" strike="noStrike" spc="-1" dirty="0">
+              <a:latin typeface="Arial"/>
+              <a:ea typeface="Noto Sans CJK SC"/>
+            </a:endParaRPr>
+          </a:p>
+          <a:p>
+            <a:endParaRPr lang="en-IN" sz="1600" b="0" strike="noStrike" spc="-1" dirty="0">
+              <a:latin typeface="Arial"/>
+            </a:endParaRPr>
+          </a:p>
+          <a:p>
+            <a:r>
+              <a:rPr lang="en-IN" sz="1600" b="0" strike="noStrike" spc="-1" dirty="0">
+                <a:latin typeface="Arial"/>
+              </a:rPr>
+              <a:t>As we go upwards, similar customers join together to form bigger clusters.</a:t>
+            </a:r>
+          </a:p>
+          <a:p>
+            <a:endParaRPr lang="en-IN" sz="1600" b="0" strike="noStrike" spc="-1" dirty="0">
+              <a:latin typeface="Arial"/>
+            </a:endParaRPr>
+          </a:p>
+          <a:p>
+            <a:r>
+              <a:rPr lang="en-IN" sz="1600" b="0" strike="noStrike" spc="-1" dirty="0">
+                <a:latin typeface="Arial"/>
+              </a:rPr>
+              <a:t>The height of the vertical line shows how different the two groups are</a:t>
+            </a:r>
+          </a:p>
+          <a:p>
+            <a:r>
+              <a:rPr lang="en-IN" sz="1600" b="0" strike="noStrike" spc="-1" dirty="0">
+                <a:latin typeface="Arial"/>
+              </a:rPr>
+              <a:t>(higher line = more dissimilar groups).</a:t>
+            </a:r>
+          </a:p>
+          <a:p>
+            <a:endParaRPr lang="en-IN" sz="1600" b="0" strike="noStrike" spc="-1" dirty="0">
+              <a:latin typeface="Arial"/>
+            </a:endParaRPr>
+          </a:p>
+          <a:p>
+            <a:r>
+              <a:rPr lang="en-IN" sz="1600" b="0" strike="noStrike" spc="-1" dirty="0">
+                <a:latin typeface="Arial"/>
+              </a:rPr>
+              <a:t>I draw a red dashed horizontal line at height ≈ 20.</a:t>
+            </a:r>
+          </a:p>
+          <a:p>
+            <a:endParaRPr lang="en-IN" sz="1600" b="0" strike="noStrike" spc="-1" dirty="0">
+              <a:latin typeface="Arial"/>
+            </a:endParaRPr>
+          </a:p>
+          <a:p>
+            <a:r>
+              <a:rPr lang="en-IN" sz="1600" b="0" strike="noStrike" spc="-1" dirty="0">
+                <a:latin typeface="Arial"/>
+              </a:rPr>
+              <a:t>When we cut the tree at this level, the dendrogram splits into 3 big branches.</a:t>
+            </a:r>
+          </a:p>
+          <a:p>
+            <a:endParaRPr lang="en-IN" sz="1600" b="0" strike="noStrike" spc="-1" dirty="0">
+              <a:latin typeface="Arial"/>
+            </a:endParaRPr>
+          </a:p>
+          <a:p>
+            <a:r>
+              <a:rPr lang="en-IN" sz="1600" b="0" strike="noStrike" spc="-1" dirty="0">
+                <a:latin typeface="Arial"/>
+              </a:rPr>
+              <a:t>So, the dendrogram suggests that 3 natural clusters exist in this dataset.</a:t>
+            </a:r>
+          </a:p>
+          <a:p>
+            <a:endParaRPr lang="en-IN" sz="1600" b="0" strike="noStrike" spc="-1" dirty="0">
+              <a:latin typeface="Arial"/>
+            </a:endParaRPr>
+          </a:p>
+          <a:p>
+            <a:r>
+              <a:rPr lang="en-IN" sz="1600" b="0" strike="noStrike" spc="-1" dirty="0">
+                <a:latin typeface="Arial"/>
+              </a:rPr>
+              <a:t>This matches my K-Means result with 3 clusters,</a:t>
+            </a:r>
+          </a:p>
+          <a:p>
+            <a:r>
+              <a:rPr lang="en-IN" sz="1600" b="0" strike="noStrike" spc="-1" dirty="0">
+                <a:latin typeface="Arial"/>
+              </a:rPr>
+              <a:t>which also had the best Silhouette Score (~0.55).</a:t>
+            </a:r>
+          </a:p>
+          <a:p>
+            <a:endParaRPr lang="en-IN" sz="1600" b="0" strike="noStrike" spc="-1" dirty="0">
+              <a:latin typeface="Arial"/>
+            </a:endParaRPr>
+          </a:p>
+          <a:p>
+            <a:r>
+              <a:rPr lang="en-IN" sz="1600" b="0" strike="noStrike" spc="-1" dirty="0">
+                <a:latin typeface="Arial"/>
+              </a:rPr>
+              <a:t>Therefore, 3 clusters is a good choice, and the groups are meaningful customer segments</a:t>
+            </a:r>
           </a:p>
         </p:txBody>
       </p:sp>
     </p:spTree>
-    <p:extLst>
-      <p:ext uri="{BB962C8B-B14F-4D97-AF65-F5344CB8AC3E}">
-        <p14:creationId xmlns:p14="http://schemas.microsoft.com/office/powerpoint/2010/main" val="1762443921"/>
-      </p:ext>
-    </p:extLst>
   </p:cSld>
   <p:clrMapOvr>
     <a:masterClrMapping/>
@@ -6986,13 +7263,10 @@
             </a:r>
             <a:r>
               <a:rPr dirty="0"/>
-              <a:t>. Result Analysis – </a:t>
-            </a:r>
-            <a:r>
-              <a:t>Dataset </a:t>
-            </a:r>
-            <a:r>
-              <a:rPr lang="en-US"/>
+              <a:t>. Result Analysis – Dataset </a:t>
+            </a:r>
+            <a:r>
+              <a:rPr lang="en-US" dirty="0"/>
               <a:t>2</a:t>
             </a:r>
             <a:endParaRPr dirty="0"/>

--- a/docs/23CSE301_A8.pptx
+++ b/docs/23CSE301_A8.pptx
@@ -13,8 +13,8 @@
     <p:sldId id="280" r:id="rId7"/>
     <p:sldId id="270" r:id="rId8"/>
     <p:sldId id="273" r:id="rId9"/>
-    <p:sldId id="278" r:id="rId10"/>
-    <p:sldId id="281" r:id="rId11"/>
+    <p:sldId id="284" r:id="rId10"/>
+    <p:sldId id="285" r:id="rId11"/>
     <p:sldId id="271" r:id="rId12"/>
     <p:sldId id="274" r:id="rId13"/>
     <p:sldId id="283" r:id="rId14"/>
@@ -895,6 +895,100 @@
 </p:sldLayout>
 </file>
 
+<file path=ppt/slideLayouts/slideLayout12.xml><?xml version="1.0" encoding="utf-8"?>
+<p:sldLayout xmlns:a="http://schemas.openxmlformats.org/drawingml/2006/main" xmlns:r="http://schemas.openxmlformats.org/officeDocument/2006/relationships" xmlns:p="http://schemas.openxmlformats.org/presentationml/2006/main" type="obj">
+  <p:cSld name="1_Title and Content">
+    <p:spTree>
+      <p:nvGrpSpPr>
+        <p:cNvPr id="1" name=""/>
+        <p:cNvGrpSpPr/>
+        <p:nvPr/>
+      </p:nvGrpSpPr>
+      <p:grpSpPr>
+        <a:xfrm>
+          <a:off x="0" y="0"/>
+          <a:ext cx="0" cy="0"/>
+          <a:chOff x="0" y="0"/>
+          <a:chExt cx="0" cy="0"/>
+        </a:xfrm>
+      </p:grpSpPr>
+      <p:sp>
+        <p:nvSpPr>
+          <p:cNvPr id="2" name="Footer Placeholder 4">
+            <a:extLst>
+              <a:ext uri="{FF2B5EF4-FFF2-40B4-BE49-F238E27FC236}">
+                <a16:creationId xmlns:a16="http://schemas.microsoft.com/office/drawing/2014/main" id="{0641F247-70E4-39E9-5AFE-A6730F3DA771}"/>
+              </a:ext>
+            </a:extLst>
+          </p:cNvPr>
+          <p:cNvSpPr txBox="1">
+            <a:spLocks noGrp="1"/>
+          </p:cNvSpPr>
+          <p:nvPr>
+            <p:ph type="ftr" sz="quarter" idx="9"/>
+          </p:nvPr>
+        </p:nvSpPr>
+        <p:spPr/>
+        <p:txBody>
+          <a:bodyPr/>
+          <a:lstStyle>
+            <a:lvl1pPr>
+              <a:defRPr/>
+            </a:lvl1pPr>
+          </a:lstStyle>
+          <a:p>
+            <a:pPr lvl="0"/>
+            <a:endParaRPr lang="en-IN"/>
+          </a:p>
+        </p:txBody>
+      </p:sp>
+      <p:sp>
+        <p:nvSpPr>
+          <p:cNvPr id="3" name="Slide Number Placeholder 5">
+            <a:extLst>
+              <a:ext uri="{FF2B5EF4-FFF2-40B4-BE49-F238E27FC236}">
+                <a16:creationId xmlns:a16="http://schemas.microsoft.com/office/drawing/2014/main" id="{CC1D4D45-49DC-6DB8-5CFF-39F73929E7F8}"/>
+              </a:ext>
+            </a:extLst>
+          </p:cNvPr>
+          <p:cNvSpPr txBox="1">
+            <a:spLocks noGrp="1"/>
+          </p:cNvSpPr>
+          <p:nvPr>
+            <p:ph type="sldNum" sz="quarter" idx="8"/>
+          </p:nvPr>
+        </p:nvSpPr>
+        <p:spPr/>
+        <p:txBody>
+          <a:bodyPr/>
+          <a:lstStyle>
+            <a:lvl1pPr>
+              <a:defRPr/>
+            </a:lvl1pPr>
+          </a:lstStyle>
+          <a:p>
+            <a:pPr lvl="0"/>
+            <a:fld id="{4C7D95CC-B920-43AE-9066-D72F11861247}" type="slidenum">
+              <a:t>‹#›</a:t>
+            </a:fld>
+            <a:endParaRPr lang="en-IN"/>
+          </a:p>
+        </p:txBody>
+      </p:sp>
+    </p:spTree>
+    <p:extLst>
+      <p:ext uri="{BB962C8B-B14F-4D97-AF65-F5344CB8AC3E}">
+        <p14:creationId xmlns:p14="http://schemas.microsoft.com/office/powerpoint/2010/main" val="1577180418"/>
+      </p:ext>
+    </p:extLst>
+  </p:cSld>
+  <p:clrMapOvr>
+    <a:masterClrMapping/>
+  </p:clrMapOvr>
+  <p:hf sldNum="0" hdr="0" ftr="0" dt="0"/>
+</p:sldLayout>
+</file>
+
 <file path=ppt/slideLayouts/slideLayout2.xml><?xml version="1.0" encoding="utf-8"?>
 <p:sldLayout xmlns:a="http://schemas.openxmlformats.org/drawingml/2006/main" xmlns:r="http://schemas.openxmlformats.org/officeDocument/2006/relationships" xmlns:p="http://schemas.openxmlformats.org/presentationml/2006/main" type="obj" preserve="1">
   <p:cSld name="Title and Content">
@@ -3089,7 +3183,7 @@
     <p:bg>
       <p:bgPr>
         <a:blipFill dpi="0" rotWithShape="1">
-          <a:blip r:embed="rId13">
+          <a:blip r:embed="rId14">
             <a:alphaModFix amt="16000"/>
             <a:lum/>
           </a:blip>
@@ -3471,6 +3565,7 @@
     <p:sldLayoutId id="2147483735" r:id="rId9"/>
     <p:sldLayoutId id="2147483736" r:id="rId10"/>
     <p:sldLayoutId id="2147483737" r:id="rId11"/>
+    <p:sldLayoutId id="2147483738" r:id="rId12"/>
   </p:sldLayoutIdLst>
   <p:txStyles>
     <p:titleStyle>
@@ -4000,13 +4095,7 @@
   <p:cSld>
     <p:spTree>
       <p:nvGrpSpPr>
-        <p:cNvPr id="1" name="">
-          <a:extLst>
-            <a:ext uri="{FF2B5EF4-FFF2-40B4-BE49-F238E27FC236}">
-              <a16:creationId xmlns:a16="http://schemas.microsoft.com/office/drawing/2014/main" id="{057E9C99-B231-A337-FC6D-D34FF684A674}"/>
-            </a:ext>
-          </a:extLst>
-        </p:cNvPr>
+        <p:cNvPr id="1" name=""/>
         <p:cNvGrpSpPr/>
         <p:nvPr/>
       </p:nvGrpSpPr>
@@ -4023,60 +4112,81 @@
           <p:cNvPr id="2" name="Title 1">
             <a:extLst>
               <a:ext uri="{FF2B5EF4-FFF2-40B4-BE49-F238E27FC236}">
-                <a16:creationId xmlns:a16="http://schemas.microsoft.com/office/drawing/2014/main" id="{F3BA18D1-C120-EFE0-89DF-C935C1F652E9}"/>
+                <a16:creationId xmlns:a16="http://schemas.microsoft.com/office/drawing/2014/main" id="{A3D36D6E-A869-2179-A11E-3D3E1FF362BF}"/>
               </a:ext>
             </a:extLst>
           </p:cNvPr>
-          <p:cNvSpPr>
+          <p:cNvSpPr txBox="1">
             <a:spLocks noGrp="1"/>
           </p:cNvSpPr>
           <p:nvPr>
             <p:ph type="title"/>
           </p:nvPr>
         </p:nvSpPr>
-        <p:spPr/>
-        <p:txBody>
-          <a:bodyPr/>
-          <a:lstStyle/>
-          <a:p>
-            <a:r>
-              <a:rPr lang="en-IN" dirty="0"/>
+        <p:spPr>
+          <a:xfrm>
+            <a:off x="1097280" y="286600"/>
+            <a:ext cx="10058400" cy="1450759"/>
+          </a:xfrm>
+          <a:prstGeom prst="rect">
+            <a:avLst/>
+          </a:prstGeom>
+          <a:noFill/>
+          <a:ln>
+            <a:noFill/>
+          </a:ln>
+        </p:spPr>
+        <p:txBody>
+          <a:bodyPr vert="horz" wrap="square" lIns="91440" tIns="45720" rIns="91440" bIns="45720" anchor="b" anchorCtr="0" compatLnSpc="1">
+            <a:normAutofit/>
+          </a:bodyPr>
+          <a:lstStyle/>
+          <a:p>
+            <a:pPr lvl="0"/>
+            <a:r>
+              <a:rPr lang="en-IN"/>
               <a:t>9. Interpretation of Results</a:t>
             </a:r>
           </a:p>
         </p:txBody>
       </p:sp>
-      <p:sp>
-        <p:nvSpPr>
-          <p:cNvPr id="3" name="Content Placeholder 2">
+      <p:pic>
+        <p:nvPicPr>
+          <p:cNvPr id="3" name="Content Placeholder 3" descr="A graph of different colored squares&#10;&#10;AI-generated content may be incorrect.">
             <a:extLst>
               <a:ext uri="{FF2B5EF4-FFF2-40B4-BE49-F238E27FC236}">
-                <a16:creationId xmlns:a16="http://schemas.microsoft.com/office/drawing/2014/main" id="{2E7DBD61-3F7C-27B5-E897-99B48EF006DD}"/>
+                <a16:creationId xmlns:a16="http://schemas.microsoft.com/office/drawing/2014/main" id="{47A17764-A37B-658F-24C5-EEA0CB1941A1}"/>
               </a:ext>
             </a:extLst>
           </p:cNvPr>
-          <p:cNvSpPr>
-            <a:spLocks noGrp="1"/>
-          </p:cNvSpPr>
+          <p:cNvPicPr>
+            <a:picLocks noGrp="1" noChangeAspect="1"/>
+          </p:cNvPicPr>
           <p:nvPr>
             <p:ph idx="1"/>
           </p:nvPr>
-        </p:nvSpPr>
-        <p:spPr/>
-        <p:txBody>
-          <a:bodyPr/>
-          <a:lstStyle/>
-          <a:p>
-            <a:endParaRPr lang="en-IN" dirty="0"/>
-          </a:p>
-        </p:txBody>
-      </p:sp>
+        </p:nvPicPr>
+        <p:blipFill>
+          <a:blip r:embed="rId2"/>
+          <a:stretch>
+            <a:fillRect/>
+          </a:stretch>
+        </p:blipFill>
+        <p:spPr>
+          <a:xfrm>
+            <a:off x="3090781" y="1845734"/>
+            <a:ext cx="6071396" cy="4023360"/>
+          </a:xfrm>
+          <a:prstGeom prst="rect">
+            <a:avLst/>
+          </a:prstGeom>
+          <a:noFill/>
+          <a:ln>
+            <a:noFill/>
+          </a:ln>
+        </p:spPr>
+      </p:pic>
     </p:spTree>
-    <p:extLst>
-      <p:ext uri="{BB962C8B-B14F-4D97-AF65-F5344CB8AC3E}">
-        <p14:creationId xmlns:p14="http://schemas.microsoft.com/office/powerpoint/2010/main" val="578767149"/>
-      </p:ext>
-    </p:extLst>
   </p:cSld>
   <p:clrMapOvr>
     <a:masterClrMapping/>
@@ -7216,13 +7326,7 @@
   <p:cSld>
     <p:spTree>
       <p:nvGrpSpPr>
-        <p:cNvPr id="1" name="">
-          <a:extLst>
-            <a:ext uri="{FF2B5EF4-FFF2-40B4-BE49-F238E27FC236}">
-              <a16:creationId xmlns:a16="http://schemas.microsoft.com/office/drawing/2014/main" id="{716CB5F5-16EE-FDE2-F6BC-36B7D8029B2B}"/>
-            </a:ext>
-          </a:extLst>
-        </p:cNvPr>
+        <p:cNvPr id="1" name=""/>
         <p:cNvGrpSpPr/>
         <p:nvPr/>
       </p:nvGrpSpPr>
@@ -7239,93 +7343,183 @@
           <p:cNvPr id="2" name="Title 1">
             <a:extLst>
               <a:ext uri="{FF2B5EF4-FFF2-40B4-BE49-F238E27FC236}">
-                <a16:creationId xmlns:a16="http://schemas.microsoft.com/office/drawing/2014/main" id="{D9038BC2-F8BD-BEF2-DA23-618C16073E66}"/>
+                <a16:creationId xmlns:a16="http://schemas.microsoft.com/office/drawing/2014/main" id="{47E47D01-B057-32CC-B8EE-EDCFA22EC9F5}"/>
               </a:ext>
             </a:extLst>
           </p:cNvPr>
-          <p:cNvSpPr>
+          <p:cNvSpPr txBox="1">
             <a:spLocks noGrp="1"/>
           </p:cNvSpPr>
           <p:nvPr>
             <p:ph type="title"/>
           </p:nvPr>
         </p:nvSpPr>
-        <p:spPr/>
-        <p:txBody>
-          <a:bodyPr>
+        <p:spPr>
+          <a:xfrm>
+            <a:off x="1097280" y="286600"/>
+            <a:ext cx="10058400" cy="1450759"/>
+          </a:xfrm>
+          <a:prstGeom prst="rect">
+            <a:avLst/>
+          </a:prstGeom>
+          <a:noFill/>
+          <a:ln>
+            <a:noFill/>
+          </a:ln>
+        </p:spPr>
+        <p:txBody>
+          <a:bodyPr vert="horz" wrap="square" lIns="91440" tIns="45720" rIns="91440" bIns="45720" anchor="b" anchorCtr="0" compatLnSpc="1">
             <a:normAutofit/>
           </a:bodyPr>
           <a:lstStyle/>
           <a:p>
-            <a:r>
-              <a:rPr lang="en-US" dirty="0"/>
-              <a:t>8</a:t>
-            </a:r>
-            <a:r>
-              <a:rPr dirty="0"/>
-              <a:t>. Result Analysis – Dataset </a:t>
-            </a:r>
-            <a:r>
-              <a:rPr lang="en-US" dirty="0"/>
-              <a:t>2</a:t>
-            </a:r>
-            <a:endParaRPr dirty="0"/>
-          </a:p>
-        </p:txBody>
-      </p:sp>
-      <p:sp>
-        <p:nvSpPr>
-          <p:cNvPr id="3" name="Content Placeholder 2">
+            <a:pPr lvl="0"/>
+            <a:r>
+              <a:rPr lang="en-US"/>
+              <a:t>8. Result Analysis – Dataset 2</a:t>
+            </a:r>
+          </a:p>
+        </p:txBody>
+      </p:sp>
+      <p:pic>
+        <p:nvPicPr>
+          <p:cNvPr id="3" name="Content Placeholder 3" descr="A graph with red dots&#10;&#10;AI-generated content may be incorrect.">
             <a:extLst>
               <a:ext uri="{FF2B5EF4-FFF2-40B4-BE49-F238E27FC236}">
-                <a16:creationId xmlns:a16="http://schemas.microsoft.com/office/drawing/2014/main" id="{E1656AB4-D375-F4F3-2CB0-D5E595C328DE}"/>
+                <a16:creationId xmlns:a16="http://schemas.microsoft.com/office/drawing/2014/main" id="{3BC5C4F1-26D8-67C4-8F42-502505C249B8}"/>
               </a:ext>
             </a:extLst>
           </p:cNvPr>
-          <p:cNvSpPr>
-            <a:spLocks noGrp="1"/>
-          </p:cNvSpPr>
+          <p:cNvPicPr>
+            <a:picLocks noGrp="1" noChangeAspect="1"/>
+          </p:cNvPicPr>
           <p:nvPr>
             <p:ph idx="1"/>
           </p:nvPr>
-        </p:nvSpPr>
-        <p:spPr/>
-        <p:txBody>
-          <a:bodyPr/>
-          <a:lstStyle/>
-          <a:p>
-            <a:r>
-              <a:rPr lang="en-IN" dirty="0"/>
-              <a:t>Confusion Matrix</a:t>
-            </a:r>
-          </a:p>
-          <a:p>
-            <a:r>
-              <a:rPr lang="en-US" dirty="0"/>
-              <a:t>Accuracy, Precision, Recall, Specificity, F1</a:t>
-            </a:r>
-          </a:p>
-          <a:p>
-            <a:r>
-              <a:rPr lang="en-IN" dirty="0"/>
-              <a:t>ROC-AUC, PR-AUC</a:t>
-            </a:r>
-          </a:p>
-          <a:p>
-            <a:r>
-              <a:rPr lang="en-IN" dirty="0"/>
-              <a:t>ROC, PR Curves</a:t>
-            </a:r>
-            <a:endParaRPr dirty="0"/>
-          </a:p>
-        </p:txBody>
-      </p:sp>
+        </p:nvPicPr>
+        <p:blipFill>
+          <a:blip r:embed="rId2"/>
+          <a:stretch>
+            <a:fillRect/>
+          </a:stretch>
+        </p:blipFill>
+        <p:spPr>
+          <a:xfrm>
+            <a:off x="832597" y="1737451"/>
+            <a:ext cx="3437476" cy="2789002"/>
+          </a:xfrm>
+          <a:prstGeom prst="rect">
+            <a:avLst/>
+          </a:prstGeom>
+          <a:noFill/>
+          <a:ln>
+            <a:noFill/>
+          </a:ln>
+        </p:spPr>
+      </p:pic>
+      <p:pic>
+        <p:nvPicPr>
+          <p:cNvPr id="4" name="Picture 4" descr="A graph with red dots&#10;&#10;AI-generated content may be incorrect.">
+            <a:extLst>
+              <a:ext uri="{FF2B5EF4-FFF2-40B4-BE49-F238E27FC236}">
+                <a16:creationId xmlns:a16="http://schemas.microsoft.com/office/drawing/2014/main" id="{3EE3AB21-2676-90F2-E1A1-F9B766E51372}"/>
+              </a:ext>
+            </a:extLst>
+          </p:cNvPr>
+          <p:cNvPicPr>
+            <a:picLocks noChangeAspect="1"/>
+          </p:cNvPicPr>
+          <p:nvPr/>
+        </p:nvPicPr>
+        <p:blipFill>
+          <a:blip r:embed="rId3"/>
+          <a:stretch>
+            <a:fillRect/>
+          </a:stretch>
+        </p:blipFill>
+        <p:spPr>
+          <a:xfrm>
+            <a:off x="4271509" y="1741767"/>
+            <a:ext cx="3419343" cy="2800350"/>
+          </a:xfrm>
+          <a:prstGeom prst="rect">
+            <a:avLst/>
+          </a:prstGeom>
+          <a:noFill/>
+          <a:ln cap="flat">
+            <a:noFill/>
+          </a:ln>
+        </p:spPr>
+      </p:pic>
+      <p:pic>
+        <p:nvPicPr>
+          <p:cNvPr id="5" name="Picture 5" descr="A graph with red dots&#10;&#10;AI-generated content may be incorrect.">
+            <a:extLst>
+              <a:ext uri="{FF2B5EF4-FFF2-40B4-BE49-F238E27FC236}">
+                <a16:creationId xmlns:a16="http://schemas.microsoft.com/office/drawing/2014/main" id="{7672E85F-7586-2271-2001-A9810286E370}"/>
+              </a:ext>
+            </a:extLst>
+          </p:cNvPr>
+          <p:cNvPicPr>
+            <a:picLocks noChangeAspect="1"/>
+          </p:cNvPicPr>
+          <p:nvPr/>
+        </p:nvPicPr>
+        <p:blipFill>
+          <a:blip r:embed="rId4"/>
+          <a:stretch>
+            <a:fillRect/>
+          </a:stretch>
+        </p:blipFill>
+        <p:spPr>
+          <a:xfrm>
+            <a:off x="7700052" y="1740853"/>
+            <a:ext cx="3462009" cy="2802178"/>
+          </a:xfrm>
+          <a:prstGeom prst="rect">
+            <a:avLst/>
+          </a:prstGeom>
+          <a:noFill/>
+          <a:ln cap="flat">
+            <a:noFill/>
+          </a:ln>
+        </p:spPr>
+      </p:pic>
+      <p:pic>
+        <p:nvPicPr>
+          <p:cNvPr id="6" name="Picture 6" descr="A screenshot of a graph&#10;&#10;AI-generated content may be incorrect.">
+            <a:extLst>
+              <a:ext uri="{FF2B5EF4-FFF2-40B4-BE49-F238E27FC236}">
+                <a16:creationId xmlns:a16="http://schemas.microsoft.com/office/drawing/2014/main" id="{47091AC4-AFC8-8072-3B3D-F2745E0716B1}"/>
+              </a:ext>
+            </a:extLst>
+          </p:cNvPr>
+          <p:cNvPicPr>
+            <a:picLocks noChangeAspect="1"/>
+          </p:cNvPicPr>
+          <p:nvPr/>
+        </p:nvPicPr>
+        <p:blipFill>
+          <a:blip r:embed="rId5"/>
+          <a:stretch>
+            <a:fillRect/>
+          </a:stretch>
+        </p:blipFill>
+        <p:spPr>
+          <a:xfrm>
+            <a:off x="4117543" y="4548253"/>
+            <a:ext cx="4019546" cy="1790696"/>
+          </a:xfrm>
+          <a:prstGeom prst="rect">
+            <a:avLst/>
+          </a:prstGeom>
+          <a:noFill/>
+          <a:ln cap="flat">
+            <a:noFill/>
+          </a:ln>
+        </p:spPr>
+      </p:pic>
     </p:spTree>
-    <p:extLst>
-      <p:ext uri="{BB962C8B-B14F-4D97-AF65-F5344CB8AC3E}">
-        <p14:creationId xmlns:p14="http://schemas.microsoft.com/office/powerpoint/2010/main" val="3198863659"/>
-      </p:ext>
-    </p:extLst>
   </p:cSld>
   <p:clrMapOvr>
     <a:masterClrMapping/>

--- a/docs/23CSE301_A8.pptx
+++ b/docs/23CSE301_A8.pptx
@@ -370,7 +370,7 @@
           <a:p>
             <a:fld id="{C2EF3F80-4C52-46D4-9D36-C6F3EED98E5F}" type="datetimeFigureOut">
               <a:rPr lang="en-IN" smtClean="0"/>
-              <a:t>27-11-2025</a:t>
+              <a:t>28-11-2025</a:t>
             </a:fld>
             <a:endParaRPr lang="en-IN"/>
           </a:p>
@@ -578,7 +578,7 @@
           <a:p>
             <a:fld id="{C2EF3F80-4C52-46D4-9D36-C6F3EED98E5F}" type="datetimeFigureOut">
               <a:rPr lang="en-IN" smtClean="0"/>
-              <a:t>27-11-2025</a:t>
+              <a:t>28-11-2025</a:t>
             </a:fld>
             <a:endParaRPr lang="en-IN"/>
           </a:p>
@@ -834,7 +834,7 @@
           <a:p>
             <a:fld id="{C2EF3F80-4C52-46D4-9D36-C6F3EED98E5F}" type="datetimeFigureOut">
               <a:rPr lang="en-IN" smtClean="0"/>
-              <a:t>27-11-2025</a:t>
+              <a:t>28-11-2025</a:t>
             </a:fld>
             <a:endParaRPr lang="en-IN"/>
           </a:p>
@@ -1102,7 +1102,7 @@
           <a:p>
             <a:fld id="{C2EF3F80-4C52-46D4-9D36-C6F3EED98E5F}" type="datetimeFigureOut">
               <a:rPr lang="en-IN" smtClean="0"/>
-              <a:t>27-11-2025</a:t>
+              <a:t>28-11-2025</a:t>
             </a:fld>
             <a:endParaRPr lang="en-IN"/>
           </a:p>
@@ -1437,7 +1437,7 @@
           <a:p>
             <a:fld id="{C2EF3F80-4C52-46D4-9D36-C6F3EED98E5F}" type="datetimeFigureOut">
               <a:rPr lang="en-IN" smtClean="0"/>
-              <a:t>27-11-2025</a:t>
+              <a:t>28-11-2025</a:t>
             </a:fld>
             <a:endParaRPr lang="en-IN"/>
           </a:p>
@@ -1712,7 +1712,7 @@
           <a:p>
             <a:fld id="{C2EF3F80-4C52-46D4-9D36-C6F3EED98E5F}" type="datetimeFigureOut">
               <a:rPr lang="en-IN" smtClean="0"/>
-              <a:t>27-11-2025</a:t>
+              <a:t>28-11-2025</a:t>
             </a:fld>
             <a:endParaRPr lang="en-IN"/>
           </a:p>
@@ -2091,7 +2091,7 @@
           <a:p>
             <a:fld id="{C2EF3F80-4C52-46D4-9D36-C6F3EED98E5F}" type="datetimeFigureOut">
               <a:rPr lang="en-IN" smtClean="0"/>
-              <a:t>27-11-2025</a:t>
+              <a:t>28-11-2025</a:t>
             </a:fld>
             <a:endParaRPr lang="en-IN"/>
           </a:p>
@@ -2209,7 +2209,7 @@
           <a:p>
             <a:fld id="{C2EF3F80-4C52-46D4-9D36-C6F3EED98E5F}" type="datetimeFigureOut">
               <a:rPr lang="en-IN" smtClean="0"/>
-              <a:t>27-11-2025</a:t>
+              <a:t>28-11-2025</a:t>
             </a:fld>
             <a:endParaRPr lang="en-IN"/>
           </a:p>
@@ -2380,7 +2380,7 @@
           <a:p>
             <a:fld id="{C2EF3F80-4C52-46D4-9D36-C6F3EED98E5F}" type="datetimeFigureOut">
               <a:rPr lang="en-IN" smtClean="0"/>
-              <a:t>27-11-2025</a:t>
+              <a:t>28-11-2025</a:t>
             </a:fld>
             <a:endParaRPr lang="en-IN"/>
           </a:p>
@@ -2734,7 +2734,7 @@
           <a:p>
             <a:fld id="{C2EF3F80-4C52-46D4-9D36-C6F3EED98E5F}" type="datetimeFigureOut">
               <a:rPr lang="en-IN" smtClean="0"/>
-              <a:t>27-11-2025</a:t>
+              <a:t>28-11-2025</a:t>
             </a:fld>
             <a:endParaRPr lang="en-IN"/>
           </a:p>
@@ -3116,7 +3116,7 @@
           <a:p>
             <a:fld id="{C2EF3F80-4C52-46D4-9D36-C6F3EED98E5F}" type="datetimeFigureOut">
               <a:rPr lang="en-IN" smtClean="0"/>
-              <a:t>27-11-2025</a:t>
+              <a:t>28-11-2025</a:t>
             </a:fld>
             <a:endParaRPr lang="en-IN"/>
           </a:p>
@@ -3427,7 +3427,7 @@
           <a:p>
             <a:fld id="{C2EF3F80-4C52-46D4-9D36-C6F3EED98E5F}" type="datetimeFigureOut">
               <a:rPr lang="en-IN" smtClean="0"/>
-              <a:t>27-11-2025</a:t>
+              <a:t>28-11-2025</a:t>
             </a:fld>
             <a:endParaRPr lang="en-IN"/>
           </a:p>
@@ -5776,53 +5776,126 @@
           </a:p>
         </p:txBody>
       </p:sp>
-      <p:sp>
-        <p:nvSpPr>
-          <p:cNvPr id="3" name="Content Placeholder 2">
+      <p:pic>
+        <p:nvPicPr>
+          <p:cNvPr id="7" name="Picture 6">
             <a:extLst>
               <a:ext uri="{FF2B5EF4-FFF2-40B4-BE49-F238E27FC236}">
-                <a16:creationId xmlns:a16="http://schemas.microsoft.com/office/drawing/2014/main" id="{7ABA8FF1-3EED-66A8-BB4F-3E7BD5A60BD3}"/>
+                <a16:creationId xmlns:a16="http://schemas.microsoft.com/office/drawing/2014/main" id="{236953EB-C966-D9C7-19C8-2B85A92B6C7D}"/>
               </a:ext>
             </a:extLst>
           </p:cNvPr>
-          <p:cNvSpPr>
-            <a:spLocks noGrp="1"/>
-          </p:cNvSpPr>
-          <p:nvPr>
-            <p:ph idx="1"/>
-          </p:nvPr>
-        </p:nvSpPr>
-        <p:spPr/>
-        <p:txBody>
-          <a:bodyPr/>
-          <a:lstStyle/>
-          <a:p>
-            <a:r>
-              <a:rPr lang="en-IN" dirty="0"/>
-              <a:t>Confusion Matrix</a:t>
-            </a:r>
-          </a:p>
-          <a:p>
-            <a:r>
-              <a:rPr lang="en-US" dirty="0"/>
-              <a:t>Accuracy, Precision, Recall, Specificity, F1</a:t>
-            </a:r>
-          </a:p>
-          <a:p>
-            <a:r>
-              <a:rPr lang="en-IN" dirty="0"/>
-              <a:t>ROC-AUC, PR-AUC</a:t>
-            </a:r>
-          </a:p>
-          <a:p>
-            <a:r>
-              <a:rPr lang="en-IN" dirty="0"/>
-              <a:t>ROC, PR Curves</a:t>
-            </a:r>
-            <a:endParaRPr dirty="0"/>
-          </a:p>
-        </p:txBody>
-      </p:sp>
+          <p:cNvPicPr>
+            <a:picLocks noChangeAspect="1"/>
+          </p:cNvPicPr>
+          <p:nvPr/>
+        </p:nvPicPr>
+        <p:blipFill>
+          <a:blip r:embed="rId2"/>
+          <a:stretch>
+            <a:fillRect/>
+          </a:stretch>
+        </p:blipFill>
+        <p:spPr>
+          <a:xfrm>
+            <a:off x="0" y="1920563"/>
+            <a:ext cx="2912353" cy="3492095"/>
+          </a:xfrm>
+          <a:prstGeom prst="rect">
+            <a:avLst/>
+          </a:prstGeom>
+        </p:spPr>
+      </p:pic>
+      <p:pic>
+        <p:nvPicPr>
+          <p:cNvPr id="9" name="Picture 8">
+            <a:extLst>
+              <a:ext uri="{FF2B5EF4-FFF2-40B4-BE49-F238E27FC236}">
+                <a16:creationId xmlns:a16="http://schemas.microsoft.com/office/drawing/2014/main" id="{4845D6BC-3839-8A1F-D919-5881ACB586D9}"/>
+              </a:ext>
+            </a:extLst>
+          </p:cNvPr>
+          <p:cNvPicPr>
+            <a:picLocks noChangeAspect="1"/>
+          </p:cNvPicPr>
+          <p:nvPr/>
+        </p:nvPicPr>
+        <p:blipFill>
+          <a:blip r:embed="rId3"/>
+          <a:stretch>
+            <a:fillRect/>
+          </a:stretch>
+        </p:blipFill>
+        <p:spPr>
+          <a:xfrm>
+            <a:off x="3034755" y="1896025"/>
+            <a:ext cx="2885730" cy="3499716"/>
+          </a:xfrm>
+          <a:prstGeom prst="rect">
+            <a:avLst/>
+          </a:prstGeom>
+        </p:spPr>
+      </p:pic>
+      <p:pic>
+        <p:nvPicPr>
+          <p:cNvPr id="11" name="Picture 10">
+            <a:extLst>
+              <a:ext uri="{FF2B5EF4-FFF2-40B4-BE49-F238E27FC236}">
+                <a16:creationId xmlns:a16="http://schemas.microsoft.com/office/drawing/2014/main" id="{2A9CC101-4CC1-574D-ED2D-0DA7AB3ACA63}"/>
+              </a:ext>
+            </a:extLst>
+          </p:cNvPr>
+          <p:cNvPicPr>
+            <a:picLocks noChangeAspect="1"/>
+          </p:cNvPicPr>
+          <p:nvPr/>
+        </p:nvPicPr>
+        <p:blipFill>
+          <a:blip r:embed="rId4"/>
+          <a:stretch>
+            <a:fillRect/>
+          </a:stretch>
+        </p:blipFill>
+        <p:spPr>
+          <a:xfrm>
+            <a:off x="6042887" y="1896025"/>
+            <a:ext cx="2991955" cy="3558561"/>
+          </a:xfrm>
+          <a:prstGeom prst="rect">
+            <a:avLst/>
+          </a:prstGeom>
+        </p:spPr>
+      </p:pic>
+      <p:pic>
+        <p:nvPicPr>
+          <p:cNvPr id="13" name="Picture 12">
+            <a:extLst>
+              <a:ext uri="{FF2B5EF4-FFF2-40B4-BE49-F238E27FC236}">
+                <a16:creationId xmlns:a16="http://schemas.microsoft.com/office/drawing/2014/main" id="{9153B7A8-FA89-CF02-C9FF-61E2C41F1E31}"/>
+              </a:ext>
+            </a:extLst>
+          </p:cNvPr>
+          <p:cNvPicPr>
+            <a:picLocks noChangeAspect="1"/>
+          </p:cNvPicPr>
+          <p:nvPr/>
+        </p:nvPicPr>
+        <p:blipFill>
+          <a:blip r:embed="rId5"/>
+          <a:stretch>
+            <a:fillRect/>
+          </a:stretch>
+        </p:blipFill>
+        <p:spPr>
+          <a:xfrm>
+            <a:off x="9279646" y="1920563"/>
+            <a:ext cx="2885730" cy="3509486"/>
+          </a:xfrm>
+          <a:prstGeom prst="rect">
+            <a:avLst/>
+          </a:prstGeom>
+        </p:spPr>
+      </p:pic>
     </p:spTree>
     <p:extLst>
       <p:ext uri="{BB962C8B-B14F-4D97-AF65-F5344CB8AC3E}">
@@ -5887,31 +5960,68 @@
           </a:p>
         </p:txBody>
       </p:sp>
-      <p:sp>
-        <p:nvSpPr>
-          <p:cNvPr id="3" name="Content Placeholder 2">
+      <p:pic>
+        <p:nvPicPr>
+          <p:cNvPr id="5" name="Content Placeholder 4">
             <a:extLst>
               <a:ext uri="{FF2B5EF4-FFF2-40B4-BE49-F238E27FC236}">
-                <a16:creationId xmlns:a16="http://schemas.microsoft.com/office/drawing/2014/main" id="{58F2C366-387D-7A77-157F-FF2F89F0F061}"/>
+                <a16:creationId xmlns:a16="http://schemas.microsoft.com/office/drawing/2014/main" id="{87E06CEB-A305-A083-2305-7B8023749E58}"/>
               </a:ext>
             </a:extLst>
           </p:cNvPr>
-          <p:cNvSpPr>
-            <a:spLocks noGrp="1"/>
-          </p:cNvSpPr>
+          <p:cNvPicPr>
+            <a:picLocks noGrp="1" noChangeAspect="1"/>
+          </p:cNvPicPr>
           <p:nvPr>
             <p:ph idx="1"/>
           </p:nvPr>
-        </p:nvSpPr>
-        <p:spPr/>
-        <p:txBody>
-          <a:bodyPr/>
-          <a:lstStyle/>
-          <a:p>
-            <a:endParaRPr lang="en-IN" dirty="0"/>
-          </a:p>
-        </p:txBody>
-      </p:sp>
+        </p:nvPicPr>
+        <p:blipFill>
+          <a:blip r:embed="rId2"/>
+          <a:stretch>
+            <a:fillRect/>
+          </a:stretch>
+        </p:blipFill>
+        <p:spPr>
+          <a:xfrm>
+            <a:off x="2035775" y="2060751"/>
+            <a:ext cx="8120449" cy="4022725"/>
+          </a:xfrm>
+          <a:prstGeom prst="rect">
+            <a:avLst/>
+          </a:prstGeom>
+        </p:spPr>
+      </p:pic>
+      <p:pic>
+        <p:nvPicPr>
+          <p:cNvPr id="7" name="Picture 6">
+            <a:extLst>
+              <a:ext uri="{FF2B5EF4-FFF2-40B4-BE49-F238E27FC236}">
+                <a16:creationId xmlns:a16="http://schemas.microsoft.com/office/drawing/2014/main" id="{F433041E-EB48-E1A9-C171-3375FE3D4C69}"/>
+              </a:ext>
+            </a:extLst>
+          </p:cNvPr>
+          <p:cNvPicPr>
+            <a:picLocks noChangeAspect="1"/>
+          </p:cNvPicPr>
+          <p:nvPr/>
+        </p:nvPicPr>
+        <p:blipFill>
+          <a:blip r:embed="rId3"/>
+          <a:stretch>
+            <a:fillRect/>
+          </a:stretch>
+        </p:blipFill>
+        <p:spPr>
+          <a:xfrm>
+            <a:off x="929148" y="1737360"/>
+            <a:ext cx="3520745" cy="883997"/>
+          </a:xfrm>
+          <a:prstGeom prst="rect">
+            <a:avLst/>
+          </a:prstGeom>
+        </p:spPr>
+      </p:pic>
     </p:spTree>
     <p:extLst>
       <p:ext uri="{BB962C8B-B14F-4D97-AF65-F5344CB8AC3E}">
@@ -5978,32 +6088,332 @@
             <p:ph idx="1"/>
           </p:nvPr>
         </p:nvSpPr>
-        <p:spPr/>
-        <p:txBody>
-          <a:bodyPr/>
-          <a:lstStyle/>
-          <a:p>
-            <a:r>
-              <a:rPr dirty="0"/>
-              <a:t>Comparison of models</a:t>
-            </a:r>
-          </a:p>
-          <a:p>
-            <a:r>
-              <a:rPr dirty="0"/>
-              <a:t>Best-performing model</a:t>
-            </a:r>
-          </a:p>
-          <a:p>
-            <a:r>
-              <a:rPr dirty="0"/>
-              <a:t>Insights gained</a:t>
-            </a:r>
-          </a:p>
-          <a:p>
-            <a:r>
-              <a:rPr dirty="0"/>
-              <a:t>Future improvements</a:t>
+        <p:spPr>
+          <a:xfrm>
+            <a:off x="249555" y="2102931"/>
+            <a:ext cx="4129405" cy="1892300"/>
+          </a:xfrm>
+        </p:spPr>
+        <p:txBody>
+          <a:bodyPr>
+            <a:normAutofit fontScale="92500" lnSpcReduction="20000"/>
+          </a:bodyPr>
+          <a:lstStyle/>
+          <a:p>
+            <a:r>
+              <a:rPr lang="en-US" b="1" dirty="0"/>
+              <a:t>Best-Performing Models</a:t>
+            </a:r>
+          </a:p>
+          <a:p>
+            <a:r>
+              <a:rPr lang="en-US" sz="1900" dirty="0"/>
+              <a:t>Churn Prediction: Logistic Regression </a:t>
+            </a:r>
+          </a:p>
+          <a:p>
+            <a:r>
+              <a:rPr lang="en-US" sz="1900" dirty="0"/>
+              <a:t>Spending Prediction: Linear Regression </a:t>
+            </a:r>
+          </a:p>
+          <a:p>
+            <a:r>
+              <a:rPr lang="en-US" sz="1900" dirty="0"/>
+              <a:t>Customer Segmentation: K-Means (k=3)</a:t>
+            </a:r>
+          </a:p>
+          <a:p>
+            <a:r>
+              <a:rPr lang="en-US" sz="1900" dirty="0"/>
+              <a:t>Shopper Intent: LDA</a:t>
+            </a:r>
+          </a:p>
+        </p:txBody>
+      </p:sp>
+      <p:sp>
+        <p:nvSpPr>
+          <p:cNvPr id="5" name="TextBox 4">
+            <a:extLst>
+              <a:ext uri="{FF2B5EF4-FFF2-40B4-BE49-F238E27FC236}">
+                <a16:creationId xmlns:a16="http://schemas.microsoft.com/office/drawing/2014/main" id="{9BEF5A76-8636-B8B2-692D-645D3450CF59}"/>
+              </a:ext>
+            </a:extLst>
+          </p:cNvPr>
+          <p:cNvSpPr txBox="1"/>
+          <p:nvPr/>
+        </p:nvSpPr>
+        <p:spPr>
+          <a:xfrm>
+            <a:off x="4378960" y="2102931"/>
+            <a:ext cx="7563485" cy="2031325"/>
+          </a:xfrm>
+          <a:prstGeom prst="rect">
+            <a:avLst/>
+          </a:prstGeom>
+          <a:noFill/>
+        </p:spPr>
+        <p:txBody>
+          <a:bodyPr wrap="square">
+            <a:spAutoFit/>
+          </a:bodyPr>
+          <a:lstStyle/>
+          <a:p>
+            <a:r>
+              <a:rPr lang="en-US" b="1" dirty="0"/>
+              <a:t>Key Insights Gained</a:t>
+            </a:r>
+          </a:p>
+          <a:p>
+            <a:r>
+              <a:rPr lang="en-US" dirty="0"/>
+              <a:t>Simplicity Wins: In 3 out of 4 tasks, simpler techniques (Linear/Logistic/K-Means) matched or beat complex ones.</a:t>
+            </a:r>
+          </a:p>
+          <a:p>
+            <a:r>
+              <a:rPr lang="en-US" dirty="0"/>
+              <a:t>Power of LDA: Supervised dimensionality reduction compressed data by 17x without losing any predictive power.</a:t>
+            </a:r>
+          </a:p>
+          <a:p>
+            <a:r>
+              <a:rPr lang="en-US" dirty="0"/>
+              <a:t>Cluster Geometry: The Wholesale dataset formed "spherical" clusters (favoring K-Means) rather than the arbitrary shapes required for DBSCAN.</a:t>
+            </a:r>
+          </a:p>
+        </p:txBody>
+      </p:sp>
+      <p:sp>
+        <p:nvSpPr>
+          <p:cNvPr id="7" name="Rectangle 2">
+            <a:extLst>
+              <a:ext uri="{FF2B5EF4-FFF2-40B4-BE49-F238E27FC236}">
+                <a16:creationId xmlns:a16="http://schemas.microsoft.com/office/drawing/2014/main" id="{84A7E047-52BA-9F17-4A0A-7BA47E9D0697}"/>
+              </a:ext>
+            </a:extLst>
+          </p:cNvPr>
+          <p:cNvSpPr>
+            <a:spLocks noChangeArrowheads="1"/>
+          </p:cNvSpPr>
+          <p:nvPr/>
+        </p:nvSpPr>
+        <p:spPr bwMode="auto">
+          <a:xfrm>
+            <a:off x="249554" y="4807830"/>
+            <a:ext cx="11692891" cy="1323439"/>
+          </a:xfrm>
+          <a:prstGeom prst="rect">
+            <a:avLst/>
+          </a:prstGeom>
+          <a:noFill/>
+          <a:ln>
+            <a:noFill/>
+          </a:ln>
+          <a:effectLst/>
+          <a:extLst>
+            <a:ext uri="{909E8E84-426E-40DD-AFC4-6F175D3DCCD1}">
+              <a14:hiddenFill xmlns:a14="http://schemas.microsoft.com/office/drawing/2010/main">
+                <a:solidFill>
+                  <a:schemeClr val="accent1"/>
+                </a:solidFill>
+              </a14:hiddenFill>
+            </a:ext>
+            <a:ext uri="{91240B29-F687-4F45-9708-019B960494DF}">
+              <a14:hiddenLine xmlns:a14="http://schemas.microsoft.com/office/drawing/2010/main" w="9525">
+                <a:solidFill>
+                  <a:schemeClr val="tx1"/>
+                </a:solidFill>
+                <a:miter lim="800000"/>
+                <a:headEnd/>
+                <a:tailEnd/>
+              </a14:hiddenLine>
+            </a:ext>
+            <a:ext uri="{AF507438-7753-43E0-B8FC-AC1667EBCBE1}">
+              <a14:hiddenEffects xmlns:a14="http://schemas.microsoft.com/office/drawing/2010/main">
+                <a:effectLst>
+                  <a:outerShdw dist="35921" dir="2700000" algn="ctr" rotWithShape="0">
+                    <a:schemeClr val="bg2"/>
+                  </a:outerShdw>
+                </a:effectLst>
+              </a14:hiddenEffects>
+            </a:ext>
+          </a:extLst>
+        </p:spPr>
+        <p:txBody>
+          <a:bodyPr vert="horz" wrap="square" lIns="91440" tIns="45720" rIns="91440" bIns="45720" numCol="1" anchor="ctr" anchorCtr="0" compatLnSpc="1">
+            <a:prstTxWarp prst="textNoShape">
+              <a:avLst/>
+            </a:prstTxWarp>
+            <a:spAutoFit/>
+          </a:bodyPr>
+          <a:lstStyle/>
+          <a:p>
+            <a:pPr marL="0" marR="0" lvl="0" indent="0" algn="l" defTabSz="914400" rtl="0" eaLnBrk="0" fontAlgn="base" latinLnBrk="0" hangingPunct="0">
+              <a:lnSpc>
+                <a:spcPct val="100000"/>
+              </a:lnSpc>
+              <a:spcBef>
+                <a:spcPct val="0"/>
+              </a:spcBef>
+              <a:spcAft>
+                <a:spcPct val="0"/>
+              </a:spcAft>
+              <a:buClrTx/>
+              <a:buSzTx/>
+              <a:tabLst/>
+            </a:pPr>
+            <a:r>
+              <a:rPr kumimoji="0" lang="en-US" altLang="en-US" sz="1600" b="1" i="0" u="none" strike="noStrike" cap="none" normalizeH="0" baseline="0" dirty="0">
+                <a:ln>
+                  <a:noFill/>
+                </a:ln>
+                <a:solidFill>
+                  <a:schemeClr val="tx1"/>
+                </a:solidFill>
+                <a:effectLst/>
+                <a:latin typeface="Arial" panose="020B0604020202020204" pitchFamily="34" charset="0"/>
+              </a:rPr>
+              <a:t>Future Improvements</a:t>
+            </a:r>
+          </a:p>
+          <a:p>
+            <a:pPr marL="0" marR="0" lvl="0" indent="0" algn="l" defTabSz="914400" rtl="0" eaLnBrk="0" fontAlgn="base" latinLnBrk="0" hangingPunct="0">
+              <a:lnSpc>
+                <a:spcPct val="100000"/>
+              </a:lnSpc>
+              <a:spcBef>
+                <a:spcPct val="0"/>
+              </a:spcBef>
+              <a:spcAft>
+                <a:spcPct val="0"/>
+              </a:spcAft>
+              <a:buClrTx/>
+              <a:buSzTx/>
+              <a:tabLst/>
+            </a:pPr>
+            <a:r>
+              <a:rPr kumimoji="0" lang="en-US" altLang="en-US" sz="1600" i="0" u="none" strike="noStrike" cap="none" normalizeH="0" baseline="0" dirty="0">
+                <a:ln>
+                  <a:noFill/>
+                </a:ln>
+                <a:solidFill>
+                  <a:schemeClr val="tx1"/>
+                </a:solidFill>
+                <a:effectLst/>
+                <a:latin typeface="Arial" panose="020B0604020202020204" pitchFamily="34" charset="0"/>
+              </a:rPr>
+              <a:t>Address Imbalance: Implement SMOTE or Class Weights on the Shoppers dataset to improve buyer detection (Recall).</a:t>
+            </a:r>
+          </a:p>
+          <a:p>
+            <a:pPr marL="0" marR="0" lvl="0" indent="0" algn="l" defTabSz="914400" rtl="0" eaLnBrk="0" fontAlgn="base" latinLnBrk="0" hangingPunct="0">
+              <a:lnSpc>
+                <a:spcPct val="100000"/>
+              </a:lnSpc>
+              <a:spcBef>
+                <a:spcPct val="0"/>
+              </a:spcBef>
+              <a:spcAft>
+                <a:spcPct val="0"/>
+              </a:spcAft>
+              <a:buClrTx/>
+              <a:buSzTx/>
+              <a:tabLst/>
+            </a:pPr>
+            <a:r>
+              <a:rPr kumimoji="0" lang="en-US" altLang="en-US" sz="1600" i="0" u="none" strike="noStrike" cap="none" normalizeH="0" baseline="0" dirty="0">
+                <a:ln>
+                  <a:noFill/>
+                </a:ln>
+                <a:solidFill>
+                  <a:schemeClr val="tx1"/>
+                </a:solidFill>
+                <a:effectLst/>
+                <a:latin typeface="Arial" panose="020B0604020202020204" pitchFamily="34" charset="0"/>
+              </a:rPr>
+              <a:t>Advanced Models: Move beyond linear baselines to Random Forest or </a:t>
+            </a:r>
+            <a:r>
+              <a:rPr kumimoji="0" lang="en-US" altLang="en-US" sz="1600" i="0" u="none" strike="noStrike" cap="none" normalizeH="0" baseline="0" dirty="0" err="1">
+                <a:ln>
+                  <a:noFill/>
+                </a:ln>
+                <a:solidFill>
+                  <a:schemeClr val="tx1"/>
+                </a:solidFill>
+                <a:effectLst/>
+                <a:latin typeface="Arial" panose="020B0604020202020204" pitchFamily="34" charset="0"/>
+              </a:rPr>
+              <a:t>XGBoost</a:t>
+            </a:r>
+            <a:r>
+              <a:rPr kumimoji="0" lang="en-US" altLang="en-US" sz="1600" i="0" u="none" strike="noStrike" cap="none" normalizeH="0" baseline="0" dirty="0">
+                <a:ln>
+                  <a:noFill/>
+                </a:ln>
+                <a:solidFill>
+                  <a:schemeClr val="tx1"/>
+                </a:solidFill>
+                <a:effectLst/>
+                <a:latin typeface="Arial" panose="020B0604020202020204" pitchFamily="34" charset="0"/>
+              </a:rPr>
+              <a:t> to capture complex non-linear patterns in Churn &amp; Spending.</a:t>
+            </a:r>
+          </a:p>
+          <a:p>
+            <a:pPr marL="0" marR="0" lvl="0" indent="0" algn="l" defTabSz="914400" rtl="0" eaLnBrk="0" fontAlgn="base" latinLnBrk="0" hangingPunct="0">
+              <a:lnSpc>
+                <a:spcPct val="100000"/>
+              </a:lnSpc>
+              <a:spcBef>
+                <a:spcPct val="0"/>
+              </a:spcBef>
+              <a:spcAft>
+                <a:spcPct val="0"/>
+              </a:spcAft>
+              <a:buClrTx/>
+              <a:buSzTx/>
+              <a:tabLst/>
+            </a:pPr>
+            <a:r>
+              <a:rPr kumimoji="0" lang="en-US" altLang="en-US" sz="1600" i="0" u="none" strike="noStrike" cap="none" normalizeH="0" baseline="0" dirty="0">
+                <a:ln>
+                  <a:noFill/>
+                </a:ln>
+                <a:solidFill>
+                  <a:schemeClr val="tx1"/>
+                </a:solidFill>
+                <a:effectLst/>
+                <a:latin typeface="Arial" panose="020B0604020202020204" pitchFamily="34" charset="0"/>
+              </a:rPr>
+              <a:t>Cluster Tuning: Use </a:t>
+            </a:r>
+            <a:r>
+              <a:rPr kumimoji="0" lang="en-US" altLang="en-US" sz="1600" i="0" u="none" strike="noStrike" cap="none" normalizeH="0" baseline="0" dirty="0" err="1">
+                <a:ln>
+                  <a:noFill/>
+                </a:ln>
+                <a:solidFill>
+                  <a:schemeClr val="tx1"/>
+                </a:solidFill>
+                <a:effectLst/>
+                <a:latin typeface="Arial" panose="020B0604020202020204" pitchFamily="34" charset="0"/>
+              </a:rPr>
+              <a:t>GridSearch</a:t>
+            </a:r>
+            <a:r>
+              <a:rPr kumimoji="0" lang="en-US" altLang="en-US" sz="1600" i="0" u="none" strike="noStrike" cap="none" normalizeH="0" baseline="0" dirty="0">
+                <a:ln>
+                  <a:noFill/>
+                </a:ln>
+                <a:solidFill>
+                  <a:schemeClr val="tx1"/>
+                </a:solidFill>
+                <a:effectLst/>
+                <a:latin typeface="Arial" panose="020B0604020202020204" pitchFamily="34" charset="0"/>
+              </a:rPr>
+              <a:t> to optimize DBSCAN parameters (epsilon), as the current density settings missed key clusters.</a:t>
             </a:r>
           </a:p>
         </p:txBody>
